--- a/Seminar Presentation/DSL for HIL Testing.pptx
+++ b/Seminar Presentation/DSL for HIL Testing.pptx
@@ -6,20 +6,42 @@
     <p:sldMasterId id="2147483661" r:id="rId2"/>
   </p:sldMasterIdLst>
   <p:notesMasterIdLst>
-    <p:notesMasterId r:id="rId14"/>
+    <p:notesMasterId r:id="rId36"/>
   </p:notesMasterIdLst>
   <p:sldIdLst>
     <p:sldId id="256" r:id="rId3"/>
-    <p:sldId id="279" r:id="rId4"/>
-    <p:sldId id="280" r:id="rId5"/>
-    <p:sldId id="281" r:id="rId6"/>
-    <p:sldId id="282" r:id="rId7"/>
-    <p:sldId id="283" r:id="rId8"/>
-    <p:sldId id="284" r:id="rId9"/>
-    <p:sldId id="285" r:id="rId10"/>
-    <p:sldId id="286" r:id="rId11"/>
-    <p:sldId id="287" r:id="rId12"/>
-    <p:sldId id="278" r:id="rId13"/>
+    <p:sldId id="288" r:id="rId4"/>
+    <p:sldId id="290" r:id="rId5"/>
+    <p:sldId id="294" r:id="rId6"/>
+    <p:sldId id="296" r:id="rId7"/>
+    <p:sldId id="289" r:id="rId8"/>
+    <p:sldId id="291" r:id="rId9"/>
+    <p:sldId id="292" r:id="rId10"/>
+    <p:sldId id="293" r:id="rId11"/>
+    <p:sldId id="295" r:id="rId12"/>
+    <p:sldId id="297" r:id="rId13"/>
+    <p:sldId id="298" r:id="rId14"/>
+    <p:sldId id="299" r:id="rId15"/>
+    <p:sldId id="300" r:id="rId16"/>
+    <p:sldId id="301" r:id="rId17"/>
+    <p:sldId id="304" r:id="rId18"/>
+    <p:sldId id="303" r:id="rId19"/>
+    <p:sldId id="305" r:id="rId20"/>
+    <p:sldId id="306" r:id="rId21"/>
+    <p:sldId id="307" r:id="rId22"/>
+    <p:sldId id="308" r:id="rId23"/>
+    <p:sldId id="309" r:id="rId24"/>
+    <p:sldId id="310" r:id="rId25"/>
+    <p:sldId id="311" r:id="rId26"/>
+    <p:sldId id="282" r:id="rId27"/>
+    <p:sldId id="281" r:id="rId28"/>
+    <p:sldId id="283" r:id="rId29"/>
+    <p:sldId id="284" r:id="rId30"/>
+    <p:sldId id="285" r:id="rId31"/>
+    <p:sldId id="286" r:id="rId32"/>
+    <p:sldId id="287" r:id="rId33"/>
+    <p:sldId id="278" r:id="rId34"/>
+    <p:sldId id="302" r:id="rId35"/>
   </p:sldIdLst>
   <p:sldSz cx="12192000" cy="6858000"/>
   <p:notesSz cx="6858000" cy="9144000"/>
@@ -130,6 +152,3013 @@
 <p:cmAuthorLst xmlns:a="http://schemas.openxmlformats.org/drawingml/2006/main" xmlns:r="http://schemas.openxmlformats.org/officeDocument/2006/relationships" xmlns:p="http://schemas.openxmlformats.org/presentationml/2006/main">
   <p:cmAuthor id="0" name="" initials="" lastIdx="2" clrIdx="0"/>
 </p:cmAuthorLst>
+</file>
+
+<file path=ppt/diagrams/colors1.xml><?xml version="1.0" encoding="utf-8"?>
+<dgm:colorsDef xmlns:dgm="http://schemas.openxmlformats.org/drawingml/2006/diagram" xmlns:a="http://schemas.openxmlformats.org/drawingml/2006/main" uniqueId="urn:microsoft.com/office/officeart/2005/8/colors/accent1_2">
+  <dgm:title val=""/>
+  <dgm:desc val=""/>
+  <dgm:catLst>
+    <dgm:cat type="accent1" pri="11200"/>
+  </dgm:catLst>
+  <dgm:styleLbl name="node0">
+    <dgm:fillClrLst meth="repeat">
+      <a:schemeClr val="accent1"/>
+    </dgm:fillClrLst>
+    <dgm:linClrLst meth="repeat">
+      <a:schemeClr val="lt1"/>
+    </dgm:linClrLst>
+    <dgm:effectClrLst/>
+    <dgm:txLinClrLst/>
+    <dgm:txFillClrLst/>
+    <dgm:txEffectClrLst/>
+  </dgm:styleLbl>
+  <dgm:styleLbl name="alignNode1">
+    <dgm:fillClrLst meth="repeat">
+      <a:schemeClr val="accent1"/>
+    </dgm:fillClrLst>
+    <dgm:linClrLst meth="repeat">
+      <a:schemeClr val="accent1"/>
+    </dgm:linClrLst>
+    <dgm:effectClrLst/>
+    <dgm:txLinClrLst/>
+    <dgm:txFillClrLst/>
+    <dgm:txEffectClrLst/>
+  </dgm:styleLbl>
+  <dgm:styleLbl name="node1">
+    <dgm:fillClrLst meth="repeat">
+      <a:schemeClr val="accent1"/>
+    </dgm:fillClrLst>
+    <dgm:linClrLst meth="repeat">
+      <a:schemeClr val="lt1"/>
+    </dgm:linClrLst>
+    <dgm:effectClrLst/>
+    <dgm:txLinClrLst/>
+    <dgm:txFillClrLst/>
+    <dgm:txEffectClrLst/>
+  </dgm:styleLbl>
+  <dgm:styleLbl name="lnNode1">
+    <dgm:fillClrLst meth="repeat">
+      <a:schemeClr val="accent1"/>
+    </dgm:fillClrLst>
+    <dgm:linClrLst meth="repeat">
+      <a:schemeClr val="lt1"/>
+    </dgm:linClrLst>
+    <dgm:effectClrLst/>
+    <dgm:txLinClrLst/>
+    <dgm:txFillClrLst/>
+    <dgm:txEffectClrLst/>
+  </dgm:styleLbl>
+  <dgm:styleLbl name="vennNode1">
+    <dgm:fillClrLst meth="repeat">
+      <a:schemeClr val="accent1">
+        <a:alpha val="50000"/>
+      </a:schemeClr>
+    </dgm:fillClrLst>
+    <dgm:linClrLst meth="repeat">
+      <a:schemeClr val="lt1"/>
+    </dgm:linClrLst>
+    <dgm:effectClrLst/>
+    <dgm:txLinClrLst/>
+    <dgm:txFillClrLst/>
+    <dgm:txEffectClrLst/>
+  </dgm:styleLbl>
+  <dgm:styleLbl name="node2">
+    <dgm:fillClrLst meth="repeat">
+      <a:schemeClr val="accent1"/>
+    </dgm:fillClrLst>
+    <dgm:linClrLst meth="repeat">
+      <a:schemeClr val="lt1"/>
+    </dgm:linClrLst>
+    <dgm:effectClrLst/>
+    <dgm:txLinClrLst/>
+    <dgm:txFillClrLst/>
+    <dgm:txEffectClrLst/>
+  </dgm:styleLbl>
+  <dgm:styleLbl name="node3">
+    <dgm:fillClrLst meth="repeat">
+      <a:schemeClr val="accent1"/>
+    </dgm:fillClrLst>
+    <dgm:linClrLst meth="repeat">
+      <a:schemeClr val="lt1"/>
+    </dgm:linClrLst>
+    <dgm:effectClrLst/>
+    <dgm:txLinClrLst/>
+    <dgm:txFillClrLst/>
+    <dgm:txEffectClrLst/>
+  </dgm:styleLbl>
+  <dgm:styleLbl name="node4">
+    <dgm:fillClrLst meth="repeat">
+      <a:schemeClr val="accent1"/>
+    </dgm:fillClrLst>
+    <dgm:linClrLst meth="repeat">
+      <a:schemeClr val="lt1"/>
+    </dgm:linClrLst>
+    <dgm:effectClrLst/>
+    <dgm:txLinClrLst/>
+    <dgm:txFillClrLst/>
+    <dgm:txEffectClrLst/>
+  </dgm:styleLbl>
+  <dgm:styleLbl name="fgImgPlace1">
+    <dgm:fillClrLst meth="repeat">
+      <a:schemeClr val="accent1">
+        <a:tint val="50000"/>
+      </a:schemeClr>
+    </dgm:fillClrLst>
+    <dgm:linClrLst meth="repeat">
+      <a:schemeClr val="lt1"/>
+    </dgm:linClrLst>
+    <dgm:effectClrLst/>
+    <dgm:txLinClrLst/>
+    <dgm:txFillClrLst meth="repeat">
+      <a:schemeClr val="lt1"/>
+    </dgm:txFillClrLst>
+    <dgm:txEffectClrLst/>
+  </dgm:styleLbl>
+  <dgm:styleLbl name="alignImgPlace1">
+    <dgm:fillClrLst meth="repeat">
+      <a:schemeClr val="accent1">
+        <a:tint val="50000"/>
+      </a:schemeClr>
+    </dgm:fillClrLst>
+    <dgm:linClrLst meth="repeat">
+      <a:schemeClr val="lt1"/>
+    </dgm:linClrLst>
+    <dgm:effectClrLst/>
+    <dgm:txLinClrLst/>
+    <dgm:txFillClrLst meth="repeat">
+      <a:schemeClr val="lt1"/>
+    </dgm:txFillClrLst>
+    <dgm:txEffectClrLst/>
+  </dgm:styleLbl>
+  <dgm:styleLbl name="bgImgPlace1">
+    <dgm:fillClrLst meth="repeat">
+      <a:schemeClr val="accent1">
+        <a:tint val="50000"/>
+      </a:schemeClr>
+    </dgm:fillClrLst>
+    <dgm:linClrLst meth="repeat">
+      <a:schemeClr val="lt1"/>
+    </dgm:linClrLst>
+    <dgm:effectClrLst/>
+    <dgm:txLinClrLst/>
+    <dgm:txFillClrLst meth="repeat">
+      <a:schemeClr val="lt1"/>
+    </dgm:txFillClrLst>
+    <dgm:txEffectClrLst/>
+  </dgm:styleLbl>
+  <dgm:styleLbl name="sibTrans2D1">
+    <dgm:fillClrLst meth="repeat">
+      <a:schemeClr val="accent1">
+        <a:tint val="60000"/>
+      </a:schemeClr>
+    </dgm:fillClrLst>
+    <dgm:linClrLst meth="repeat">
+      <a:schemeClr val="accent1">
+        <a:tint val="60000"/>
+      </a:schemeClr>
+    </dgm:linClrLst>
+    <dgm:effectClrLst/>
+    <dgm:txLinClrLst/>
+    <dgm:txFillClrLst/>
+    <dgm:txEffectClrLst/>
+  </dgm:styleLbl>
+  <dgm:styleLbl name="fgSibTrans2D1">
+    <dgm:fillClrLst meth="repeat">
+      <a:schemeClr val="accent1">
+        <a:tint val="60000"/>
+      </a:schemeClr>
+    </dgm:fillClrLst>
+    <dgm:linClrLst meth="repeat">
+      <a:schemeClr val="accent1">
+        <a:tint val="60000"/>
+      </a:schemeClr>
+    </dgm:linClrLst>
+    <dgm:effectClrLst/>
+    <dgm:txLinClrLst/>
+    <dgm:txFillClrLst/>
+    <dgm:txEffectClrLst/>
+  </dgm:styleLbl>
+  <dgm:styleLbl name="bgSibTrans2D1">
+    <dgm:fillClrLst meth="repeat">
+      <a:schemeClr val="accent1">
+        <a:tint val="60000"/>
+      </a:schemeClr>
+    </dgm:fillClrLst>
+    <dgm:linClrLst meth="repeat">
+      <a:schemeClr val="accent1">
+        <a:tint val="60000"/>
+      </a:schemeClr>
+    </dgm:linClrLst>
+    <dgm:effectClrLst/>
+    <dgm:txLinClrLst/>
+    <dgm:txFillClrLst/>
+    <dgm:txEffectClrLst/>
+  </dgm:styleLbl>
+  <dgm:styleLbl name="sibTrans1D1">
+    <dgm:fillClrLst meth="repeat">
+      <a:schemeClr val="accent1"/>
+    </dgm:fillClrLst>
+    <dgm:linClrLst meth="repeat">
+      <a:schemeClr val="accent1"/>
+    </dgm:linClrLst>
+    <dgm:effectClrLst/>
+    <dgm:txLinClrLst/>
+    <dgm:txFillClrLst meth="repeat">
+      <a:schemeClr val="tx1"/>
+    </dgm:txFillClrLst>
+    <dgm:txEffectClrLst/>
+  </dgm:styleLbl>
+  <dgm:styleLbl name="callout">
+    <dgm:fillClrLst meth="repeat">
+      <a:schemeClr val="accent1"/>
+    </dgm:fillClrLst>
+    <dgm:linClrLst meth="repeat">
+      <a:schemeClr val="accent1">
+        <a:tint val="50000"/>
+      </a:schemeClr>
+    </dgm:linClrLst>
+    <dgm:effectClrLst/>
+    <dgm:txLinClrLst/>
+    <dgm:txFillClrLst meth="repeat">
+      <a:schemeClr val="tx1"/>
+    </dgm:txFillClrLst>
+    <dgm:txEffectClrLst/>
+  </dgm:styleLbl>
+  <dgm:styleLbl name="asst0">
+    <dgm:fillClrLst meth="repeat">
+      <a:schemeClr val="accent1"/>
+    </dgm:fillClrLst>
+    <dgm:linClrLst meth="repeat">
+      <a:schemeClr val="lt1"/>
+    </dgm:linClrLst>
+    <dgm:effectClrLst/>
+    <dgm:txLinClrLst/>
+    <dgm:txFillClrLst/>
+    <dgm:txEffectClrLst/>
+  </dgm:styleLbl>
+  <dgm:styleLbl name="asst1">
+    <dgm:fillClrLst meth="repeat">
+      <a:schemeClr val="accent1"/>
+    </dgm:fillClrLst>
+    <dgm:linClrLst meth="repeat">
+      <a:schemeClr val="lt1"/>
+    </dgm:linClrLst>
+    <dgm:effectClrLst/>
+    <dgm:txLinClrLst/>
+    <dgm:txFillClrLst/>
+    <dgm:txEffectClrLst/>
+  </dgm:styleLbl>
+  <dgm:styleLbl name="asst2">
+    <dgm:fillClrLst meth="repeat">
+      <a:schemeClr val="accent1"/>
+    </dgm:fillClrLst>
+    <dgm:linClrLst meth="repeat">
+      <a:schemeClr val="lt1"/>
+    </dgm:linClrLst>
+    <dgm:effectClrLst/>
+    <dgm:txLinClrLst/>
+    <dgm:txFillClrLst/>
+    <dgm:txEffectClrLst/>
+  </dgm:styleLbl>
+  <dgm:styleLbl name="asst3">
+    <dgm:fillClrLst meth="repeat">
+      <a:schemeClr val="accent1"/>
+    </dgm:fillClrLst>
+    <dgm:linClrLst meth="repeat">
+      <a:schemeClr val="lt1"/>
+    </dgm:linClrLst>
+    <dgm:effectClrLst/>
+    <dgm:txLinClrLst/>
+    <dgm:txFillClrLst/>
+    <dgm:txEffectClrLst/>
+  </dgm:styleLbl>
+  <dgm:styleLbl name="asst4">
+    <dgm:fillClrLst meth="repeat">
+      <a:schemeClr val="accent1"/>
+    </dgm:fillClrLst>
+    <dgm:linClrLst meth="repeat">
+      <a:schemeClr val="lt1"/>
+    </dgm:linClrLst>
+    <dgm:effectClrLst/>
+    <dgm:txLinClrLst/>
+    <dgm:txFillClrLst/>
+    <dgm:txEffectClrLst/>
+  </dgm:styleLbl>
+  <dgm:styleLbl name="parChTrans2D1">
+    <dgm:fillClrLst meth="repeat">
+      <a:schemeClr val="accent1">
+        <a:tint val="60000"/>
+      </a:schemeClr>
+    </dgm:fillClrLst>
+    <dgm:linClrLst meth="repeat">
+      <a:schemeClr val="accent1">
+        <a:tint val="60000"/>
+      </a:schemeClr>
+    </dgm:linClrLst>
+    <dgm:effectClrLst/>
+    <dgm:txLinClrLst/>
+    <dgm:txFillClrLst meth="repeat">
+      <a:schemeClr val="lt1"/>
+    </dgm:txFillClrLst>
+    <dgm:txEffectClrLst/>
+  </dgm:styleLbl>
+  <dgm:styleLbl name="parChTrans2D2">
+    <dgm:fillClrLst meth="repeat">
+      <a:schemeClr val="accent1"/>
+    </dgm:fillClrLst>
+    <dgm:linClrLst meth="repeat">
+      <a:schemeClr val="accent1"/>
+    </dgm:linClrLst>
+    <dgm:effectClrLst/>
+    <dgm:txLinClrLst/>
+    <dgm:txFillClrLst meth="repeat">
+      <a:schemeClr val="lt1"/>
+    </dgm:txFillClrLst>
+    <dgm:txEffectClrLst/>
+  </dgm:styleLbl>
+  <dgm:styleLbl name="parChTrans2D3">
+    <dgm:fillClrLst meth="repeat">
+      <a:schemeClr val="accent1"/>
+    </dgm:fillClrLst>
+    <dgm:linClrLst meth="repeat">
+      <a:schemeClr val="accent1"/>
+    </dgm:linClrLst>
+    <dgm:effectClrLst/>
+    <dgm:txLinClrLst/>
+    <dgm:txFillClrLst meth="repeat">
+      <a:schemeClr val="lt1"/>
+    </dgm:txFillClrLst>
+    <dgm:txEffectClrLst/>
+  </dgm:styleLbl>
+  <dgm:styleLbl name="parChTrans2D4">
+    <dgm:fillClrLst meth="repeat">
+      <a:schemeClr val="accent1"/>
+    </dgm:fillClrLst>
+    <dgm:linClrLst meth="repeat">
+      <a:schemeClr val="accent1"/>
+    </dgm:linClrLst>
+    <dgm:effectClrLst/>
+    <dgm:txLinClrLst/>
+    <dgm:txFillClrLst meth="repeat">
+      <a:schemeClr val="lt1"/>
+    </dgm:txFillClrLst>
+    <dgm:txEffectClrLst/>
+  </dgm:styleLbl>
+  <dgm:styleLbl name="parChTrans1D1">
+    <dgm:fillClrLst meth="repeat">
+      <a:schemeClr val="accent1"/>
+    </dgm:fillClrLst>
+    <dgm:linClrLst meth="repeat">
+      <a:schemeClr val="accent1">
+        <a:shade val="60000"/>
+      </a:schemeClr>
+    </dgm:linClrLst>
+    <dgm:effectClrLst/>
+    <dgm:txLinClrLst/>
+    <dgm:txFillClrLst meth="repeat">
+      <a:schemeClr val="tx1"/>
+    </dgm:txFillClrLst>
+    <dgm:txEffectClrLst/>
+  </dgm:styleLbl>
+  <dgm:styleLbl name="parChTrans1D2">
+    <dgm:fillClrLst meth="repeat">
+      <a:schemeClr val="accent1"/>
+    </dgm:fillClrLst>
+    <dgm:linClrLst meth="repeat">
+      <a:schemeClr val="accent1">
+        <a:shade val="60000"/>
+      </a:schemeClr>
+    </dgm:linClrLst>
+    <dgm:effectClrLst/>
+    <dgm:txLinClrLst/>
+    <dgm:txFillClrLst meth="repeat">
+      <a:schemeClr val="tx1"/>
+    </dgm:txFillClrLst>
+    <dgm:txEffectClrLst/>
+  </dgm:styleLbl>
+  <dgm:styleLbl name="parChTrans1D3">
+    <dgm:fillClrLst meth="repeat">
+      <a:schemeClr val="accent1"/>
+    </dgm:fillClrLst>
+    <dgm:linClrLst meth="repeat">
+      <a:schemeClr val="accent1">
+        <a:shade val="80000"/>
+      </a:schemeClr>
+    </dgm:linClrLst>
+    <dgm:effectClrLst/>
+    <dgm:txLinClrLst/>
+    <dgm:txFillClrLst meth="repeat">
+      <a:schemeClr val="tx1"/>
+    </dgm:txFillClrLst>
+    <dgm:txEffectClrLst/>
+  </dgm:styleLbl>
+  <dgm:styleLbl name="parChTrans1D4">
+    <dgm:fillClrLst meth="repeat">
+      <a:schemeClr val="accent1"/>
+    </dgm:fillClrLst>
+    <dgm:linClrLst meth="repeat">
+      <a:schemeClr val="accent1">
+        <a:shade val="80000"/>
+      </a:schemeClr>
+    </dgm:linClrLst>
+    <dgm:effectClrLst/>
+    <dgm:txLinClrLst/>
+    <dgm:txFillClrLst meth="repeat">
+      <a:schemeClr val="tx1"/>
+    </dgm:txFillClrLst>
+    <dgm:txEffectClrLst/>
+  </dgm:styleLbl>
+  <dgm:styleLbl name="fgAcc1">
+    <dgm:fillClrLst meth="repeat">
+      <a:schemeClr val="lt1">
+        <a:alpha val="90000"/>
+      </a:schemeClr>
+    </dgm:fillClrLst>
+    <dgm:linClrLst meth="repeat">
+      <a:schemeClr val="accent1"/>
+    </dgm:linClrLst>
+    <dgm:effectClrLst/>
+    <dgm:txLinClrLst/>
+    <dgm:txFillClrLst meth="repeat">
+      <a:schemeClr val="dk1"/>
+    </dgm:txFillClrLst>
+    <dgm:txEffectClrLst/>
+  </dgm:styleLbl>
+  <dgm:styleLbl name="conFgAcc1">
+    <dgm:fillClrLst meth="repeat">
+      <a:schemeClr val="lt1">
+        <a:alpha val="90000"/>
+      </a:schemeClr>
+    </dgm:fillClrLst>
+    <dgm:linClrLst meth="repeat">
+      <a:schemeClr val="accent1"/>
+    </dgm:linClrLst>
+    <dgm:effectClrLst/>
+    <dgm:txLinClrLst/>
+    <dgm:txFillClrLst meth="repeat">
+      <a:schemeClr val="dk1"/>
+    </dgm:txFillClrLst>
+    <dgm:txEffectClrLst/>
+  </dgm:styleLbl>
+  <dgm:styleLbl name="alignAcc1">
+    <dgm:fillClrLst meth="repeat">
+      <a:schemeClr val="lt1">
+        <a:alpha val="90000"/>
+      </a:schemeClr>
+    </dgm:fillClrLst>
+    <dgm:linClrLst meth="repeat">
+      <a:schemeClr val="accent1"/>
+    </dgm:linClrLst>
+    <dgm:effectClrLst/>
+    <dgm:txLinClrLst/>
+    <dgm:txFillClrLst meth="repeat">
+      <a:schemeClr val="dk1"/>
+    </dgm:txFillClrLst>
+    <dgm:txEffectClrLst/>
+  </dgm:styleLbl>
+  <dgm:styleLbl name="trAlignAcc1">
+    <dgm:fillClrLst meth="repeat">
+      <a:schemeClr val="lt1">
+        <a:alpha val="40000"/>
+      </a:schemeClr>
+    </dgm:fillClrLst>
+    <dgm:linClrLst meth="repeat">
+      <a:schemeClr val="accent1"/>
+    </dgm:linClrLst>
+    <dgm:effectClrLst/>
+    <dgm:txLinClrLst/>
+    <dgm:txFillClrLst meth="repeat">
+      <a:schemeClr val="dk1"/>
+    </dgm:txFillClrLst>
+    <dgm:txEffectClrLst/>
+  </dgm:styleLbl>
+  <dgm:styleLbl name="bgAcc1">
+    <dgm:fillClrLst meth="repeat">
+      <a:schemeClr val="lt1">
+        <a:alpha val="90000"/>
+      </a:schemeClr>
+    </dgm:fillClrLst>
+    <dgm:linClrLst meth="repeat">
+      <a:schemeClr val="accent1"/>
+    </dgm:linClrLst>
+    <dgm:effectClrLst/>
+    <dgm:txLinClrLst/>
+    <dgm:txFillClrLst meth="repeat">
+      <a:schemeClr val="dk1"/>
+    </dgm:txFillClrLst>
+    <dgm:txEffectClrLst/>
+  </dgm:styleLbl>
+  <dgm:styleLbl name="solidFgAcc1">
+    <dgm:fillClrLst meth="repeat">
+      <a:schemeClr val="lt1"/>
+    </dgm:fillClrLst>
+    <dgm:linClrLst meth="repeat">
+      <a:schemeClr val="accent1"/>
+    </dgm:linClrLst>
+    <dgm:effectClrLst/>
+    <dgm:txLinClrLst/>
+    <dgm:txFillClrLst meth="repeat">
+      <a:schemeClr val="dk1"/>
+    </dgm:txFillClrLst>
+    <dgm:txEffectClrLst/>
+  </dgm:styleLbl>
+  <dgm:styleLbl name="solidAlignAcc1">
+    <dgm:fillClrLst meth="repeat">
+      <a:schemeClr val="lt1"/>
+    </dgm:fillClrLst>
+    <dgm:linClrLst meth="repeat">
+      <a:schemeClr val="accent1"/>
+    </dgm:linClrLst>
+    <dgm:effectClrLst/>
+    <dgm:txLinClrLst/>
+    <dgm:txFillClrLst meth="repeat">
+      <a:schemeClr val="dk1"/>
+    </dgm:txFillClrLst>
+    <dgm:txEffectClrLst/>
+  </dgm:styleLbl>
+  <dgm:styleLbl name="solidBgAcc1">
+    <dgm:fillClrLst meth="repeat">
+      <a:schemeClr val="lt1"/>
+    </dgm:fillClrLst>
+    <dgm:linClrLst meth="repeat">
+      <a:schemeClr val="accent1"/>
+    </dgm:linClrLst>
+    <dgm:effectClrLst/>
+    <dgm:txLinClrLst/>
+    <dgm:txFillClrLst meth="repeat">
+      <a:schemeClr val="dk1"/>
+    </dgm:txFillClrLst>
+    <dgm:txEffectClrLst/>
+  </dgm:styleLbl>
+  <dgm:styleLbl name="fgAccFollowNode1">
+    <dgm:fillClrLst meth="repeat">
+      <a:schemeClr val="accent1">
+        <a:alpha val="90000"/>
+        <a:tint val="40000"/>
+      </a:schemeClr>
+    </dgm:fillClrLst>
+    <dgm:linClrLst meth="repeat">
+      <a:schemeClr val="accent1">
+        <a:alpha val="90000"/>
+        <a:tint val="40000"/>
+      </a:schemeClr>
+    </dgm:linClrLst>
+    <dgm:effectClrLst/>
+    <dgm:txLinClrLst/>
+    <dgm:txFillClrLst meth="repeat">
+      <a:schemeClr val="dk1"/>
+    </dgm:txFillClrLst>
+    <dgm:txEffectClrLst/>
+  </dgm:styleLbl>
+  <dgm:styleLbl name="alignAccFollowNode1">
+    <dgm:fillClrLst meth="repeat">
+      <a:schemeClr val="accent1">
+        <a:alpha val="90000"/>
+        <a:tint val="40000"/>
+      </a:schemeClr>
+    </dgm:fillClrLst>
+    <dgm:linClrLst meth="repeat">
+      <a:schemeClr val="accent1">
+        <a:alpha val="90000"/>
+        <a:tint val="40000"/>
+      </a:schemeClr>
+    </dgm:linClrLst>
+    <dgm:effectClrLst/>
+    <dgm:txLinClrLst/>
+    <dgm:txFillClrLst meth="repeat">
+      <a:schemeClr val="dk1"/>
+    </dgm:txFillClrLst>
+    <dgm:txEffectClrLst/>
+  </dgm:styleLbl>
+  <dgm:styleLbl name="bgAccFollowNode1">
+    <dgm:fillClrLst meth="repeat">
+      <a:schemeClr val="accent1">
+        <a:alpha val="90000"/>
+        <a:tint val="40000"/>
+      </a:schemeClr>
+    </dgm:fillClrLst>
+    <dgm:linClrLst meth="repeat">
+      <a:schemeClr val="accent1">
+        <a:alpha val="90000"/>
+        <a:tint val="40000"/>
+      </a:schemeClr>
+    </dgm:linClrLst>
+    <dgm:effectClrLst/>
+    <dgm:txLinClrLst/>
+    <dgm:txFillClrLst meth="repeat">
+      <a:schemeClr val="dk1"/>
+    </dgm:txFillClrLst>
+    <dgm:txEffectClrLst/>
+  </dgm:styleLbl>
+  <dgm:styleLbl name="fgAcc0">
+    <dgm:fillClrLst meth="repeat">
+      <a:schemeClr val="lt1">
+        <a:alpha val="90000"/>
+      </a:schemeClr>
+    </dgm:fillClrLst>
+    <dgm:linClrLst meth="repeat">
+      <a:schemeClr val="accent1"/>
+    </dgm:linClrLst>
+    <dgm:effectClrLst/>
+    <dgm:txLinClrLst/>
+    <dgm:txFillClrLst meth="repeat">
+      <a:schemeClr val="dk1"/>
+    </dgm:txFillClrLst>
+    <dgm:txEffectClrLst/>
+  </dgm:styleLbl>
+  <dgm:styleLbl name="fgAcc2">
+    <dgm:fillClrLst meth="repeat">
+      <a:schemeClr val="lt1">
+        <a:alpha val="90000"/>
+      </a:schemeClr>
+    </dgm:fillClrLst>
+    <dgm:linClrLst meth="repeat">
+      <a:schemeClr val="accent1"/>
+    </dgm:linClrLst>
+    <dgm:effectClrLst/>
+    <dgm:txLinClrLst/>
+    <dgm:txFillClrLst meth="repeat">
+      <a:schemeClr val="dk1"/>
+    </dgm:txFillClrLst>
+    <dgm:txEffectClrLst/>
+  </dgm:styleLbl>
+  <dgm:styleLbl name="fgAcc3">
+    <dgm:fillClrLst meth="repeat">
+      <a:schemeClr val="lt1">
+        <a:alpha val="90000"/>
+      </a:schemeClr>
+    </dgm:fillClrLst>
+    <dgm:linClrLst meth="repeat">
+      <a:schemeClr val="accent1"/>
+    </dgm:linClrLst>
+    <dgm:effectClrLst/>
+    <dgm:txLinClrLst/>
+    <dgm:txFillClrLst meth="repeat">
+      <a:schemeClr val="dk1"/>
+    </dgm:txFillClrLst>
+    <dgm:txEffectClrLst/>
+  </dgm:styleLbl>
+  <dgm:styleLbl name="fgAcc4">
+    <dgm:fillClrLst meth="repeat">
+      <a:schemeClr val="lt1">
+        <a:alpha val="90000"/>
+      </a:schemeClr>
+    </dgm:fillClrLst>
+    <dgm:linClrLst meth="repeat">
+      <a:schemeClr val="accent1"/>
+    </dgm:linClrLst>
+    <dgm:effectClrLst/>
+    <dgm:txLinClrLst/>
+    <dgm:txFillClrLst meth="repeat">
+      <a:schemeClr val="dk1"/>
+    </dgm:txFillClrLst>
+    <dgm:txEffectClrLst/>
+  </dgm:styleLbl>
+  <dgm:styleLbl name="bgShp">
+    <dgm:fillClrLst meth="repeat">
+      <a:schemeClr val="accent1">
+        <a:tint val="40000"/>
+      </a:schemeClr>
+    </dgm:fillClrLst>
+    <dgm:linClrLst meth="repeat">
+      <a:schemeClr val="accent1"/>
+    </dgm:linClrLst>
+    <dgm:effectClrLst/>
+    <dgm:txLinClrLst/>
+    <dgm:txFillClrLst meth="repeat">
+      <a:schemeClr val="dk1"/>
+    </dgm:txFillClrLst>
+    <dgm:txEffectClrLst/>
+  </dgm:styleLbl>
+  <dgm:styleLbl name="dkBgShp">
+    <dgm:fillClrLst meth="repeat">
+      <a:schemeClr val="accent1">
+        <a:shade val="80000"/>
+      </a:schemeClr>
+    </dgm:fillClrLst>
+    <dgm:linClrLst meth="repeat">
+      <a:schemeClr val="accent1"/>
+    </dgm:linClrLst>
+    <dgm:effectClrLst/>
+    <dgm:txLinClrLst/>
+    <dgm:txFillClrLst meth="repeat">
+      <a:schemeClr val="lt1"/>
+    </dgm:txFillClrLst>
+    <dgm:txEffectClrLst/>
+  </dgm:styleLbl>
+  <dgm:styleLbl name="trBgShp">
+    <dgm:fillClrLst meth="repeat">
+      <a:schemeClr val="accent1">
+        <a:tint val="50000"/>
+        <a:alpha val="40000"/>
+      </a:schemeClr>
+    </dgm:fillClrLst>
+    <dgm:linClrLst meth="repeat">
+      <a:schemeClr val="accent1"/>
+    </dgm:linClrLst>
+    <dgm:effectClrLst/>
+    <dgm:txLinClrLst/>
+    <dgm:txFillClrLst meth="repeat">
+      <a:schemeClr val="lt1"/>
+    </dgm:txFillClrLst>
+    <dgm:txEffectClrLst/>
+  </dgm:styleLbl>
+  <dgm:styleLbl name="fgShp">
+    <dgm:fillClrLst meth="repeat">
+      <a:schemeClr val="accent1">
+        <a:tint val="60000"/>
+      </a:schemeClr>
+    </dgm:fillClrLst>
+    <dgm:linClrLst meth="repeat">
+      <a:schemeClr val="lt1"/>
+    </dgm:linClrLst>
+    <dgm:effectClrLst/>
+    <dgm:txLinClrLst/>
+    <dgm:txFillClrLst meth="repeat">
+      <a:schemeClr val="dk1"/>
+    </dgm:txFillClrLst>
+    <dgm:txEffectClrLst/>
+  </dgm:styleLbl>
+  <dgm:styleLbl name="revTx">
+    <dgm:fillClrLst meth="repeat">
+      <a:schemeClr val="lt1">
+        <a:alpha val="0"/>
+      </a:schemeClr>
+    </dgm:fillClrLst>
+    <dgm:linClrLst meth="repeat">
+      <a:schemeClr val="dk1">
+        <a:alpha val="0"/>
+      </a:schemeClr>
+    </dgm:linClrLst>
+    <dgm:effectClrLst/>
+    <dgm:txLinClrLst/>
+    <dgm:txFillClrLst meth="repeat">
+      <a:schemeClr val="tx1"/>
+    </dgm:txFillClrLst>
+    <dgm:txEffectClrLst/>
+  </dgm:styleLbl>
+</dgm:colorsDef>
+</file>
+
+<file path=ppt/diagrams/data1.xml><?xml version="1.0" encoding="utf-8"?>
+<dgm:dataModel xmlns:dgm="http://schemas.openxmlformats.org/drawingml/2006/diagram" xmlns:a="http://schemas.openxmlformats.org/drawingml/2006/main">
+  <dgm:ptLst>
+    <dgm:pt modelId="{BC5D55AE-9289-4652-9FCE-F78B95756AEA}" type="doc">
+      <dgm:prSet loTypeId="urn:microsoft.com/office/officeart/2005/8/layout/cycle5" loCatId="cycle" qsTypeId="urn:microsoft.com/office/officeart/2005/8/quickstyle/simple1" qsCatId="simple" csTypeId="urn:microsoft.com/office/officeart/2005/8/colors/accent1_2" csCatId="accent1" phldr="1"/>
+      <dgm:spPr/>
+      <dgm:t>
+        <a:bodyPr/>
+        <a:lstStyle/>
+        <a:p>
+          <a:endParaRPr lang="en-CA"/>
+        </a:p>
+      </dgm:t>
+    </dgm:pt>
+    <dgm:pt modelId="{2658DF4C-762D-4368-822A-C21D41A5F6B8}">
+      <dgm:prSet phldrT="[Text]"/>
+      <dgm:spPr/>
+      <dgm:t>
+        <a:bodyPr/>
+        <a:lstStyle/>
+        <a:p>
+          <a:r>
+            <a:rPr lang="en-US" dirty="0" smtClean="0"/>
+            <a:t>Drive Inputs</a:t>
+          </a:r>
+          <a:endParaRPr lang="en-CA" dirty="0"/>
+        </a:p>
+      </dgm:t>
+    </dgm:pt>
+    <dgm:pt modelId="{3FC22AAA-085A-4B0C-8743-ADD2B7072510}" type="parTrans" cxnId="{410BD517-8E8F-4BE9-8D7A-1F99FC216D7C}">
+      <dgm:prSet/>
+      <dgm:spPr/>
+      <dgm:t>
+        <a:bodyPr/>
+        <a:lstStyle/>
+        <a:p>
+          <a:endParaRPr lang="en-CA"/>
+        </a:p>
+      </dgm:t>
+    </dgm:pt>
+    <dgm:pt modelId="{3E8D11BE-0DA7-4352-84ED-E2EFCF9E4E63}" type="sibTrans" cxnId="{410BD517-8E8F-4BE9-8D7A-1F99FC216D7C}">
+      <dgm:prSet/>
+      <dgm:spPr/>
+      <dgm:t>
+        <a:bodyPr/>
+        <a:lstStyle/>
+        <a:p>
+          <a:endParaRPr lang="en-CA"/>
+        </a:p>
+      </dgm:t>
+    </dgm:pt>
+    <dgm:pt modelId="{9EECFB0B-9222-42FA-BF12-6BE7C5F4C7CC}">
+      <dgm:prSet phldrT="[Text]"/>
+      <dgm:spPr/>
+      <dgm:t>
+        <a:bodyPr/>
+        <a:lstStyle/>
+        <a:p>
+          <a:r>
+            <a:rPr lang="en-US" dirty="0" smtClean="0"/>
+            <a:t>Record Outputs</a:t>
+          </a:r>
+          <a:endParaRPr lang="en-CA" dirty="0"/>
+        </a:p>
+      </dgm:t>
+    </dgm:pt>
+    <dgm:pt modelId="{75B45AFD-BFB5-46D4-8002-6A0E6E3D416A}" type="parTrans" cxnId="{4CE0EFB9-4A75-4540-BADD-5B7C3B24FD9C}">
+      <dgm:prSet/>
+      <dgm:spPr/>
+      <dgm:t>
+        <a:bodyPr/>
+        <a:lstStyle/>
+        <a:p>
+          <a:endParaRPr lang="en-CA"/>
+        </a:p>
+      </dgm:t>
+    </dgm:pt>
+    <dgm:pt modelId="{4F3EF730-A687-4A12-852F-8BACF08479F3}" type="sibTrans" cxnId="{4CE0EFB9-4A75-4540-BADD-5B7C3B24FD9C}">
+      <dgm:prSet/>
+      <dgm:spPr/>
+      <dgm:t>
+        <a:bodyPr/>
+        <a:lstStyle/>
+        <a:p>
+          <a:endParaRPr lang="en-CA"/>
+        </a:p>
+      </dgm:t>
+    </dgm:pt>
+    <dgm:pt modelId="{62621564-EEB2-4CD7-9A4D-6CA9414D4A7D}">
+      <dgm:prSet phldrT="[Text]"/>
+      <dgm:spPr/>
+      <dgm:t>
+        <a:bodyPr/>
+        <a:lstStyle/>
+        <a:p>
+          <a:r>
+            <a:rPr lang="en-US" dirty="0" smtClean="0"/>
+            <a:t>Acceptance Criteria</a:t>
+          </a:r>
+          <a:endParaRPr lang="en-CA" dirty="0"/>
+        </a:p>
+      </dgm:t>
+    </dgm:pt>
+    <dgm:pt modelId="{EBDA82FC-0F0D-466C-9C9D-A6331BBC6476}" type="parTrans" cxnId="{5904E112-A0A1-4D17-9C52-39EE05FD5C7B}">
+      <dgm:prSet/>
+      <dgm:spPr/>
+      <dgm:t>
+        <a:bodyPr/>
+        <a:lstStyle/>
+        <a:p>
+          <a:endParaRPr lang="en-CA"/>
+        </a:p>
+      </dgm:t>
+    </dgm:pt>
+    <dgm:pt modelId="{CB97D3A5-A0DE-4B3F-9F73-DE7B4C792A7D}" type="sibTrans" cxnId="{5904E112-A0A1-4D17-9C52-39EE05FD5C7B}">
+      <dgm:prSet/>
+      <dgm:spPr/>
+      <dgm:t>
+        <a:bodyPr/>
+        <a:lstStyle/>
+        <a:p>
+          <a:endParaRPr lang="en-CA"/>
+        </a:p>
+      </dgm:t>
+    </dgm:pt>
+    <dgm:pt modelId="{E3551B4B-B5E5-4829-A0AD-9F6F1B8F23BD}">
+      <dgm:prSet phldrT="[Text]"/>
+      <dgm:spPr/>
+      <dgm:t>
+        <a:bodyPr/>
+        <a:lstStyle/>
+        <a:p>
+          <a:r>
+            <a:rPr lang="en-US" dirty="0" smtClean="0"/>
+            <a:t>Signal Comparison</a:t>
+          </a:r>
+          <a:endParaRPr lang="en-CA" dirty="0"/>
+        </a:p>
+      </dgm:t>
+    </dgm:pt>
+    <dgm:pt modelId="{F9A3B0C7-37A1-4140-A517-AD14B77BC5DA}" type="parTrans" cxnId="{F1786E74-F027-4F6D-87EC-F54F6466BCD3}">
+      <dgm:prSet/>
+      <dgm:spPr/>
+      <dgm:t>
+        <a:bodyPr/>
+        <a:lstStyle/>
+        <a:p>
+          <a:endParaRPr lang="en-CA"/>
+        </a:p>
+      </dgm:t>
+    </dgm:pt>
+    <dgm:pt modelId="{1554AC33-AB1D-4353-9022-66F381F5DEB4}" type="sibTrans" cxnId="{F1786E74-F027-4F6D-87EC-F54F6466BCD3}">
+      <dgm:prSet/>
+      <dgm:spPr/>
+      <dgm:t>
+        <a:bodyPr/>
+        <a:lstStyle/>
+        <a:p>
+          <a:endParaRPr lang="en-CA"/>
+        </a:p>
+      </dgm:t>
+    </dgm:pt>
+    <dgm:pt modelId="{80DDF074-4443-440B-B288-7A102A2192EB}">
+      <dgm:prSet phldrT="[Text]"/>
+      <dgm:spPr/>
+      <dgm:t>
+        <a:bodyPr/>
+        <a:lstStyle/>
+        <a:p>
+          <a:r>
+            <a:rPr lang="en-US" dirty="0" smtClean="0"/>
+            <a:t>Test Outputs</a:t>
+          </a:r>
+          <a:endParaRPr lang="en-CA" dirty="0"/>
+        </a:p>
+      </dgm:t>
+    </dgm:pt>
+    <dgm:pt modelId="{17D89483-B37B-4948-9A1A-1CE4A881A47C}" type="parTrans" cxnId="{7566FD8B-110C-4FC2-A5A8-58E1EC70D9D5}">
+      <dgm:prSet/>
+      <dgm:spPr/>
+      <dgm:t>
+        <a:bodyPr/>
+        <a:lstStyle/>
+        <a:p>
+          <a:endParaRPr lang="en-CA"/>
+        </a:p>
+      </dgm:t>
+    </dgm:pt>
+    <dgm:pt modelId="{C2ED15F8-01F0-4B40-8AB9-C731870EE4C7}" type="sibTrans" cxnId="{7566FD8B-110C-4FC2-A5A8-58E1EC70D9D5}">
+      <dgm:prSet/>
+      <dgm:spPr/>
+      <dgm:t>
+        <a:bodyPr/>
+        <a:lstStyle/>
+        <a:p>
+          <a:endParaRPr lang="en-CA"/>
+        </a:p>
+      </dgm:t>
+    </dgm:pt>
+    <dgm:pt modelId="{E1F43B28-24FF-4C3E-8301-7261F6907D81}" type="pres">
+      <dgm:prSet presAssocID="{BC5D55AE-9289-4652-9FCE-F78B95756AEA}" presName="cycle" presStyleCnt="0">
+        <dgm:presLayoutVars>
+          <dgm:dir/>
+          <dgm:resizeHandles val="exact"/>
+        </dgm:presLayoutVars>
+      </dgm:prSet>
+      <dgm:spPr/>
+    </dgm:pt>
+    <dgm:pt modelId="{5E0653EF-ADCB-4F74-ABD0-FB056465AEEC}" type="pres">
+      <dgm:prSet presAssocID="{2658DF4C-762D-4368-822A-C21D41A5F6B8}" presName="node" presStyleLbl="node1" presStyleIdx="0" presStyleCnt="5">
+        <dgm:presLayoutVars>
+          <dgm:bulletEnabled val="1"/>
+        </dgm:presLayoutVars>
+      </dgm:prSet>
+      <dgm:spPr/>
+      <dgm:t>
+        <a:bodyPr/>
+        <a:lstStyle/>
+        <a:p>
+          <a:endParaRPr lang="en-CA"/>
+        </a:p>
+      </dgm:t>
+    </dgm:pt>
+    <dgm:pt modelId="{F70641D2-8FE8-42E7-8316-D36BCAAE2800}" type="pres">
+      <dgm:prSet presAssocID="{2658DF4C-762D-4368-822A-C21D41A5F6B8}" presName="spNode" presStyleCnt="0"/>
+      <dgm:spPr/>
+    </dgm:pt>
+    <dgm:pt modelId="{F9DDFD22-01F7-4B66-9DD5-C61305A7C322}" type="pres">
+      <dgm:prSet presAssocID="{3E8D11BE-0DA7-4352-84ED-E2EFCF9E4E63}" presName="sibTrans" presStyleLbl="sibTrans1D1" presStyleIdx="0" presStyleCnt="5"/>
+      <dgm:spPr/>
+    </dgm:pt>
+    <dgm:pt modelId="{47A18409-46D9-4098-84E3-DD016B6A7393}" type="pres">
+      <dgm:prSet presAssocID="{9EECFB0B-9222-42FA-BF12-6BE7C5F4C7CC}" presName="node" presStyleLbl="node1" presStyleIdx="1" presStyleCnt="5">
+        <dgm:presLayoutVars>
+          <dgm:bulletEnabled val="1"/>
+        </dgm:presLayoutVars>
+      </dgm:prSet>
+      <dgm:spPr/>
+      <dgm:t>
+        <a:bodyPr/>
+        <a:lstStyle/>
+        <a:p>
+          <a:endParaRPr lang="en-CA"/>
+        </a:p>
+      </dgm:t>
+    </dgm:pt>
+    <dgm:pt modelId="{41F24F32-0667-478D-BF1A-F66F65F50ADB}" type="pres">
+      <dgm:prSet presAssocID="{9EECFB0B-9222-42FA-BF12-6BE7C5F4C7CC}" presName="spNode" presStyleCnt="0"/>
+      <dgm:spPr/>
+    </dgm:pt>
+    <dgm:pt modelId="{55429C94-844F-42AD-9D84-156B7EAA1D0F}" type="pres">
+      <dgm:prSet presAssocID="{4F3EF730-A687-4A12-852F-8BACF08479F3}" presName="sibTrans" presStyleLbl="sibTrans1D1" presStyleIdx="1" presStyleCnt="5"/>
+      <dgm:spPr/>
+    </dgm:pt>
+    <dgm:pt modelId="{52A8BA72-469B-4A8F-9C42-3ABB910B41A7}" type="pres">
+      <dgm:prSet presAssocID="{62621564-EEB2-4CD7-9A4D-6CA9414D4A7D}" presName="node" presStyleLbl="node1" presStyleIdx="2" presStyleCnt="5">
+        <dgm:presLayoutVars>
+          <dgm:bulletEnabled val="1"/>
+        </dgm:presLayoutVars>
+      </dgm:prSet>
+      <dgm:spPr/>
+    </dgm:pt>
+    <dgm:pt modelId="{809A65A0-5D55-407B-942E-339F95FC223C}" type="pres">
+      <dgm:prSet presAssocID="{62621564-EEB2-4CD7-9A4D-6CA9414D4A7D}" presName="spNode" presStyleCnt="0"/>
+      <dgm:spPr/>
+    </dgm:pt>
+    <dgm:pt modelId="{C176B931-3668-42A6-81D1-9222EECBE55E}" type="pres">
+      <dgm:prSet presAssocID="{CB97D3A5-A0DE-4B3F-9F73-DE7B4C792A7D}" presName="sibTrans" presStyleLbl="sibTrans1D1" presStyleIdx="2" presStyleCnt="5"/>
+      <dgm:spPr/>
+    </dgm:pt>
+    <dgm:pt modelId="{511D6FFD-3096-4993-B34D-DEFD8AF3DB1D}" type="pres">
+      <dgm:prSet presAssocID="{E3551B4B-B5E5-4829-A0AD-9F6F1B8F23BD}" presName="node" presStyleLbl="node1" presStyleIdx="3" presStyleCnt="5">
+        <dgm:presLayoutVars>
+          <dgm:bulletEnabled val="1"/>
+        </dgm:presLayoutVars>
+      </dgm:prSet>
+      <dgm:spPr/>
+    </dgm:pt>
+    <dgm:pt modelId="{68CAF56D-9A04-46D3-8A2F-63FEDE2CCEE6}" type="pres">
+      <dgm:prSet presAssocID="{E3551B4B-B5E5-4829-A0AD-9F6F1B8F23BD}" presName="spNode" presStyleCnt="0"/>
+      <dgm:spPr/>
+    </dgm:pt>
+    <dgm:pt modelId="{48F03082-252E-4941-A009-40011F4F6A56}" type="pres">
+      <dgm:prSet presAssocID="{1554AC33-AB1D-4353-9022-66F381F5DEB4}" presName="sibTrans" presStyleLbl="sibTrans1D1" presStyleIdx="3" presStyleCnt="5"/>
+      <dgm:spPr/>
+    </dgm:pt>
+    <dgm:pt modelId="{D3922077-6FF7-4A9E-A569-4CFDAC7BB4E2}" type="pres">
+      <dgm:prSet presAssocID="{80DDF074-4443-440B-B288-7A102A2192EB}" presName="node" presStyleLbl="node1" presStyleIdx="4" presStyleCnt="5">
+        <dgm:presLayoutVars>
+          <dgm:bulletEnabled val="1"/>
+        </dgm:presLayoutVars>
+      </dgm:prSet>
+      <dgm:spPr/>
+    </dgm:pt>
+    <dgm:pt modelId="{EB8E0623-325C-47AE-97CF-779D3660B57C}" type="pres">
+      <dgm:prSet presAssocID="{80DDF074-4443-440B-B288-7A102A2192EB}" presName="spNode" presStyleCnt="0"/>
+      <dgm:spPr/>
+    </dgm:pt>
+    <dgm:pt modelId="{C5337ADC-2117-4C50-AF2D-DA73F655C70C}" type="pres">
+      <dgm:prSet presAssocID="{C2ED15F8-01F0-4B40-8AB9-C731870EE4C7}" presName="sibTrans" presStyleLbl="sibTrans1D1" presStyleIdx="4" presStyleCnt="5"/>
+      <dgm:spPr/>
+    </dgm:pt>
+  </dgm:ptLst>
+  <dgm:cxnLst>
+    <dgm:cxn modelId="{7BE6B4D3-BC35-4864-9A1B-0D58FE99D913}" type="presOf" srcId="{E3551B4B-B5E5-4829-A0AD-9F6F1B8F23BD}" destId="{511D6FFD-3096-4993-B34D-DEFD8AF3DB1D}" srcOrd="0" destOrd="0" presId="urn:microsoft.com/office/officeart/2005/8/layout/cycle5"/>
+    <dgm:cxn modelId="{84DA3ADC-E8BC-4682-B585-4E5BA4B853FF}" type="presOf" srcId="{2658DF4C-762D-4368-822A-C21D41A5F6B8}" destId="{5E0653EF-ADCB-4F74-ABD0-FB056465AEEC}" srcOrd="0" destOrd="0" presId="urn:microsoft.com/office/officeart/2005/8/layout/cycle5"/>
+    <dgm:cxn modelId="{7566FD8B-110C-4FC2-A5A8-58E1EC70D9D5}" srcId="{BC5D55AE-9289-4652-9FCE-F78B95756AEA}" destId="{80DDF074-4443-440B-B288-7A102A2192EB}" srcOrd="4" destOrd="0" parTransId="{17D89483-B37B-4948-9A1A-1CE4A881A47C}" sibTransId="{C2ED15F8-01F0-4B40-8AB9-C731870EE4C7}"/>
+    <dgm:cxn modelId="{141FC408-B12C-44F6-A36C-B449EABB918F}" type="presOf" srcId="{3E8D11BE-0DA7-4352-84ED-E2EFCF9E4E63}" destId="{F9DDFD22-01F7-4B66-9DD5-C61305A7C322}" srcOrd="0" destOrd="0" presId="urn:microsoft.com/office/officeart/2005/8/layout/cycle5"/>
+    <dgm:cxn modelId="{BB5D5463-7B14-44FB-9611-BA7976D2D8F5}" type="presOf" srcId="{BC5D55AE-9289-4652-9FCE-F78B95756AEA}" destId="{E1F43B28-24FF-4C3E-8301-7261F6907D81}" srcOrd="0" destOrd="0" presId="urn:microsoft.com/office/officeart/2005/8/layout/cycle5"/>
+    <dgm:cxn modelId="{A078B410-C020-4099-B0FF-2DDDB8DBC145}" type="presOf" srcId="{C2ED15F8-01F0-4B40-8AB9-C731870EE4C7}" destId="{C5337ADC-2117-4C50-AF2D-DA73F655C70C}" srcOrd="0" destOrd="0" presId="urn:microsoft.com/office/officeart/2005/8/layout/cycle5"/>
+    <dgm:cxn modelId="{8A37D3FA-9A41-4A88-A998-E69B19B8EC92}" type="presOf" srcId="{1554AC33-AB1D-4353-9022-66F381F5DEB4}" destId="{48F03082-252E-4941-A009-40011F4F6A56}" srcOrd="0" destOrd="0" presId="urn:microsoft.com/office/officeart/2005/8/layout/cycle5"/>
+    <dgm:cxn modelId="{08EA80DE-9C1D-4712-BB33-A20D640920DC}" type="presOf" srcId="{80DDF074-4443-440B-B288-7A102A2192EB}" destId="{D3922077-6FF7-4A9E-A569-4CFDAC7BB4E2}" srcOrd="0" destOrd="0" presId="urn:microsoft.com/office/officeart/2005/8/layout/cycle5"/>
+    <dgm:cxn modelId="{CA1C4B55-1495-4809-9A85-029581729182}" type="presOf" srcId="{62621564-EEB2-4CD7-9A4D-6CA9414D4A7D}" destId="{52A8BA72-469B-4A8F-9C42-3ABB910B41A7}" srcOrd="0" destOrd="0" presId="urn:microsoft.com/office/officeart/2005/8/layout/cycle5"/>
+    <dgm:cxn modelId="{81B8D9C2-A1F1-4AC0-89F4-C29F67D69CF6}" type="presOf" srcId="{9EECFB0B-9222-42FA-BF12-6BE7C5F4C7CC}" destId="{47A18409-46D9-4098-84E3-DD016B6A7393}" srcOrd="0" destOrd="0" presId="urn:microsoft.com/office/officeart/2005/8/layout/cycle5"/>
+    <dgm:cxn modelId="{410BD517-8E8F-4BE9-8D7A-1F99FC216D7C}" srcId="{BC5D55AE-9289-4652-9FCE-F78B95756AEA}" destId="{2658DF4C-762D-4368-822A-C21D41A5F6B8}" srcOrd="0" destOrd="0" parTransId="{3FC22AAA-085A-4B0C-8743-ADD2B7072510}" sibTransId="{3E8D11BE-0DA7-4352-84ED-E2EFCF9E4E63}"/>
+    <dgm:cxn modelId="{5904E112-A0A1-4D17-9C52-39EE05FD5C7B}" srcId="{BC5D55AE-9289-4652-9FCE-F78B95756AEA}" destId="{62621564-EEB2-4CD7-9A4D-6CA9414D4A7D}" srcOrd="2" destOrd="0" parTransId="{EBDA82FC-0F0D-466C-9C9D-A6331BBC6476}" sibTransId="{CB97D3A5-A0DE-4B3F-9F73-DE7B4C792A7D}"/>
+    <dgm:cxn modelId="{589F690B-B23A-4C2C-9B4D-908DB991DDCF}" type="presOf" srcId="{CB97D3A5-A0DE-4B3F-9F73-DE7B4C792A7D}" destId="{C176B931-3668-42A6-81D1-9222EECBE55E}" srcOrd="0" destOrd="0" presId="urn:microsoft.com/office/officeart/2005/8/layout/cycle5"/>
+    <dgm:cxn modelId="{4CE0EFB9-4A75-4540-BADD-5B7C3B24FD9C}" srcId="{BC5D55AE-9289-4652-9FCE-F78B95756AEA}" destId="{9EECFB0B-9222-42FA-BF12-6BE7C5F4C7CC}" srcOrd="1" destOrd="0" parTransId="{75B45AFD-BFB5-46D4-8002-6A0E6E3D416A}" sibTransId="{4F3EF730-A687-4A12-852F-8BACF08479F3}"/>
+    <dgm:cxn modelId="{F1786E74-F027-4F6D-87EC-F54F6466BCD3}" srcId="{BC5D55AE-9289-4652-9FCE-F78B95756AEA}" destId="{E3551B4B-B5E5-4829-A0AD-9F6F1B8F23BD}" srcOrd="3" destOrd="0" parTransId="{F9A3B0C7-37A1-4140-A517-AD14B77BC5DA}" sibTransId="{1554AC33-AB1D-4353-9022-66F381F5DEB4}"/>
+    <dgm:cxn modelId="{4B76F058-EDEA-4009-950E-2A33D12DE73E}" type="presOf" srcId="{4F3EF730-A687-4A12-852F-8BACF08479F3}" destId="{55429C94-844F-42AD-9D84-156B7EAA1D0F}" srcOrd="0" destOrd="0" presId="urn:microsoft.com/office/officeart/2005/8/layout/cycle5"/>
+    <dgm:cxn modelId="{FEE3D085-2F1C-43F9-B4A0-387688586F54}" type="presParOf" srcId="{E1F43B28-24FF-4C3E-8301-7261F6907D81}" destId="{5E0653EF-ADCB-4F74-ABD0-FB056465AEEC}" srcOrd="0" destOrd="0" presId="urn:microsoft.com/office/officeart/2005/8/layout/cycle5"/>
+    <dgm:cxn modelId="{FD2FEA4C-F07C-498E-AF4A-CACB77B9A70B}" type="presParOf" srcId="{E1F43B28-24FF-4C3E-8301-7261F6907D81}" destId="{F70641D2-8FE8-42E7-8316-D36BCAAE2800}" srcOrd="1" destOrd="0" presId="urn:microsoft.com/office/officeart/2005/8/layout/cycle5"/>
+    <dgm:cxn modelId="{4E597E64-8D8C-443E-9BB5-0FFD4886E458}" type="presParOf" srcId="{E1F43B28-24FF-4C3E-8301-7261F6907D81}" destId="{F9DDFD22-01F7-4B66-9DD5-C61305A7C322}" srcOrd="2" destOrd="0" presId="urn:microsoft.com/office/officeart/2005/8/layout/cycle5"/>
+    <dgm:cxn modelId="{59B7AA63-FD0E-49C1-9753-CFBA4A216BDA}" type="presParOf" srcId="{E1F43B28-24FF-4C3E-8301-7261F6907D81}" destId="{47A18409-46D9-4098-84E3-DD016B6A7393}" srcOrd="3" destOrd="0" presId="urn:microsoft.com/office/officeart/2005/8/layout/cycle5"/>
+    <dgm:cxn modelId="{AB77C951-0299-411F-931E-235A875CA57E}" type="presParOf" srcId="{E1F43B28-24FF-4C3E-8301-7261F6907D81}" destId="{41F24F32-0667-478D-BF1A-F66F65F50ADB}" srcOrd="4" destOrd="0" presId="urn:microsoft.com/office/officeart/2005/8/layout/cycle5"/>
+    <dgm:cxn modelId="{A5A536DE-1EBA-4C4C-8714-E626C5B627BD}" type="presParOf" srcId="{E1F43B28-24FF-4C3E-8301-7261F6907D81}" destId="{55429C94-844F-42AD-9D84-156B7EAA1D0F}" srcOrd="5" destOrd="0" presId="urn:microsoft.com/office/officeart/2005/8/layout/cycle5"/>
+    <dgm:cxn modelId="{8EC0A782-6AB6-4143-8352-8D95FC54051E}" type="presParOf" srcId="{E1F43B28-24FF-4C3E-8301-7261F6907D81}" destId="{52A8BA72-469B-4A8F-9C42-3ABB910B41A7}" srcOrd="6" destOrd="0" presId="urn:microsoft.com/office/officeart/2005/8/layout/cycle5"/>
+    <dgm:cxn modelId="{946C6BE3-BC64-49BB-99DF-DA4A2E229084}" type="presParOf" srcId="{E1F43B28-24FF-4C3E-8301-7261F6907D81}" destId="{809A65A0-5D55-407B-942E-339F95FC223C}" srcOrd="7" destOrd="0" presId="urn:microsoft.com/office/officeart/2005/8/layout/cycle5"/>
+    <dgm:cxn modelId="{0BE17C25-25EC-4766-8EE0-107226FCB4A6}" type="presParOf" srcId="{E1F43B28-24FF-4C3E-8301-7261F6907D81}" destId="{C176B931-3668-42A6-81D1-9222EECBE55E}" srcOrd="8" destOrd="0" presId="urn:microsoft.com/office/officeart/2005/8/layout/cycle5"/>
+    <dgm:cxn modelId="{4F02F173-4C87-4224-BFEC-CEA6C99F9CB1}" type="presParOf" srcId="{E1F43B28-24FF-4C3E-8301-7261F6907D81}" destId="{511D6FFD-3096-4993-B34D-DEFD8AF3DB1D}" srcOrd="9" destOrd="0" presId="urn:microsoft.com/office/officeart/2005/8/layout/cycle5"/>
+    <dgm:cxn modelId="{77A6DF08-24BF-46FE-B6E2-DC84BF321893}" type="presParOf" srcId="{E1F43B28-24FF-4C3E-8301-7261F6907D81}" destId="{68CAF56D-9A04-46D3-8A2F-63FEDE2CCEE6}" srcOrd="10" destOrd="0" presId="urn:microsoft.com/office/officeart/2005/8/layout/cycle5"/>
+    <dgm:cxn modelId="{C4A5BE96-CFA7-42AA-B11C-CA01FD98ED0B}" type="presParOf" srcId="{E1F43B28-24FF-4C3E-8301-7261F6907D81}" destId="{48F03082-252E-4941-A009-40011F4F6A56}" srcOrd="11" destOrd="0" presId="urn:microsoft.com/office/officeart/2005/8/layout/cycle5"/>
+    <dgm:cxn modelId="{9EC3B1DE-49A6-42CB-A05A-79888D1131CA}" type="presParOf" srcId="{E1F43B28-24FF-4C3E-8301-7261F6907D81}" destId="{D3922077-6FF7-4A9E-A569-4CFDAC7BB4E2}" srcOrd="12" destOrd="0" presId="urn:microsoft.com/office/officeart/2005/8/layout/cycle5"/>
+    <dgm:cxn modelId="{605CB6BC-DF2F-4422-86C3-C95ABB231FFA}" type="presParOf" srcId="{E1F43B28-24FF-4C3E-8301-7261F6907D81}" destId="{EB8E0623-325C-47AE-97CF-779D3660B57C}" srcOrd="13" destOrd="0" presId="urn:microsoft.com/office/officeart/2005/8/layout/cycle5"/>
+    <dgm:cxn modelId="{D4D67CE2-08F2-45F8-B154-E53A99BD7A0D}" type="presParOf" srcId="{E1F43B28-24FF-4C3E-8301-7261F6907D81}" destId="{C5337ADC-2117-4C50-AF2D-DA73F655C70C}" srcOrd="14" destOrd="0" presId="urn:microsoft.com/office/officeart/2005/8/layout/cycle5"/>
+  </dgm:cxnLst>
+  <dgm:bg/>
+  <dgm:whole/>
+  <dgm:extLst>
+    <a:ext uri="http://schemas.microsoft.com/office/drawing/2008/diagram">
+      <dsp:dataModelExt xmlns:dsp="http://schemas.microsoft.com/office/drawing/2008/diagram" relId="rId7" minVer="http://schemas.openxmlformats.org/drawingml/2006/diagram"/>
+    </a:ext>
+  </dgm:extLst>
+</dgm:dataModel>
+</file>
+
+<file path=ppt/diagrams/drawing1.xml><?xml version="1.0" encoding="utf-8"?>
+<dsp:drawing xmlns:dgm="http://schemas.openxmlformats.org/drawingml/2006/diagram" xmlns:dsp="http://schemas.microsoft.com/office/drawing/2008/diagram" xmlns:a="http://schemas.openxmlformats.org/drawingml/2006/main">
+  <dsp:spTree>
+    <dsp:nvGrpSpPr>
+      <dsp:cNvPr id="0" name=""/>
+      <dsp:cNvGrpSpPr/>
+    </dsp:nvGrpSpPr>
+    <dsp:grpSpPr/>
+    <dsp:sp modelId="{5E0653EF-ADCB-4F74-ABD0-FB056465AEEC}">
+      <dsp:nvSpPr>
+        <dsp:cNvPr id="0" name=""/>
+        <dsp:cNvSpPr/>
+      </dsp:nvSpPr>
+      <dsp:spPr>
+        <a:xfrm>
+          <a:off x="3050684" y="1886"/>
+          <a:ext cx="1550562" cy="1007865"/>
+        </a:xfrm>
+        <a:prstGeom prst="roundRect">
+          <a:avLst/>
+        </a:prstGeom>
+        <a:solidFill>
+          <a:schemeClr val="accent1">
+            <a:hueOff val="0"/>
+            <a:satOff val="0"/>
+            <a:lumOff val="0"/>
+            <a:alphaOff val="0"/>
+          </a:schemeClr>
+        </a:solidFill>
+        <a:ln w="25400" cap="flat" cmpd="sng" algn="ctr">
+          <a:solidFill>
+            <a:schemeClr val="lt1">
+              <a:hueOff val="0"/>
+              <a:satOff val="0"/>
+              <a:lumOff val="0"/>
+              <a:alphaOff val="0"/>
+            </a:schemeClr>
+          </a:solidFill>
+          <a:prstDash val="solid"/>
+          <a:miter/>
+        </a:ln>
+        <a:effectLst/>
+      </dsp:spPr>
+      <dsp:style>
+        <a:lnRef idx="2">
+          <a:scrgbClr r="0" g="0" b="0"/>
+        </a:lnRef>
+        <a:fillRef idx="1">
+          <a:scrgbClr r="0" g="0" b="0"/>
+        </a:fillRef>
+        <a:effectRef idx="0">
+          <a:scrgbClr r="0" g="0" b="0"/>
+        </a:effectRef>
+        <a:fontRef idx="minor">
+          <a:schemeClr val="lt1"/>
+        </a:fontRef>
+      </dsp:style>
+      <dsp:txBody>
+        <a:bodyPr spcFirstLastPara="0" vert="horz" wrap="square" lIns="72390" tIns="72390" rIns="72390" bIns="72390" numCol="1" spcCol="1270" anchor="ctr" anchorCtr="0">
+          <a:noAutofit/>
+        </a:bodyPr>
+        <a:lstStyle/>
+        <a:p>
+          <a:pPr lvl="0" algn="ctr" defTabSz="844550">
+            <a:lnSpc>
+              <a:spcPct val="90000"/>
+            </a:lnSpc>
+            <a:spcBef>
+              <a:spcPct val="0"/>
+            </a:spcBef>
+            <a:spcAft>
+              <a:spcPct val="35000"/>
+            </a:spcAft>
+          </a:pPr>
+          <a:r>
+            <a:rPr lang="en-US" sz="1900" kern="1200" dirty="0" smtClean="0"/>
+            <a:t>Drive Inputs</a:t>
+          </a:r>
+          <a:endParaRPr lang="en-CA" sz="1900" kern="1200" dirty="0"/>
+        </a:p>
+      </dsp:txBody>
+      <dsp:txXfrm>
+        <a:off x="3099884" y="51086"/>
+        <a:ext cx="1452162" cy="909465"/>
+      </dsp:txXfrm>
+    </dsp:sp>
+    <dsp:sp modelId="{F9DDFD22-01F7-4B66-9DD5-C61305A7C322}">
+      <dsp:nvSpPr>
+        <dsp:cNvPr id="0" name=""/>
+        <dsp:cNvSpPr/>
+      </dsp:nvSpPr>
+      <dsp:spPr>
+        <a:xfrm>
+          <a:off x="1813434" y="505819"/>
+          <a:ext cx="4025061" cy="4025061"/>
+        </a:xfrm>
+        <a:custGeom>
+          <a:avLst/>
+          <a:gdLst/>
+          <a:ahLst/>
+          <a:cxnLst/>
+          <a:rect l="0" t="0" r="0" b="0"/>
+          <a:pathLst>
+            <a:path>
+              <a:moveTo>
+                <a:pt x="2995272" y="256256"/>
+              </a:moveTo>
+              <a:arcTo wR="2012530" hR="2012530" stAng="17953778" swAng="1210995"/>
+            </a:path>
+          </a:pathLst>
+        </a:custGeom>
+        <a:noFill/>
+        <a:ln w="9525" cap="flat" cmpd="sng" algn="ctr">
+          <a:solidFill>
+            <a:schemeClr val="accent1">
+              <a:hueOff val="0"/>
+              <a:satOff val="0"/>
+              <a:lumOff val="0"/>
+              <a:alphaOff val="0"/>
+            </a:schemeClr>
+          </a:solidFill>
+          <a:prstDash val="solid"/>
+          <a:miter/>
+          <a:tailEnd type="arrow"/>
+        </a:ln>
+        <a:effectLst/>
+      </dsp:spPr>
+      <dsp:style>
+        <a:lnRef idx="1">
+          <a:scrgbClr r="0" g="0" b="0"/>
+        </a:lnRef>
+        <a:fillRef idx="0">
+          <a:scrgbClr r="0" g="0" b="0"/>
+        </a:fillRef>
+        <a:effectRef idx="0">
+          <a:scrgbClr r="0" g="0" b="0"/>
+        </a:effectRef>
+        <a:fontRef idx="minor"/>
+      </dsp:style>
+    </dsp:sp>
+    <dsp:sp modelId="{47A18409-46D9-4098-84E3-DD016B6A7393}">
+      <dsp:nvSpPr>
+        <dsp:cNvPr id="0" name=""/>
+        <dsp:cNvSpPr/>
+      </dsp:nvSpPr>
+      <dsp:spPr>
+        <a:xfrm>
+          <a:off x="4964715" y="1392511"/>
+          <a:ext cx="1550562" cy="1007865"/>
+        </a:xfrm>
+        <a:prstGeom prst="roundRect">
+          <a:avLst/>
+        </a:prstGeom>
+        <a:solidFill>
+          <a:schemeClr val="accent1">
+            <a:hueOff val="0"/>
+            <a:satOff val="0"/>
+            <a:lumOff val="0"/>
+            <a:alphaOff val="0"/>
+          </a:schemeClr>
+        </a:solidFill>
+        <a:ln w="25400" cap="flat" cmpd="sng" algn="ctr">
+          <a:solidFill>
+            <a:schemeClr val="lt1">
+              <a:hueOff val="0"/>
+              <a:satOff val="0"/>
+              <a:lumOff val="0"/>
+              <a:alphaOff val="0"/>
+            </a:schemeClr>
+          </a:solidFill>
+          <a:prstDash val="solid"/>
+          <a:miter/>
+        </a:ln>
+        <a:effectLst/>
+      </dsp:spPr>
+      <dsp:style>
+        <a:lnRef idx="2">
+          <a:scrgbClr r="0" g="0" b="0"/>
+        </a:lnRef>
+        <a:fillRef idx="1">
+          <a:scrgbClr r="0" g="0" b="0"/>
+        </a:fillRef>
+        <a:effectRef idx="0">
+          <a:scrgbClr r="0" g="0" b="0"/>
+        </a:effectRef>
+        <a:fontRef idx="minor">
+          <a:schemeClr val="lt1"/>
+        </a:fontRef>
+      </dsp:style>
+      <dsp:txBody>
+        <a:bodyPr spcFirstLastPara="0" vert="horz" wrap="square" lIns="72390" tIns="72390" rIns="72390" bIns="72390" numCol="1" spcCol="1270" anchor="ctr" anchorCtr="0">
+          <a:noAutofit/>
+        </a:bodyPr>
+        <a:lstStyle/>
+        <a:p>
+          <a:pPr lvl="0" algn="ctr" defTabSz="844550">
+            <a:lnSpc>
+              <a:spcPct val="90000"/>
+            </a:lnSpc>
+            <a:spcBef>
+              <a:spcPct val="0"/>
+            </a:spcBef>
+            <a:spcAft>
+              <a:spcPct val="35000"/>
+            </a:spcAft>
+          </a:pPr>
+          <a:r>
+            <a:rPr lang="en-US" sz="1900" kern="1200" dirty="0" smtClean="0"/>
+            <a:t>Record Outputs</a:t>
+          </a:r>
+          <a:endParaRPr lang="en-CA" sz="1900" kern="1200" dirty="0"/>
+        </a:p>
+      </dsp:txBody>
+      <dsp:txXfrm>
+        <a:off x="5013915" y="1441711"/>
+        <a:ext cx="1452162" cy="909465"/>
+      </dsp:txXfrm>
+    </dsp:sp>
+    <dsp:sp modelId="{55429C94-844F-42AD-9D84-156B7EAA1D0F}">
+      <dsp:nvSpPr>
+        <dsp:cNvPr id="0" name=""/>
+        <dsp:cNvSpPr/>
+      </dsp:nvSpPr>
+      <dsp:spPr>
+        <a:xfrm>
+          <a:off x="1813434" y="505819"/>
+          <a:ext cx="4025061" cy="4025061"/>
+        </a:xfrm>
+        <a:custGeom>
+          <a:avLst/>
+          <a:gdLst/>
+          <a:ahLst/>
+          <a:cxnLst/>
+          <a:rect l="0" t="0" r="0" b="0"/>
+          <a:pathLst>
+            <a:path>
+              <a:moveTo>
+                <a:pt x="4020226" y="2151949"/>
+              </a:moveTo>
+              <a:arcTo wR="2012530" hR="2012530" stAng="21838341" swAng="1359305"/>
+            </a:path>
+          </a:pathLst>
+        </a:custGeom>
+        <a:noFill/>
+        <a:ln w="9525" cap="flat" cmpd="sng" algn="ctr">
+          <a:solidFill>
+            <a:schemeClr val="accent1">
+              <a:hueOff val="0"/>
+              <a:satOff val="0"/>
+              <a:lumOff val="0"/>
+              <a:alphaOff val="0"/>
+            </a:schemeClr>
+          </a:solidFill>
+          <a:prstDash val="solid"/>
+          <a:miter/>
+          <a:tailEnd type="arrow"/>
+        </a:ln>
+        <a:effectLst/>
+      </dsp:spPr>
+      <dsp:style>
+        <a:lnRef idx="1">
+          <a:scrgbClr r="0" g="0" b="0"/>
+        </a:lnRef>
+        <a:fillRef idx="0">
+          <a:scrgbClr r="0" g="0" b="0"/>
+        </a:fillRef>
+        <a:effectRef idx="0">
+          <a:scrgbClr r="0" g="0" b="0"/>
+        </a:effectRef>
+        <a:fontRef idx="minor"/>
+      </dsp:style>
+    </dsp:sp>
+    <dsp:sp modelId="{52A8BA72-469B-4A8F-9C42-3ABB910B41A7}">
+      <dsp:nvSpPr>
+        <dsp:cNvPr id="0" name=""/>
+        <dsp:cNvSpPr/>
+      </dsp:nvSpPr>
+      <dsp:spPr>
+        <a:xfrm>
+          <a:off x="4233620" y="3642589"/>
+          <a:ext cx="1550562" cy="1007865"/>
+        </a:xfrm>
+        <a:prstGeom prst="roundRect">
+          <a:avLst/>
+        </a:prstGeom>
+        <a:solidFill>
+          <a:schemeClr val="accent1">
+            <a:hueOff val="0"/>
+            <a:satOff val="0"/>
+            <a:lumOff val="0"/>
+            <a:alphaOff val="0"/>
+          </a:schemeClr>
+        </a:solidFill>
+        <a:ln w="25400" cap="flat" cmpd="sng" algn="ctr">
+          <a:solidFill>
+            <a:schemeClr val="lt1">
+              <a:hueOff val="0"/>
+              <a:satOff val="0"/>
+              <a:lumOff val="0"/>
+              <a:alphaOff val="0"/>
+            </a:schemeClr>
+          </a:solidFill>
+          <a:prstDash val="solid"/>
+          <a:miter/>
+        </a:ln>
+        <a:effectLst/>
+      </dsp:spPr>
+      <dsp:style>
+        <a:lnRef idx="2">
+          <a:scrgbClr r="0" g="0" b="0"/>
+        </a:lnRef>
+        <a:fillRef idx="1">
+          <a:scrgbClr r="0" g="0" b="0"/>
+        </a:fillRef>
+        <a:effectRef idx="0">
+          <a:scrgbClr r="0" g="0" b="0"/>
+        </a:effectRef>
+        <a:fontRef idx="minor">
+          <a:schemeClr val="lt1"/>
+        </a:fontRef>
+      </dsp:style>
+      <dsp:txBody>
+        <a:bodyPr spcFirstLastPara="0" vert="horz" wrap="square" lIns="72390" tIns="72390" rIns="72390" bIns="72390" numCol="1" spcCol="1270" anchor="ctr" anchorCtr="0">
+          <a:noAutofit/>
+        </a:bodyPr>
+        <a:lstStyle/>
+        <a:p>
+          <a:pPr lvl="0" algn="ctr" defTabSz="844550">
+            <a:lnSpc>
+              <a:spcPct val="90000"/>
+            </a:lnSpc>
+            <a:spcBef>
+              <a:spcPct val="0"/>
+            </a:spcBef>
+            <a:spcAft>
+              <a:spcPct val="35000"/>
+            </a:spcAft>
+          </a:pPr>
+          <a:r>
+            <a:rPr lang="en-US" sz="1900" kern="1200" dirty="0" smtClean="0"/>
+            <a:t>Acceptance Criteria</a:t>
+          </a:r>
+          <a:endParaRPr lang="en-CA" sz="1900" kern="1200" dirty="0"/>
+        </a:p>
+      </dsp:txBody>
+      <dsp:txXfrm>
+        <a:off x="4282820" y="3691789"/>
+        <a:ext cx="1452162" cy="909465"/>
+      </dsp:txXfrm>
+    </dsp:sp>
+    <dsp:sp modelId="{C176B931-3668-42A6-81D1-9222EECBE55E}">
+      <dsp:nvSpPr>
+        <dsp:cNvPr id="0" name=""/>
+        <dsp:cNvSpPr/>
+      </dsp:nvSpPr>
+      <dsp:spPr>
+        <a:xfrm>
+          <a:off x="1813434" y="505819"/>
+          <a:ext cx="4025061" cy="4025061"/>
+        </a:xfrm>
+        <a:custGeom>
+          <a:avLst/>
+          <a:gdLst/>
+          <a:ahLst/>
+          <a:cxnLst/>
+          <a:rect l="0" t="0" r="0" b="0"/>
+          <a:pathLst>
+            <a:path>
+              <a:moveTo>
+                <a:pt x="2259341" y="4009870"/>
+              </a:moveTo>
+              <a:arcTo wR="2012530" hR="2012530" stAng="4977342" swAng="845317"/>
+            </a:path>
+          </a:pathLst>
+        </a:custGeom>
+        <a:noFill/>
+        <a:ln w="9525" cap="flat" cmpd="sng" algn="ctr">
+          <a:solidFill>
+            <a:schemeClr val="accent1">
+              <a:hueOff val="0"/>
+              <a:satOff val="0"/>
+              <a:lumOff val="0"/>
+              <a:alphaOff val="0"/>
+            </a:schemeClr>
+          </a:solidFill>
+          <a:prstDash val="solid"/>
+          <a:miter/>
+          <a:tailEnd type="arrow"/>
+        </a:ln>
+        <a:effectLst/>
+      </dsp:spPr>
+      <dsp:style>
+        <a:lnRef idx="1">
+          <a:scrgbClr r="0" g="0" b="0"/>
+        </a:lnRef>
+        <a:fillRef idx="0">
+          <a:scrgbClr r="0" g="0" b="0"/>
+        </a:fillRef>
+        <a:effectRef idx="0">
+          <a:scrgbClr r="0" g="0" b="0"/>
+        </a:effectRef>
+        <a:fontRef idx="minor"/>
+      </dsp:style>
+    </dsp:sp>
+    <dsp:sp modelId="{511D6FFD-3096-4993-B34D-DEFD8AF3DB1D}">
+      <dsp:nvSpPr>
+        <dsp:cNvPr id="0" name=""/>
+        <dsp:cNvSpPr/>
+      </dsp:nvSpPr>
+      <dsp:spPr>
+        <a:xfrm>
+          <a:off x="1867748" y="3642589"/>
+          <a:ext cx="1550562" cy="1007865"/>
+        </a:xfrm>
+        <a:prstGeom prst="roundRect">
+          <a:avLst/>
+        </a:prstGeom>
+        <a:solidFill>
+          <a:schemeClr val="accent1">
+            <a:hueOff val="0"/>
+            <a:satOff val="0"/>
+            <a:lumOff val="0"/>
+            <a:alphaOff val="0"/>
+          </a:schemeClr>
+        </a:solidFill>
+        <a:ln w="25400" cap="flat" cmpd="sng" algn="ctr">
+          <a:solidFill>
+            <a:schemeClr val="lt1">
+              <a:hueOff val="0"/>
+              <a:satOff val="0"/>
+              <a:lumOff val="0"/>
+              <a:alphaOff val="0"/>
+            </a:schemeClr>
+          </a:solidFill>
+          <a:prstDash val="solid"/>
+          <a:miter/>
+        </a:ln>
+        <a:effectLst/>
+      </dsp:spPr>
+      <dsp:style>
+        <a:lnRef idx="2">
+          <a:scrgbClr r="0" g="0" b="0"/>
+        </a:lnRef>
+        <a:fillRef idx="1">
+          <a:scrgbClr r="0" g="0" b="0"/>
+        </a:fillRef>
+        <a:effectRef idx="0">
+          <a:scrgbClr r="0" g="0" b="0"/>
+        </a:effectRef>
+        <a:fontRef idx="minor">
+          <a:schemeClr val="lt1"/>
+        </a:fontRef>
+      </dsp:style>
+      <dsp:txBody>
+        <a:bodyPr spcFirstLastPara="0" vert="horz" wrap="square" lIns="72390" tIns="72390" rIns="72390" bIns="72390" numCol="1" spcCol="1270" anchor="ctr" anchorCtr="0">
+          <a:noAutofit/>
+        </a:bodyPr>
+        <a:lstStyle/>
+        <a:p>
+          <a:pPr lvl="0" algn="ctr" defTabSz="844550">
+            <a:lnSpc>
+              <a:spcPct val="90000"/>
+            </a:lnSpc>
+            <a:spcBef>
+              <a:spcPct val="0"/>
+            </a:spcBef>
+            <a:spcAft>
+              <a:spcPct val="35000"/>
+            </a:spcAft>
+          </a:pPr>
+          <a:r>
+            <a:rPr lang="en-US" sz="1900" kern="1200" dirty="0" smtClean="0"/>
+            <a:t>Signal Comparison</a:t>
+          </a:r>
+          <a:endParaRPr lang="en-CA" sz="1900" kern="1200" dirty="0"/>
+        </a:p>
+      </dsp:txBody>
+      <dsp:txXfrm>
+        <a:off x="1916948" y="3691789"/>
+        <a:ext cx="1452162" cy="909465"/>
+      </dsp:txXfrm>
+    </dsp:sp>
+    <dsp:sp modelId="{48F03082-252E-4941-A009-40011F4F6A56}">
+      <dsp:nvSpPr>
+        <dsp:cNvPr id="0" name=""/>
+        <dsp:cNvSpPr/>
+      </dsp:nvSpPr>
+      <dsp:spPr>
+        <a:xfrm>
+          <a:off x="1813434" y="505819"/>
+          <a:ext cx="4025061" cy="4025061"/>
+        </a:xfrm>
+        <a:custGeom>
+          <a:avLst/>
+          <a:gdLst/>
+          <a:ahLst/>
+          <a:cxnLst/>
+          <a:rect l="0" t="0" r="0" b="0"/>
+          <a:pathLst>
+            <a:path>
+              <a:moveTo>
+                <a:pt x="213449" y="2914521"/>
+              </a:moveTo>
+              <a:arcTo wR="2012530" hR="2012530" stAng="9202353" swAng="1359305"/>
+            </a:path>
+          </a:pathLst>
+        </a:custGeom>
+        <a:noFill/>
+        <a:ln w="9525" cap="flat" cmpd="sng" algn="ctr">
+          <a:solidFill>
+            <a:schemeClr val="accent1">
+              <a:hueOff val="0"/>
+              <a:satOff val="0"/>
+              <a:lumOff val="0"/>
+              <a:alphaOff val="0"/>
+            </a:schemeClr>
+          </a:solidFill>
+          <a:prstDash val="solid"/>
+          <a:miter/>
+          <a:tailEnd type="arrow"/>
+        </a:ln>
+        <a:effectLst/>
+      </dsp:spPr>
+      <dsp:style>
+        <a:lnRef idx="1">
+          <a:scrgbClr r="0" g="0" b="0"/>
+        </a:lnRef>
+        <a:fillRef idx="0">
+          <a:scrgbClr r="0" g="0" b="0"/>
+        </a:fillRef>
+        <a:effectRef idx="0">
+          <a:scrgbClr r="0" g="0" b="0"/>
+        </a:effectRef>
+        <a:fontRef idx="minor"/>
+      </dsp:style>
+    </dsp:sp>
+    <dsp:sp modelId="{D3922077-6FF7-4A9E-A569-4CFDAC7BB4E2}">
+      <dsp:nvSpPr>
+        <dsp:cNvPr id="0" name=""/>
+        <dsp:cNvSpPr/>
+      </dsp:nvSpPr>
+      <dsp:spPr>
+        <a:xfrm>
+          <a:off x="1136653" y="1392511"/>
+          <a:ext cx="1550562" cy="1007865"/>
+        </a:xfrm>
+        <a:prstGeom prst="roundRect">
+          <a:avLst/>
+        </a:prstGeom>
+        <a:solidFill>
+          <a:schemeClr val="accent1">
+            <a:hueOff val="0"/>
+            <a:satOff val="0"/>
+            <a:lumOff val="0"/>
+            <a:alphaOff val="0"/>
+          </a:schemeClr>
+        </a:solidFill>
+        <a:ln w="25400" cap="flat" cmpd="sng" algn="ctr">
+          <a:solidFill>
+            <a:schemeClr val="lt1">
+              <a:hueOff val="0"/>
+              <a:satOff val="0"/>
+              <a:lumOff val="0"/>
+              <a:alphaOff val="0"/>
+            </a:schemeClr>
+          </a:solidFill>
+          <a:prstDash val="solid"/>
+          <a:miter/>
+        </a:ln>
+        <a:effectLst/>
+      </dsp:spPr>
+      <dsp:style>
+        <a:lnRef idx="2">
+          <a:scrgbClr r="0" g="0" b="0"/>
+        </a:lnRef>
+        <a:fillRef idx="1">
+          <a:scrgbClr r="0" g="0" b="0"/>
+        </a:fillRef>
+        <a:effectRef idx="0">
+          <a:scrgbClr r="0" g="0" b="0"/>
+        </a:effectRef>
+        <a:fontRef idx="minor">
+          <a:schemeClr val="lt1"/>
+        </a:fontRef>
+      </dsp:style>
+      <dsp:txBody>
+        <a:bodyPr spcFirstLastPara="0" vert="horz" wrap="square" lIns="72390" tIns="72390" rIns="72390" bIns="72390" numCol="1" spcCol="1270" anchor="ctr" anchorCtr="0">
+          <a:noAutofit/>
+        </a:bodyPr>
+        <a:lstStyle/>
+        <a:p>
+          <a:pPr lvl="0" algn="ctr" defTabSz="844550">
+            <a:lnSpc>
+              <a:spcPct val="90000"/>
+            </a:lnSpc>
+            <a:spcBef>
+              <a:spcPct val="0"/>
+            </a:spcBef>
+            <a:spcAft>
+              <a:spcPct val="35000"/>
+            </a:spcAft>
+          </a:pPr>
+          <a:r>
+            <a:rPr lang="en-US" sz="1900" kern="1200" dirty="0" smtClean="0"/>
+            <a:t>Test Outputs</a:t>
+          </a:r>
+          <a:endParaRPr lang="en-CA" sz="1900" kern="1200" dirty="0"/>
+        </a:p>
+      </dsp:txBody>
+      <dsp:txXfrm>
+        <a:off x="1185853" y="1441711"/>
+        <a:ext cx="1452162" cy="909465"/>
+      </dsp:txXfrm>
+    </dsp:sp>
+    <dsp:sp modelId="{C5337ADC-2117-4C50-AF2D-DA73F655C70C}">
+      <dsp:nvSpPr>
+        <dsp:cNvPr id="0" name=""/>
+        <dsp:cNvSpPr/>
+      </dsp:nvSpPr>
+      <dsp:spPr>
+        <a:xfrm>
+          <a:off x="1813434" y="505819"/>
+          <a:ext cx="4025061" cy="4025061"/>
+        </a:xfrm>
+        <a:custGeom>
+          <a:avLst/>
+          <a:gdLst/>
+          <a:ahLst/>
+          <a:cxnLst/>
+          <a:rect l="0" t="0" r="0" b="0"/>
+          <a:pathLst>
+            <a:path>
+              <a:moveTo>
+                <a:pt x="484179" y="703171"/>
+              </a:moveTo>
+              <a:arcTo wR="2012530" hR="2012530" stAng="13235227" swAng="1210995"/>
+            </a:path>
+          </a:pathLst>
+        </a:custGeom>
+        <a:noFill/>
+        <a:ln w="9525" cap="flat" cmpd="sng" algn="ctr">
+          <a:solidFill>
+            <a:schemeClr val="accent1">
+              <a:hueOff val="0"/>
+              <a:satOff val="0"/>
+              <a:lumOff val="0"/>
+              <a:alphaOff val="0"/>
+            </a:schemeClr>
+          </a:solidFill>
+          <a:prstDash val="solid"/>
+          <a:miter/>
+          <a:tailEnd type="arrow"/>
+        </a:ln>
+        <a:effectLst/>
+      </dsp:spPr>
+      <dsp:style>
+        <a:lnRef idx="1">
+          <a:scrgbClr r="0" g="0" b="0"/>
+        </a:lnRef>
+        <a:fillRef idx="0">
+          <a:scrgbClr r="0" g="0" b="0"/>
+        </a:fillRef>
+        <a:effectRef idx="0">
+          <a:scrgbClr r="0" g="0" b="0"/>
+        </a:effectRef>
+        <a:fontRef idx="minor"/>
+      </dsp:style>
+    </dsp:sp>
+  </dsp:spTree>
+</dsp:drawing>
+</file>
+
+<file path=ppt/diagrams/layout1.xml><?xml version="1.0" encoding="utf-8"?>
+<dgm:layoutDef xmlns:dgm="http://schemas.openxmlformats.org/drawingml/2006/diagram" xmlns:a="http://schemas.openxmlformats.org/drawingml/2006/main" uniqueId="urn:microsoft.com/office/officeart/2005/8/layout/cycle5">
+  <dgm:title val=""/>
+  <dgm:desc val=""/>
+  <dgm:catLst>
+    <dgm:cat type="cycle" pri="3000"/>
+  </dgm:catLst>
+  <dgm:sampData>
+    <dgm:dataModel>
+      <dgm:ptLst>
+        <dgm:pt modelId="0" type="doc"/>
+        <dgm:pt modelId="1">
+          <dgm:prSet phldr="1"/>
+        </dgm:pt>
+        <dgm:pt modelId="2">
+          <dgm:prSet phldr="1"/>
+        </dgm:pt>
+        <dgm:pt modelId="3">
+          <dgm:prSet phldr="1"/>
+        </dgm:pt>
+        <dgm:pt modelId="4">
+          <dgm:prSet phldr="1"/>
+        </dgm:pt>
+        <dgm:pt modelId="5">
+          <dgm:prSet phldr="1"/>
+        </dgm:pt>
+      </dgm:ptLst>
+      <dgm:cxnLst>
+        <dgm:cxn modelId="6" srcId="0" destId="1" srcOrd="0" destOrd="0"/>
+        <dgm:cxn modelId="7" srcId="0" destId="2" srcOrd="1" destOrd="0"/>
+        <dgm:cxn modelId="8" srcId="0" destId="3" srcOrd="2" destOrd="0"/>
+        <dgm:cxn modelId="9" srcId="0" destId="4" srcOrd="3" destOrd="0"/>
+        <dgm:cxn modelId="10" srcId="0" destId="5" srcOrd="4" destOrd="0"/>
+      </dgm:cxnLst>
+      <dgm:bg/>
+      <dgm:whole/>
+    </dgm:dataModel>
+  </dgm:sampData>
+  <dgm:styleData>
+    <dgm:dataModel>
+      <dgm:ptLst>
+        <dgm:pt modelId="0" type="doc"/>
+        <dgm:pt modelId="1"/>
+        <dgm:pt modelId="2"/>
+        <dgm:pt modelId="3"/>
+      </dgm:ptLst>
+      <dgm:cxnLst>
+        <dgm:cxn modelId="4" srcId="0" destId="1" srcOrd="0" destOrd="0"/>
+        <dgm:cxn modelId="5" srcId="0" destId="2" srcOrd="1" destOrd="0"/>
+        <dgm:cxn modelId="6" srcId="0" destId="3" srcOrd="2" destOrd="0"/>
+      </dgm:cxnLst>
+      <dgm:bg/>
+      <dgm:whole/>
+    </dgm:dataModel>
+  </dgm:styleData>
+  <dgm:clrData>
+    <dgm:dataModel>
+      <dgm:ptLst>
+        <dgm:pt modelId="0" type="doc"/>
+        <dgm:pt modelId="1"/>
+        <dgm:pt modelId="2"/>
+        <dgm:pt modelId="3"/>
+        <dgm:pt modelId="4"/>
+        <dgm:pt modelId="5"/>
+        <dgm:pt modelId="6"/>
+      </dgm:ptLst>
+      <dgm:cxnLst>
+        <dgm:cxn modelId="7" srcId="0" destId="1" srcOrd="0" destOrd="0"/>
+        <dgm:cxn modelId="8" srcId="0" destId="2" srcOrd="1" destOrd="0"/>
+        <dgm:cxn modelId="9" srcId="0" destId="3" srcOrd="2" destOrd="0"/>
+        <dgm:cxn modelId="10" srcId="0" destId="4" srcOrd="3" destOrd="0"/>
+        <dgm:cxn modelId="11" srcId="0" destId="5" srcOrd="4" destOrd="0"/>
+        <dgm:cxn modelId="12" srcId="0" destId="6" srcOrd="5" destOrd="0"/>
+      </dgm:cxnLst>
+      <dgm:bg/>
+      <dgm:whole/>
+    </dgm:dataModel>
+  </dgm:clrData>
+  <dgm:layoutNode name="cycle">
+    <dgm:varLst>
+      <dgm:dir/>
+      <dgm:resizeHandles val="exact"/>
+    </dgm:varLst>
+    <dgm:choose name="Name0">
+      <dgm:if name="Name1" func="var" arg="dir" op="equ" val="norm">
+        <dgm:choose name="Name2">
+          <dgm:if name="Name3" axis="ch" ptType="node" func="cnt" op="gt" val="2">
+            <dgm:alg type="cycle">
+              <dgm:param type="stAng" val="0"/>
+              <dgm:param type="spanAng" val="360"/>
+            </dgm:alg>
+          </dgm:if>
+          <dgm:else name="Name4">
+            <dgm:alg type="cycle">
+              <dgm:param type="stAng" val="-90"/>
+              <dgm:param type="spanAng" val="360"/>
+            </dgm:alg>
+          </dgm:else>
+        </dgm:choose>
+      </dgm:if>
+      <dgm:else name="Name5">
+        <dgm:choose name="Name6">
+          <dgm:if name="Name7" axis="ch" ptType="node" func="cnt" op="gt" val="2">
+            <dgm:alg type="cycle">
+              <dgm:param type="stAng" val="0"/>
+              <dgm:param type="spanAng" val="-360"/>
+            </dgm:alg>
+          </dgm:if>
+          <dgm:else name="Name8">
+            <dgm:alg type="cycle">
+              <dgm:param type="stAng" val="90"/>
+              <dgm:param type="spanAng" val="-360"/>
+            </dgm:alg>
+          </dgm:else>
+        </dgm:choose>
+      </dgm:else>
+    </dgm:choose>
+    <dgm:shape xmlns:r="http://schemas.openxmlformats.org/officeDocument/2006/relationships" r:blip="">
+      <dgm:adjLst/>
+    </dgm:shape>
+    <dgm:presOf/>
+    <dgm:choose name="Name9">
+      <dgm:if name="Name10" func="var" arg="dir" op="equ" val="norm">
+        <dgm:constrLst>
+          <dgm:constr type="w" for="ch" forName="node" refType="w"/>
+          <dgm:constr type="w" for="ch" ptType="sibTrans" refType="w" refFor="ch" refForName="node" op="equ" fact="0.3"/>
+          <dgm:constr type="diam" for="ch" ptType="sibTrans" refType="diam" op="equ"/>
+          <dgm:constr type="sibSp" refType="w" refFor="ch" refForName="node" op="equ" fact="0.15"/>
+          <dgm:constr type="w" for="ch" forName="spNode" refType="sibSp" fact="1.6"/>
+          <dgm:constr type="primFontSz" for="ch" forName="node" op="equ" val="65"/>
+        </dgm:constrLst>
+      </dgm:if>
+      <dgm:else name="Name11">
+        <dgm:constrLst>
+          <dgm:constr type="w" for="ch" forName="node" refType="w"/>
+          <dgm:constr type="w" for="ch" ptType="sibTrans" refType="w" refFor="ch" refForName="node" op="equ" fact="0.3"/>
+          <dgm:constr type="diam" for="ch" ptType="sibTrans" refType="diam" fact="-1"/>
+          <dgm:constr type="diam" for="ch" refType="diam" op="equ" fact="-1"/>
+          <dgm:constr type="sibSp" refType="w" refFor="ch" refForName="node" op="equ" fact="0.15"/>
+          <dgm:constr type="w" for="ch" forName="spNode" refType="sibSp" fact="1.6"/>
+          <dgm:constr type="primFontSz" for="ch" forName="node" op="equ" val="65"/>
+        </dgm:constrLst>
+      </dgm:else>
+    </dgm:choose>
+    <dgm:ruleLst/>
+    <dgm:forEach name="Name12" axis="ch" ptType="node">
+      <dgm:layoutNode name="node">
+        <dgm:varLst>
+          <dgm:bulletEnabled val="1"/>
+        </dgm:varLst>
+        <dgm:alg type="tx"/>
+        <dgm:shape xmlns:r="http://schemas.openxmlformats.org/officeDocument/2006/relationships" type="roundRect" r:blip="">
+          <dgm:adjLst/>
+        </dgm:shape>
+        <dgm:presOf axis="desOrSelf" ptType="node"/>
+        <dgm:constrLst>
+          <dgm:constr type="h" refType="w" fact="0.65"/>
+          <dgm:constr type="tMarg" refType="primFontSz" fact="0.3"/>
+          <dgm:constr type="bMarg" refType="primFontSz" fact="0.3"/>
+          <dgm:constr type="lMarg" refType="primFontSz" fact="0.3"/>
+          <dgm:constr type="rMarg" refType="primFontSz" fact="0.3"/>
+        </dgm:constrLst>
+        <dgm:ruleLst>
+          <dgm:rule type="primFontSz" val="5" fact="NaN" max="NaN"/>
+        </dgm:ruleLst>
+      </dgm:layoutNode>
+      <dgm:choose name="Name13">
+        <dgm:if name="Name14" axis="par ch" ptType="doc node" func="cnt" op="gt" val="1">
+          <dgm:layoutNode name="spNode">
+            <dgm:alg type="sp"/>
+            <dgm:shape xmlns:r="http://schemas.openxmlformats.org/officeDocument/2006/relationships" r:blip="">
+              <dgm:adjLst/>
+            </dgm:shape>
+            <dgm:presOf/>
+            <dgm:constrLst>
+              <dgm:constr type="h" refType="w"/>
+            </dgm:constrLst>
+            <dgm:ruleLst/>
+          </dgm:layoutNode>
+          <dgm:forEach name="Name15" axis="followSib" ptType="sibTrans" hideLastTrans="0" cnt="1">
+            <dgm:layoutNode name="sibTrans">
+              <dgm:alg type="conn">
+                <dgm:param type="dim" val="1D"/>
+                <dgm:param type="connRout" val="curve"/>
+                <dgm:param type="begPts" val="radial"/>
+                <dgm:param type="endPts" val="radial"/>
+              </dgm:alg>
+              <dgm:shape xmlns:r="http://schemas.openxmlformats.org/officeDocument/2006/relationships" type="conn" r:blip="">
+                <dgm:adjLst/>
+              </dgm:shape>
+              <dgm:presOf axis="self"/>
+              <dgm:constrLst>
+                <dgm:constr type="h" refType="w" fact="0.65"/>
+                <dgm:constr type="connDist"/>
+                <dgm:constr type="begPad" refType="connDist" fact="0.2"/>
+                <dgm:constr type="endPad" refType="connDist" fact="0.2"/>
+              </dgm:constrLst>
+              <dgm:ruleLst/>
+            </dgm:layoutNode>
+          </dgm:forEach>
+        </dgm:if>
+        <dgm:else name="Name16"/>
+      </dgm:choose>
+    </dgm:forEach>
+  </dgm:layoutNode>
+</dgm:layoutDef>
+</file>
+
+<file path=ppt/diagrams/quickStyle1.xml><?xml version="1.0" encoding="utf-8"?>
+<dgm:styleDef xmlns:dgm="http://schemas.openxmlformats.org/drawingml/2006/diagram" xmlns:a="http://schemas.openxmlformats.org/drawingml/2006/main" uniqueId="urn:microsoft.com/office/officeart/2005/8/quickstyle/simple1">
+  <dgm:title val=""/>
+  <dgm:desc val=""/>
+  <dgm:catLst>
+    <dgm:cat type="simple" pri="10100"/>
+  </dgm:catLst>
+  <dgm:scene3d>
+    <a:camera prst="orthographicFront"/>
+    <a:lightRig rig="threePt" dir="t"/>
+  </dgm:scene3d>
+  <dgm:styleLbl name="node0">
+    <dgm:scene3d>
+      <a:camera prst="orthographicFront"/>
+      <a:lightRig rig="threePt" dir="t"/>
+    </dgm:scene3d>
+    <dgm:sp3d/>
+    <dgm:txPr/>
+    <dgm:style>
+      <a:lnRef idx="2">
+        <a:scrgbClr r="0" g="0" b="0"/>
+      </a:lnRef>
+      <a:fillRef idx="1">
+        <a:scrgbClr r="0" g="0" b="0"/>
+      </a:fillRef>
+      <a:effectRef idx="0">
+        <a:scrgbClr r="0" g="0" b="0"/>
+      </a:effectRef>
+      <a:fontRef idx="minor">
+        <a:schemeClr val="lt1"/>
+      </a:fontRef>
+    </dgm:style>
+  </dgm:styleLbl>
+  <dgm:styleLbl name="lnNode1">
+    <dgm:scene3d>
+      <a:camera prst="orthographicFront"/>
+      <a:lightRig rig="threePt" dir="t"/>
+    </dgm:scene3d>
+    <dgm:sp3d/>
+    <dgm:txPr/>
+    <dgm:style>
+      <a:lnRef idx="2">
+        <a:scrgbClr r="0" g="0" b="0"/>
+      </a:lnRef>
+      <a:fillRef idx="1">
+        <a:scrgbClr r="0" g="0" b="0"/>
+      </a:fillRef>
+      <a:effectRef idx="0">
+        <a:scrgbClr r="0" g="0" b="0"/>
+      </a:effectRef>
+      <a:fontRef idx="minor">
+        <a:schemeClr val="lt1"/>
+      </a:fontRef>
+    </dgm:style>
+  </dgm:styleLbl>
+  <dgm:styleLbl name="vennNode1">
+    <dgm:scene3d>
+      <a:camera prst="orthographicFront"/>
+      <a:lightRig rig="threePt" dir="t"/>
+    </dgm:scene3d>
+    <dgm:sp3d/>
+    <dgm:txPr/>
+    <dgm:style>
+      <a:lnRef idx="2">
+        <a:scrgbClr r="0" g="0" b="0"/>
+      </a:lnRef>
+      <a:fillRef idx="1">
+        <a:scrgbClr r="0" g="0" b="0"/>
+      </a:fillRef>
+      <a:effectRef idx="0">
+        <a:scrgbClr r="0" g="0" b="0"/>
+      </a:effectRef>
+      <a:fontRef idx="minor">
+        <a:schemeClr val="tx1"/>
+      </a:fontRef>
+    </dgm:style>
+  </dgm:styleLbl>
+  <dgm:styleLbl name="alignNode1">
+    <dgm:scene3d>
+      <a:camera prst="orthographicFront"/>
+      <a:lightRig rig="threePt" dir="t"/>
+    </dgm:scene3d>
+    <dgm:sp3d/>
+    <dgm:txPr/>
+    <dgm:style>
+      <a:lnRef idx="2">
+        <a:scrgbClr r="0" g="0" b="0"/>
+      </a:lnRef>
+      <a:fillRef idx="1">
+        <a:scrgbClr r="0" g="0" b="0"/>
+      </a:fillRef>
+      <a:effectRef idx="0">
+        <a:scrgbClr r="0" g="0" b="0"/>
+      </a:effectRef>
+      <a:fontRef idx="minor">
+        <a:schemeClr val="lt1"/>
+      </a:fontRef>
+    </dgm:style>
+  </dgm:styleLbl>
+  <dgm:styleLbl name="node1">
+    <dgm:scene3d>
+      <a:camera prst="orthographicFront"/>
+      <a:lightRig rig="threePt" dir="t"/>
+    </dgm:scene3d>
+    <dgm:sp3d/>
+    <dgm:txPr/>
+    <dgm:style>
+      <a:lnRef idx="2">
+        <a:scrgbClr r="0" g="0" b="0"/>
+      </a:lnRef>
+      <a:fillRef idx="1">
+        <a:scrgbClr r="0" g="0" b="0"/>
+      </a:fillRef>
+      <a:effectRef idx="0">
+        <a:scrgbClr r="0" g="0" b="0"/>
+      </a:effectRef>
+      <a:fontRef idx="minor">
+        <a:schemeClr val="lt1"/>
+      </a:fontRef>
+    </dgm:style>
+  </dgm:styleLbl>
+  <dgm:styleLbl name="node2">
+    <dgm:scene3d>
+      <a:camera prst="orthographicFront"/>
+      <a:lightRig rig="threePt" dir="t"/>
+    </dgm:scene3d>
+    <dgm:sp3d/>
+    <dgm:txPr/>
+    <dgm:style>
+      <a:lnRef idx="2">
+        <a:scrgbClr r="0" g="0" b="0"/>
+      </a:lnRef>
+      <a:fillRef idx="1">
+        <a:scrgbClr r="0" g="0" b="0"/>
+      </a:fillRef>
+      <a:effectRef idx="0">
+        <a:scrgbClr r="0" g="0" b="0"/>
+      </a:effectRef>
+      <a:fontRef idx="minor">
+        <a:schemeClr val="lt1"/>
+      </a:fontRef>
+    </dgm:style>
+  </dgm:styleLbl>
+  <dgm:styleLbl name="node3">
+    <dgm:scene3d>
+      <a:camera prst="orthographicFront"/>
+      <a:lightRig rig="threePt" dir="t"/>
+    </dgm:scene3d>
+    <dgm:sp3d/>
+    <dgm:txPr/>
+    <dgm:style>
+      <a:lnRef idx="2">
+        <a:scrgbClr r="0" g="0" b="0"/>
+      </a:lnRef>
+      <a:fillRef idx="1">
+        <a:scrgbClr r="0" g="0" b="0"/>
+      </a:fillRef>
+      <a:effectRef idx="0">
+        <a:scrgbClr r="0" g="0" b="0"/>
+      </a:effectRef>
+      <a:fontRef idx="minor">
+        <a:schemeClr val="lt1"/>
+      </a:fontRef>
+    </dgm:style>
+  </dgm:styleLbl>
+  <dgm:styleLbl name="node4">
+    <dgm:scene3d>
+      <a:camera prst="orthographicFront"/>
+      <a:lightRig rig="threePt" dir="t"/>
+    </dgm:scene3d>
+    <dgm:sp3d/>
+    <dgm:txPr/>
+    <dgm:style>
+      <a:lnRef idx="2">
+        <a:scrgbClr r="0" g="0" b="0"/>
+      </a:lnRef>
+      <a:fillRef idx="1">
+        <a:scrgbClr r="0" g="0" b="0"/>
+      </a:fillRef>
+      <a:effectRef idx="0">
+        <a:scrgbClr r="0" g="0" b="0"/>
+      </a:effectRef>
+      <a:fontRef idx="minor">
+        <a:schemeClr val="lt1"/>
+      </a:fontRef>
+    </dgm:style>
+  </dgm:styleLbl>
+  <dgm:styleLbl name="fgImgPlace1">
+    <dgm:scene3d>
+      <a:camera prst="orthographicFront"/>
+      <a:lightRig rig="threePt" dir="t"/>
+    </dgm:scene3d>
+    <dgm:sp3d/>
+    <dgm:txPr/>
+    <dgm:style>
+      <a:lnRef idx="2">
+        <a:scrgbClr r="0" g="0" b="0"/>
+      </a:lnRef>
+      <a:fillRef idx="1">
+        <a:scrgbClr r="0" g="0" b="0"/>
+      </a:fillRef>
+      <a:effectRef idx="0">
+        <a:scrgbClr r="0" g="0" b="0"/>
+      </a:effectRef>
+      <a:fontRef idx="minor"/>
+    </dgm:style>
+  </dgm:styleLbl>
+  <dgm:styleLbl name="alignImgPlace1">
+    <dgm:scene3d>
+      <a:camera prst="orthographicFront"/>
+      <a:lightRig rig="threePt" dir="t"/>
+    </dgm:scene3d>
+    <dgm:sp3d/>
+    <dgm:txPr/>
+    <dgm:style>
+      <a:lnRef idx="2">
+        <a:scrgbClr r="0" g="0" b="0"/>
+      </a:lnRef>
+      <a:fillRef idx="1">
+        <a:scrgbClr r="0" g="0" b="0"/>
+      </a:fillRef>
+      <a:effectRef idx="0">
+        <a:scrgbClr r="0" g="0" b="0"/>
+      </a:effectRef>
+      <a:fontRef idx="minor"/>
+    </dgm:style>
+  </dgm:styleLbl>
+  <dgm:styleLbl name="bgImgPlace1">
+    <dgm:scene3d>
+      <a:camera prst="orthographicFront"/>
+      <a:lightRig rig="threePt" dir="t"/>
+    </dgm:scene3d>
+    <dgm:sp3d/>
+    <dgm:txPr/>
+    <dgm:style>
+      <a:lnRef idx="2">
+        <a:scrgbClr r="0" g="0" b="0"/>
+      </a:lnRef>
+      <a:fillRef idx="1">
+        <a:scrgbClr r="0" g="0" b="0"/>
+      </a:fillRef>
+      <a:effectRef idx="0">
+        <a:scrgbClr r="0" g="0" b="0"/>
+      </a:effectRef>
+      <a:fontRef idx="minor"/>
+    </dgm:style>
+  </dgm:styleLbl>
+  <dgm:styleLbl name="sibTrans2D1">
+    <dgm:scene3d>
+      <a:camera prst="orthographicFront"/>
+      <a:lightRig rig="threePt" dir="t"/>
+    </dgm:scene3d>
+    <dgm:sp3d/>
+    <dgm:txPr/>
+    <dgm:style>
+      <a:lnRef idx="0">
+        <a:scrgbClr r="0" g="0" b="0"/>
+      </a:lnRef>
+      <a:fillRef idx="1">
+        <a:scrgbClr r="0" g="0" b="0"/>
+      </a:fillRef>
+      <a:effectRef idx="0">
+        <a:scrgbClr r="0" g="0" b="0"/>
+      </a:effectRef>
+      <a:fontRef idx="minor">
+        <a:schemeClr val="lt1"/>
+      </a:fontRef>
+    </dgm:style>
+  </dgm:styleLbl>
+  <dgm:styleLbl name="fgSibTrans2D1">
+    <dgm:scene3d>
+      <a:camera prst="orthographicFront"/>
+      <a:lightRig rig="threePt" dir="t"/>
+    </dgm:scene3d>
+    <dgm:sp3d/>
+    <dgm:txPr/>
+    <dgm:style>
+      <a:lnRef idx="0">
+        <a:scrgbClr r="0" g="0" b="0"/>
+      </a:lnRef>
+      <a:fillRef idx="1">
+        <a:scrgbClr r="0" g="0" b="0"/>
+      </a:fillRef>
+      <a:effectRef idx="0">
+        <a:scrgbClr r="0" g="0" b="0"/>
+      </a:effectRef>
+      <a:fontRef idx="minor">
+        <a:schemeClr val="lt1"/>
+      </a:fontRef>
+    </dgm:style>
+  </dgm:styleLbl>
+  <dgm:styleLbl name="bgSibTrans2D1">
+    <dgm:scene3d>
+      <a:camera prst="orthographicFront"/>
+      <a:lightRig rig="threePt" dir="t"/>
+    </dgm:scene3d>
+    <dgm:sp3d/>
+    <dgm:txPr/>
+    <dgm:style>
+      <a:lnRef idx="0">
+        <a:scrgbClr r="0" g="0" b="0"/>
+      </a:lnRef>
+      <a:fillRef idx="1">
+        <a:scrgbClr r="0" g="0" b="0"/>
+      </a:fillRef>
+      <a:effectRef idx="0">
+        <a:scrgbClr r="0" g="0" b="0"/>
+      </a:effectRef>
+      <a:fontRef idx="minor">
+        <a:schemeClr val="lt1"/>
+      </a:fontRef>
+    </dgm:style>
+  </dgm:styleLbl>
+  <dgm:styleLbl name="sibTrans1D1">
+    <dgm:scene3d>
+      <a:camera prst="orthographicFront"/>
+      <a:lightRig rig="threePt" dir="t"/>
+    </dgm:scene3d>
+    <dgm:sp3d/>
+    <dgm:txPr/>
+    <dgm:style>
+      <a:lnRef idx="1">
+        <a:scrgbClr r="0" g="0" b="0"/>
+      </a:lnRef>
+      <a:fillRef idx="0">
+        <a:scrgbClr r="0" g="0" b="0"/>
+      </a:fillRef>
+      <a:effectRef idx="0">
+        <a:scrgbClr r="0" g="0" b="0"/>
+      </a:effectRef>
+      <a:fontRef idx="minor"/>
+    </dgm:style>
+  </dgm:styleLbl>
+  <dgm:styleLbl name="callout">
+    <dgm:scene3d>
+      <a:camera prst="orthographicFront"/>
+      <a:lightRig rig="threePt" dir="t"/>
+    </dgm:scene3d>
+    <dgm:sp3d/>
+    <dgm:txPr/>
+    <dgm:style>
+      <a:lnRef idx="2">
+        <a:scrgbClr r="0" g="0" b="0"/>
+      </a:lnRef>
+      <a:fillRef idx="1">
+        <a:scrgbClr r="0" g="0" b="0"/>
+      </a:fillRef>
+      <a:effectRef idx="0">
+        <a:scrgbClr r="0" g="0" b="0"/>
+      </a:effectRef>
+      <a:fontRef idx="minor"/>
+    </dgm:style>
+  </dgm:styleLbl>
+  <dgm:styleLbl name="asst0">
+    <dgm:scene3d>
+      <a:camera prst="orthographicFront"/>
+      <a:lightRig rig="threePt" dir="t"/>
+    </dgm:scene3d>
+    <dgm:sp3d/>
+    <dgm:txPr/>
+    <dgm:style>
+      <a:lnRef idx="2">
+        <a:scrgbClr r="0" g="0" b="0"/>
+      </a:lnRef>
+      <a:fillRef idx="1">
+        <a:scrgbClr r="0" g="0" b="0"/>
+      </a:fillRef>
+      <a:effectRef idx="0">
+        <a:scrgbClr r="0" g="0" b="0"/>
+      </a:effectRef>
+      <a:fontRef idx="minor">
+        <a:schemeClr val="lt1"/>
+      </a:fontRef>
+    </dgm:style>
+  </dgm:styleLbl>
+  <dgm:styleLbl name="asst1">
+    <dgm:scene3d>
+      <a:camera prst="orthographicFront"/>
+      <a:lightRig rig="threePt" dir="t"/>
+    </dgm:scene3d>
+    <dgm:sp3d/>
+    <dgm:txPr/>
+    <dgm:style>
+      <a:lnRef idx="2">
+        <a:scrgbClr r="0" g="0" b="0"/>
+      </a:lnRef>
+      <a:fillRef idx="1">
+        <a:scrgbClr r="0" g="0" b="0"/>
+      </a:fillRef>
+      <a:effectRef idx="0">
+        <a:scrgbClr r="0" g="0" b="0"/>
+      </a:effectRef>
+      <a:fontRef idx="minor">
+        <a:schemeClr val="lt1"/>
+      </a:fontRef>
+    </dgm:style>
+  </dgm:styleLbl>
+  <dgm:styleLbl name="asst2">
+    <dgm:scene3d>
+      <a:camera prst="orthographicFront"/>
+      <a:lightRig rig="threePt" dir="t"/>
+    </dgm:scene3d>
+    <dgm:sp3d/>
+    <dgm:txPr/>
+    <dgm:style>
+      <a:lnRef idx="2">
+        <a:scrgbClr r="0" g="0" b="0"/>
+      </a:lnRef>
+      <a:fillRef idx="1">
+        <a:scrgbClr r="0" g="0" b="0"/>
+      </a:fillRef>
+      <a:effectRef idx="0">
+        <a:scrgbClr r="0" g="0" b="0"/>
+      </a:effectRef>
+      <a:fontRef idx="minor">
+        <a:schemeClr val="lt1"/>
+      </a:fontRef>
+    </dgm:style>
+  </dgm:styleLbl>
+  <dgm:styleLbl name="asst3">
+    <dgm:scene3d>
+      <a:camera prst="orthographicFront"/>
+      <a:lightRig rig="threePt" dir="t"/>
+    </dgm:scene3d>
+    <dgm:sp3d/>
+    <dgm:txPr/>
+    <dgm:style>
+      <a:lnRef idx="2">
+        <a:scrgbClr r="0" g="0" b="0"/>
+      </a:lnRef>
+      <a:fillRef idx="1">
+        <a:scrgbClr r="0" g="0" b="0"/>
+      </a:fillRef>
+      <a:effectRef idx="0">
+        <a:scrgbClr r="0" g="0" b="0"/>
+      </a:effectRef>
+      <a:fontRef idx="minor">
+        <a:schemeClr val="lt1"/>
+      </a:fontRef>
+    </dgm:style>
+  </dgm:styleLbl>
+  <dgm:styleLbl name="asst4">
+    <dgm:scene3d>
+      <a:camera prst="orthographicFront"/>
+      <a:lightRig rig="threePt" dir="t"/>
+    </dgm:scene3d>
+    <dgm:sp3d/>
+    <dgm:txPr/>
+    <dgm:style>
+      <a:lnRef idx="2">
+        <a:scrgbClr r="0" g="0" b="0"/>
+      </a:lnRef>
+      <a:fillRef idx="1">
+        <a:scrgbClr r="0" g="0" b="0"/>
+      </a:fillRef>
+      <a:effectRef idx="0">
+        <a:scrgbClr r="0" g="0" b="0"/>
+      </a:effectRef>
+      <a:fontRef idx="minor">
+        <a:schemeClr val="lt1"/>
+      </a:fontRef>
+    </dgm:style>
+  </dgm:styleLbl>
+  <dgm:styleLbl name="parChTrans2D1">
+    <dgm:scene3d>
+      <a:camera prst="orthographicFront"/>
+      <a:lightRig rig="threePt" dir="t"/>
+    </dgm:scene3d>
+    <dgm:sp3d/>
+    <dgm:txPr/>
+    <dgm:style>
+      <a:lnRef idx="2">
+        <a:scrgbClr r="0" g="0" b="0"/>
+      </a:lnRef>
+      <a:fillRef idx="1">
+        <a:scrgbClr r="0" g="0" b="0"/>
+      </a:fillRef>
+      <a:effectRef idx="0">
+        <a:scrgbClr r="0" g="0" b="0"/>
+      </a:effectRef>
+      <a:fontRef idx="minor">
+        <a:schemeClr val="lt1"/>
+      </a:fontRef>
+    </dgm:style>
+  </dgm:styleLbl>
+  <dgm:styleLbl name="parChTrans2D2">
+    <dgm:scene3d>
+      <a:camera prst="orthographicFront"/>
+      <a:lightRig rig="threePt" dir="t"/>
+    </dgm:scene3d>
+    <dgm:sp3d/>
+    <dgm:txPr/>
+    <dgm:style>
+      <a:lnRef idx="2">
+        <a:scrgbClr r="0" g="0" b="0"/>
+      </a:lnRef>
+      <a:fillRef idx="1">
+        <a:scrgbClr r="0" g="0" b="0"/>
+      </a:fillRef>
+      <a:effectRef idx="0">
+        <a:scrgbClr r="0" g="0" b="0"/>
+      </a:effectRef>
+      <a:fontRef idx="minor">
+        <a:schemeClr val="lt1"/>
+      </a:fontRef>
+    </dgm:style>
+  </dgm:styleLbl>
+  <dgm:styleLbl name="parChTrans2D3">
+    <dgm:scene3d>
+      <a:camera prst="orthographicFront"/>
+      <a:lightRig rig="threePt" dir="t"/>
+    </dgm:scene3d>
+    <dgm:sp3d/>
+    <dgm:txPr/>
+    <dgm:style>
+      <a:lnRef idx="2">
+        <a:scrgbClr r="0" g="0" b="0"/>
+      </a:lnRef>
+      <a:fillRef idx="1">
+        <a:scrgbClr r="0" g="0" b="0"/>
+      </a:fillRef>
+      <a:effectRef idx="0">
+        <a:scrgbClr r="0" g="0" b="0"/>
+      </a:effectRef>
+      <a:fontRef idx="minor">
+        <a:schemeClr val="lt1"/>
+      </a:fontRef>
+    </dgm:style>
+  </dgm:styleLbl>
+  <dgm:styleLbl name="parChTrans2D4">
+    <dgm:scene3d>
+      <a:camera prst="orthographicFront"/>
+      <a:lightRig rig="threePt" dir="t"/>
+    </dgm:scene3d>
+    <dgm:sp3d/>
+    <dgm:txPr/>
+    <dgm:style>
+      <a:lnRef idx="2">
+        <a:scrgbClr r="0" g="0" b="0"/>
+      </a:lnRef>
+      <a:fillRef idx="1">
+        <a:scrgbClr r="0" g="0" b="0"/>
+      </a:fillRef>
+      <a:effectRef idx="0">
+        <a:scrgbClr r="0" g="0" b="0"/>
+      </a:effectRef>
+      <a:fontRef idx="minor">
+        <a:schemeClr val="lt1"/>
+      </a:fontRef>
+    </dgm:style>
+  </dgm:styleLbl>
+  <dgm:styleLbl name="parChTrans1D1">
+    <dgm:scene3d>
+      <a:camera prst="orthographicFront"/>
+      <a:lightRig rig="threePt" dir="t"/>
+    </dgm:scene3d>
+    <dgm:sp3d/>
+    <dgm:txPr/>
+    <dgm:style>
+      <a:lnRef idx="2">
+        <a:scrgbClr r="0" g="0" b="0"/>
+      </a:lnRef>
+      <a:fillRef idx="0">
+        <a:scrgbClr r="0" g="0" b="0"/>
+      </a:fillRef>
+      <a:effectRef idx="0">
+        <a:scrgbClr r="0" g="0" b="0"/>
+      </a:effectRef>
+      <a:fontRef idx="minor"/>
+    </dgm:style>
+  </dgm:styleLbl>
+  <dgm:styleLbl name="parChTrans1D2">
+    <dgm:scene3d>
+      <a:camera prst="orthographicFront"/>
+      <a:lightRig rig="threePt" dir="t"/>
+    </dgm:scene3d>
+    <dgm:sp3d/>
+    <dgm:txPr/>
+    <dgm:style>
+      <a:lnRef idx="2">
+        <a:scrgbClr r="0" g="0" b="0"/>
+      </a:lnRef>
+      <a:fillRef idx="0">
+        <a:scrgbClr r="0" g="0" b="0"/>
+      </a:fillRef>
+      <a:effectRef idx="0">
+        <a:scrgbClr r="0" g="0" b="0"/>
+      </a:effectRef>
+      <a:fontRef idx="minor"/>
+    </dgm:style>
+  </dgm:styleLbl>
+  <dgm:styleLbl name="parChTrans1D3">
+    <dgm:scene3d>
+      <a:camera prst="orthographicFront"/>
+      <a:lightRig rig="threePt" dir="t"/>
+    </dgm:scene3d>
+    <dgm:sp3d/>
+    <dgm:txPr/>
+    <dgm:style>
+      <a:lnRef idx="2">
+        <a:scrgbClr r="0" g="0" b="0"/>
+      </a:lnRef>
+      <a:fillRef idx="0">
+        <a:scrgbClr r="0" g="0" b="0"/>
+      </a:fillRef>
+      <a:effectRef idx="0">
+        <a:scrgbClr r="0" g="0" b="0"/>
+      </a:effectRef>
+      <a:fontRef idx="minor"/>
+    </dgm:style>
+  </dgm:styleLbl>
+  <dgm:styleLbl name="parChTrans1D4">
+    <dgm:scene3d>
+      <a:camera prst="orthographicFront"/>
+      <a:lightRig rig="threePt" dir="t"/>
+    </dgm:scene3d>
+    <dgm:sp3d/>
+    <dgm:txPr/>
+    <dgm:style>
+      <a:lnRef idx="2">
+        <a:scrgbClr r="0" g="0" b="0"/>
+      </a:lnRef>
+      <a:fillRef idx="0">
+        <a:scrgbClr r="0" g="0" b="0"/>
+      </a:fillRef>
+      <a:effectRef idx="0">
+        <a:scrgbClr r="0" g="0" b="0"/>
+      </a:effectRef>
+      <a:fontRef idx="minor"/>
+    </dgm:style>
+  </dgm:styleLbl>
+  <dgm:styleLbl name="fgAcc1">
+    <dgm:scene3d>
+      <a:camera prst="orthographicFront"/>
+      <a:lightRig rig="threePt" dir="t"/>
+    </dgm:scene3d>
+    <dgm:sp3d/>
+    <dgm:txPr/>
+    <dgm:style>
+      <a:lnRef idx="2">
+        <a:scrgbClr r="0" g="0" b="0"/>
+      </a:lnRef>
+      <a:fillRef idx="1">
+        <a:scrgbClr r="0" g="0" b="0"/>
+      </a:fillRef>
+      <a:effectRef idx="0">
+        <a:scrgbClr r="0" g="0" b="0"/>
+      </a:effectRef>
+      <a:fontRef idx="minor"/>
+    </dgm:style>
+  </dgm:styleLbl>
+  <dgm:styleLbl name="conFgAcc1">
+    <dgm:scene3d>
+      <a:camera prst="orthographicFront"/>
+      <a:lightRig rig="threePt" dir="t"/>
+    </dgm:scene3d>
+    <dgm:sp3d/>
+    <dgm:txPr/>
+    <dgm:style>
+      <a:lnRef idx="2">
+        <a:scrgbClr r="0" g="0" b="0"/>
+      </a:lnRef>
+      <a:fillRef idx="1">
+        <a:scrgbClr r="0" g="0" b="0"/>
+      </a:fillRef>
+      <a:effectRef idx="0">
+        <a:scrgbClr r="0" g="0" b="0"/>
+      </a:effectRef>
+      <a:fontRef idx="minor"/>
+    </dgm:style>
+  </dgm:styleLbl>
+  <dgm:styleLbl name="alignAcc1">
+    <dgm:scene3d>
+      <a:camera prst="orthographicFront"/>
+      <a:lightRig rig="threePt" dir="t"/>
+    </dgm:scene3d>
+    <dgm:sp3d/>
+    <dgm:txPr/>
+    <dgm:style>
+      <a:lnRef idx="2">
+        <a:scrgbClr r="0" g="0" b="0"/>
+      </a:lnRef>
+      <a:fillRef idx="1">
+        <a:scrgbClr r="0" g="0" b="0"/>
+      </a:fillRef>
+      <a:effectRef idx="0">
+        <a:scrgbClr r="0" g="0" b="0"/>
+      </a:effectRef>
+      <a:fontRef idx="minor"/>
+    </dgm:style>
+  </dgm:styleLbl>
+  <dgm:styleLbl name="trAlignAcc1">
+    <dgm:scene3d>
+      <a:camera prst="orthographicFront"/>
+      <a:lightRig rig="threePt" dir="t"/>
+    </dgm:scene3d>
+    <dgm:sp3d/>
+    <dgm:txPr/>
+    <dgm:style>
+      <a:lnRef idx="1">
+        <a:scrgbClr r="0" g="0" b="0"/>
+      </a:lnRef>
+      <a:fillRef idx="1">
+        <a:scrgbClr r="0" g="0" b="0"/>
+      </a:fillRef>
+      <a:effectRef idx="0">
+        <a:scrgbClr r="0" g="0" b="0"/>
+      </a:effectRef>
+      <a:fontRef idx="minor"/>
+    </dgm:style>
+  </dgm:styleLbl>
+  <dgm:styleLbl name="bgAcc1">
+    <dgm:scene3d>
+      <a:camera prst="orthographicFront"/>
+      <a:lightRig rig="threePt" dir="t"/>
+    </dgm:scene3d>
+    <dgm:sp3d/>
+    <dgm:txPr/>
+    <dgm:style>
+      <a:lnRef idx="2">
+        <a:scrgbClr r="0" g="0" b="0"/>
+      </a:lnRef>
+      <a:fillRef idx="1">
+        <a:scrgbClr r="0" g="0" b="0"/>
+      </a:fillRef>
+      <a:effectRef idx="0">
+        <a:scrgbClr r="0" g="0" b="0"/>
+      </a:effectRef>
+      <a:fontRef idx="minor"/>
+    </dgm:style>
+  </dgm:styleLbl>
+  <dgm:styleLbl name="solidFgAcc1">
+    <dgm:scene3d>
+      <a:camera prst="orthographicFront"/>
+      <a:lightRig rig="threePt" dir="t"/>
+    </dgm:scene3d>
+    <dgm:sp3d/>
+    <dgm:txPr/>
+    <dgm:style>
+      <a:lnRef idx="2">
+        <a:scrgbClr r="0" g="0" b="0"/>
+      </a:lnRef>
+      <a:fillRef idx="1">
+        <a:scrgbClr r="0" g="0" b="0"/>
+      </a:fillRef>
+      <a:effectRef idx="0">
+        <a:scrgbClr r="0" g="0" b="0"/>
+      </a:effectRef>
+      <a:fontRef idx="minor"/>
+    </dgm:style>
+  </dgm:styleLbl>
+  <dgm:styleLbl name="solidAlignAcc1">
+    <dgm:scene3d>
+      <a:camera prst="orthographicFront"/>
+      <a:lightRig rig="threePt" dir="t"/>
+    </dgm:scene3d>
+    <dgm:sp3d/>
+    <dgm:txPr/>
+    <dgm:style>
+      <a:lnRef idx="2">
+        <a:scrgbClr r="0" g="0" b="0"/>
+      </a:lnRef>
+      <a:fillRef idx="1">
+        <a:scrgbClr r="0" g="0" b="0"/>
+      </a:fillRef>
+      <a:effectRef idx="0">
+        <a:scrgbClr r="0" g="0" b="0"/>
+      </a:effectRef>
+      <a:fontRef idx="minor"/>
+    </dgm:style>
+  </dgm:styleLbl>
+  <dgm:styleLbl name="solidBgAcc1">
+    <dgm:scene3d>
+      <a:camera prst="orthographicFront"/>
+      <a:lightRig rig="threePt" dir="t"/>
+    </dgm:scene3d>
+    <dgm:sp3d/>
+    <dgm:txPr/>
+    <dgm:style>
+      <a:lnRef idx="2">
+        <a:scrgbClr r="0" g="0" b="0"/>
+      </a:lnRef>
+      <a:fillRef idx="1">
+        <a:scrgbClr r="0" g="0" b="0"/>
+      </a:fillRef>
+      <a:effectRef idx="0">
+        <a:scrgbClr r="0" g="0" b="0"/>
+      </a:effectRef>
+      <a:fontRef idx="minor"/>
+    </dgm:style>
+  </dgm:styleLbl>
+  <dgm:styleLbl name="fgAccFollowNode1">
+    <dgm:scene3d>
+      <a:camera prst="orthographicFront"/>
+      <a:lightRig rig="threePt" dir="t"/>
+    </dgm:scene3d>
+    <dgm:sp3d/>
+    <dgm:txPr/>
+    <dgm:style>
+      <a:lnRef idx="2">
+        <a:scrgbClr r="0" g="0" b="0"/>
+      </a:lnRef>
+      <a:fillRef idx="1">
+        <a:scrgbClr r="0" g="0" b="0"/>
+      </a:fillRef>
+      <a:effectRef idx="0">
+        <a:scrgbClr r="0" g="0" b="0"/>
+      </a:effectRef>
+      <a:fontRef idx="minor"/>
+    </dgm:style>
+  </dgm:styleLbl>
+  <dgm:styleLbl name="alignAccFollowNode1">
+    <dgm:scene3d>
+      <a:camera prst="orthographicFront"/>
+      <a:lightRig rig="threePt" dir="t"/>
+    </dgm:scene3d>
+    <dgm:sp3d/>
+    <dgm:txPr/>
+    <dgm:style>
+      <a:lnRef idx="2">
+        <a:scrgbClr r="0" g="0" b="0"/>
+      </a:lnRef>
+      <a:fillRef idx="1">
+        <a:scrgbClr r="0" g="0" b="0"/>
+      </a:fillRef>
+      <a:effectRef idx="0">
+        <a:scrgbClr r="0" g="0" b="0"/>
+      </a:effectRef>
+      <a:fontRef idx="minor"/>
+    </dgm:style>
+  </dgm:styleLbl>
+  <dgm:styleLbl name="bgAccFollowNode1">
+    <dgm:scene3d>
+      <a:camera prst="orthographicFront"/>
+      <a:lightRig rig="threePt" dir="t"/>
+    </dgm:scene3d>
+    <dgm:sp3d/>
+    <dgm:txPr/>
+    <dgm:style>
+      <a:lnRef idx="2">
+        <a:scrgbClr r="0" g="0" b="0"/>
+      </a:lnRef>
+      <a:fillRef idx="1">
+        <a:scrgbClr r="0" g="0" b="0"/>
+      </a:fillRef>
+      <a:effectRef idx="0">
+        <a:scrgbClr r="0" g="0" b="0"/>
+      </a:effectRef>
+      <a:fontRef idx="minor"/>
+    </dgm:style>
+  </dgm:styleLbl>
+  <dgm:styleLbl name="fgAcc0">
+    <dgm:scene3d>
+      <a:camera prst="orthographicFront"/>
+      <a:lightRig rig="threePt" dir="t"/>
+    </dgm:scene3d>
+    <dgm:sp3d/>
+    <dgm:txPr/>
+    <dgm:style>
+      <a:lnRef idx="2">
+        <a:scrgbClr r="0" g="0" b="0"/>
+      </a:lnRef>
+      <a:fillRef idx="1">
+        <a:scrgbClr r="0" g="0" b="0"/>
+      </a:fillRef>
+      <a:effectRef idx="0">
+        <a:scrgbClr r="0" g="0" b="0"/>
+      </a:effectRef>
+      <a:fontRef idx="minor"/>
+    </dgm:style>
+  </dgm:styleLbl>
+  <dgm:styleLbl name="fgAcc2">
+    <dgm:scene3d>
+      <a:camera prst="orthographicFront"/>
+      <a:lightRig rig="threePt" dir="t"/>
+    </dgm:scene3d>
+    <dgm:sp3d/>
+    <dgm:txPr/>
+    <dgm:style>
+      <a:lnRef idx="2">
+        <a:scrgbClr r="0" g="0" b="0"/>
+      </a:lnRef>
+      <a:fillRef idx="1">
+        <a:scrgbClr r="0" g="0" b="0"/>
+      </a:fillRef>
+      <a:effectRef idx="0">
+        <a:scrgbClr r="0" g="0" b="0"/>
+      </a:effectRef>
+      <a:fontRef idx="minor"/>
+    </dgm:style>
+  </dgm:styleLbl>
+  <dgm:styleLbl name="fgAcc3">
+    <dgm:scene3d>
+      <a:camera prst="orthographicFront"/>
+      <a:lightRig rig="threePt" dir="t"/>
+    </dgm:scene3d>
+    <dgm:sp3d/>
+    <dgm:txPr/>
+    <dgm:style>
+      <a:lnRef idx="2">
+        <a:scrgbClr r="0" g="0" b="0"/>
+      </a:lnRef>
+      <a:fillRef idx="1">
+        <a:scrgbClr r="0" g="0" b="0"/>
+      </a:fillRef>
+      <a:effectRef idx="0">
+        <a:scrgbClr r="0" g="0" b="0"/>
+      </a:effectRef>
+      <a:fontRef idx="minor"/>
+    </dgm:style>
+  </dgm:styleLbl>
+  <dgm:styleLbl name="fgAcc4">
+    <dgm:scene3d>
+      <a:camera prst="orthographicFront"/>
+      <a:lightRig rig="threePt" dir="t"/>
+    </dgm:scene3d>
+    <dgm:sp3d/>
+    <dgm:txPr/>
+    <dgm:style>
+      <a:lnRef idx="2">
+        <a:scrgbClr r="0" g="0" b="0"/>
+      </a:lnRef>
+      <a:fillRef idx="1">
+        <a:scrgbClr r="0" g="0" b="0"/>
+      </a:fillRef>
+      <a:effectRef idx="0">
+        <a:scrgbClr r="0" g="0" b="0"/>
+      </a:effectRef>
+      <a:fontRef idx="minor"/>
+    </dgm:style>
+  </dgm:styleLbl>
+  <dgm:styleLbl name="bgShp">
+    <dgm:scene3d>
+      <a:camera prst="orthographicFront"/>
+      <a:lightRig rig="threePt" dir="t"/>
+    </dgm:scene3d>
+    <dgm:sp3d/>
+    <dgm:txPr/>
+    <dgm:style>
+      <a:lnRef idx="0">
+        <a:scrgbClr r="0" g="0" b="0"/>
+      </a:lnRef>
+      <a:fillRef idx="1">
+        <a:scrgbClr r="0" g="0" b="0"/>
+      </a:fillRef>
+      <a:effectRef idx="0">
+        <a:scrgbClr r="0" g="0" b="0"/>
+      </a:effectRef>
+      <a:fontRef idx="minor"/>
+    </dgm:style>
+  </dgm:styleLbl>
+  <dgm:styleLbl name="dkBgShp">
+    <dgm:scene3d>
+      <a:camera prst="orthographicFront"/>
+      <a:lightRig rig="threePt" dir="t"/>
+    </dgm:scene3d>
+    <dgm:sp3d/>
+    <dgm:txPr/>
+    <dgm:style>
+      <a:lnRef idx="0">
+        <a:scrgbClr r="0" g="0" b="0"/>
+      </a:lnRef>
+      <a:fillRef idx="1">
+        <a:scrgbClr r="0" g="0" b="0"/>
+      </a:fillRef>
+      <a:effectRef idx="0">
+        <a:scrgbClr r="0" g="0" b="0"/>
+      </a:effectRef>
+      <a:fontRef idx="minor"/>
+    </dgm:style>
+  </dgm:styleLbl>
+  <dgm:styleLbl name="trBgShp">
+    <dgm:scene3d>
+      <a:camera prst="orthographicFront"/>
+      <a:lightRig rig="threePt" dir="t"/>
+    </dgm:scene3d>
+    <dgm:sp3d/>
+    <dgm:txPr/>
+    <dgm:style>
+      <a:lnRef idx="0">
+        <a:scrgbClr r="0" g="0" b="0"/>
+      </a:lnRef>
+      <a:fillRef idx="1">
+        <a:scrgbClr r="0" g="0" b="0"/>
+      </a:fillRef>
+      <a:effectRef idx="0">
+        <a:scrgbClr r="0" g="0" b="0"/>
+      </a:effectRef>
+      <a:fontRef idx="minor"/>
+    </dgm:style>
+  </dgm:styleLbl>
+  <dgm:styleLbl name="fgShp">
+    <dgm:scene3d>
+      <a:camera prst="orthographicFront"/>
+      <a:lightRig rig="threePt" dir="t"/>
+    </dgm:scene3d>
+    <dgm:sp3d/>
+    <dgm:txPr/>
+    <dgm:style>
+      <a:lnRef idx="2">
+        <a:scrgbClr r="0" g="0" b="0"/>
+      </a:lnRef>
+      <a:fillRef idx="1">
+        <a:scrgbClr r="0" g="0" b="0"/>
+      </a:fillRef>
+      <a:effectRef idx="0">
+        <a:scrgbClr r="0" g="0" b="0"/>
+      </a:effectRef>
+      <a:fontRef idx="minor"/>
+    </dgm:style>
+  </dgm:styleLbl>
+  <dgm:styleLbl name="revTx">
+    <dgm:scene3d>
+      <a:camera prst="orthographicFront"/>
+      <a:lightRig rig="threePt" dir="t"/>
+    </dgm:scene3d>
+    <dgm:sp3d/>
+    <dgm:txPr/>
+    <dgm:style>
+      <a:lnRef idx="0">
+        <a:scrgbClr r="0" g="0" b="0"/>
+      </a:lnRef>
+      <a:fillRef idx="0">
+        <a:scrgbClr r="0" g="0" b="0"/>
+      </a:fillRef>
+      <a:effectRef idx="0">
+        <a:scrgbClr r="0" g="0" b="0"/>
+      </a:effectRef>
+      <a:fontRef idx="minor"/>
+    </dgm:style>
+  </dgm:styleLbl>
+</dgm:styleDef>
 </file>
 
 <file path=ppt/notesMasters/notesMaster1.xml><?xml version="1.0" encoding="utf-8"?>
@@ -666,6 +3695,1165 @@
     <p:extLst>
       <p:ext uri="{BB962C8B-B14F-4D97-AF65-F5344CB8AC3E}">
         <p14:creationId xmlns:p14="http://schemas.microsoft.com/office/powerpoint/2010/main" val="1044248569"/>
+      </p:ext>
+    </p:extLst>
+  </p:cSld>
+  <p:clrMapOvr>
+    <a:masterClrMapping/>
+  </p:clrMapOvr>
+</p:notes>
+</file>
+
+<file path=ppt/notesSlides/notesSlide10.xml><?xml version="1.0" encoding="utf-8"?>
+<p:notes xmlns:a="http://schemas.openxmlformats.org/drawingml/2006/main" xmlns:r="http://schemas.openxmlformats.org/officeDocument/2006/relationships" xmlns:p="http://schemas.openxmlformats.org/presentationml/2006/main">
+  <p:cSld>
+    <p:spTree>
+      <p:nvGrpSpPr>
+        <p:cNvPr id="1" name=""/>
+        <p:cNvGrpSpPr/>
+        <p:nvPr/>
+      </p:nvGrpSpPr>
+      <p:grpSpPr>
+        <a:xfrm>
+          <a:off x="0" y="0"/>
+          <a:ext cx="0" cy="0"/>
+          <a:chOff x="0" y="0"/>
+          <a:chExt cx="0" cy="0"/>
+        </a:xfrm>
+      </p:grpSpPr>
+      <p:sp>
+        <p:nvSpPr>
+          <p:cNvPr id="2" name="Slide Image Placeholder 1"/>
+          <p:cNvSpPr>
+            <a:spLocks noGrp="1" noRot="1" noChangeAspect="1"/>
+          </p:cNvSpPr>
+          <p:nvPr>
+            <p:ph type="sldImg"/>
+          </p:nvPr>
+        </p:nvSpPr>
+        <p:spPr>
+          <a:xfrm>
+            <a:off x="533400" y="763588"/>
+            <a:ext cx="6704013" cy="3771900"/>
+          </a:xfrm>
+        </p:spPr>
+      </p:sp>
+      <p:sp>
+        <p:nvSpPr>
+          <p:cNvPr id="3" name="Notes Placeholder 2"/>
+          <p:cNvSpPr>
+            <a:spLocks noGrp="1"/>
+          </p:cNvSpPr>
+          <p:nvPr>
+            <p:ph type="body" idx="1"/>
+          </p:nvPr>
+        </p:nvSpPr>
+        <p:spPr/>
+        <p:txBody>
+          <a:bodyPr/>
+          <a:lstStyle/>
+          <a:p>
+            <a:endParaRPr lang="en-US" baseline="0" dirty="0" smtClean="0"/>
+          </a:p>
+        </p:txBody>
+      </p:sp>
+      <p:sp>
+        <p:nvSpPr>
+          <p:cNvPr id="4" name="Slide Number Placeholder 3"/>
+          <p:cNvSpPr>
+            <a:spLocks noGrp="1"/>
+          </p:cNvSpPr>
+          <p:nvPr>
+            <p:ph type="sldNum" idx="10"/>
+          </p:nvPr>
+        </p:nvSpPr>
+        <p:spPr/>
+        <p:txBody>
+          <a:bodyPr/>
+          <a:lstStyle/>
+          <a:p>
+            <a:pPr indent="0" algn="r">
+              <a:buNone/>
+            </a:pPr>
+            <a:fld id="{50E18B0B-F4CE-4FC7-A32B-136453787FED}" type="slidenum">
+              <a:rPr lang="en-CA" sz="1400" b="0" strike="noStrike" spc="-1" smtClean="0">
+                <a:latin typeface="Times New Roman"/>
+              </a:rPr>
+              <a:t>18</a:t>
+            </a:fld>
+            <a:endParaRPr lang="en-CA" sz="1400" b="0" strike="noStrike" spc="-1">
+              <a:latin typeface="Times New Roman"/>
+            </a:endParaRPr>
+          </a:p>
+        </p:txBody>
+      </p:sp>
+    </p:spTree>
+    <p:extLst>
+      <p:ext uri="{BB962C8B-B14F-4D97-AF65-F5344CB8AC3E}">
+        <p14:creationId xmlns:p14="http://schemas.microsoft.com/office/powerpoint/2010/main" val="1452472201"/>
+      </p:ext>
+    </p:extLst>
+  </p:cSld>
+  <p:clrMapOvr>
+    <a:masterClrMapping/>
+  </p:clrMapOvr>
+</p:notes>
+</file>
+
+<file path=ppt/notesSlides/notesSlide11.xml><?xml version="1.0" encoding="utf-8"?>
+<p:notes xmlns:a="http://schemas.openxmlformats.org/drawingml/2006/main" xmlns:r="http://schemas.openxmlformats.org/officeDocument/2006/relationships" xmlns:p="http://schemas.openxmlformats.org/presentationml/2006/main">
+  <p:cSld>
+    <p:spTree>
+      <p:nvGrpSpPr>
+        <p:cNvPr id="1" name=""/>
+        <p:cNvGrpSpPr/>
+        <p:nvPr/>
+      </p:nvGrpSpPr>
+      <p:grpSpPr>
+        <a:xfrm>
+          <a:off x="0" y="0"/>
+          <a:ext cx="0" cy="0"/>
+          <a:chOff x="0" y="0"/>
+          <a:chExt cx="0" cy="0"/>
+        </a:xfrm>
+      </p:grpSpPr>
+      <p:sp>
+        <p:nvSpPr>
+          <p:cNvPr id="2" name="Slide Image Placeholder 1"/>
+          <p:cNvSpPr>
+            <a:spLocks noGrp="1" noRot="1" noChangeAspect="1"/>
+          </p:cNvSpPr>
+          <p:nvPr>
+            <p:ph type="sldImg"/>
+          </p:nvPr>
+        </p:nvSpPr>
+        <p:spPr>
+          <a:xfrm>
+            <a:off x="533400" y="763588"/>
+            <a:ext cx="6704013" cy="3771900"/>
+          </a:xfrm>
+        </p:spPr>
+      </p:sp>
+      <p:sp>
+        <p:nvSpPr>
+          <p:cNvPr id="3" name="Notes Placeholder 2"/>
+          <p:cNvSpPr>
+            <a:spLocks noGrp="1"/>
+          </p:cNvSpPr>
+          <p:nvPr>
+            <p:ph type="body" idx="1"/>
+          </p:nvPr>
+        </p:nvSpPr>
+        <p:spPr/>
+        <p:txBody>
+          <a:bodyPr/>
+          <a:lstStyle/>
+          <a:p>
+            <a:endParaRPr lang="en-US" baseline="0" dirty="0" smtClean="0"/>
+          </a:p>
+        </p:txBody>
+      </p:sp>
+      <p:sp>
+        <p:nvSpPr>
+          <p:cNvPr id="4" name="Slide Number Placeholder 3"/>
+          <p:cNvSpPr>
+            <a:spLocks noGrp="1"/>
+          </p:cNvSpPr>
+          <p:nvPr>
+            <p:ph type="sldNum" idx="10"/>
+          </p:nvPr>
+        </p:nvSpPr>
+        <p:spPr/>
+        <p:txBody>
+          <a:bodyPr/>
+          <a:lstStyle/>
+          <a:p>
+            <a:pPr indent="0" algn="r">
+              <a:buNone/>
+            </a:pPr>
+            <a:fld id="{50E18B0B-F4CE-4FC7-A32B-136453787FED}" type="slidenum">
+              <a:rPr lang="en-CA" sz="1400" b="0" strike="noStrike" spc="-1" smtClean="0">
+                <a:latin typeface="Times New Roman"/>
+              </a:rPr>
+              <a:t>19</a:t>
+            </a:fld>
+            <a:endParaRPr lang="en-CA" sz="1400" b="0" strike="noStrike" spc="-1">
+              <a:latin typeface="Times New Roman"/>
+            </a:endParaRPr>
+          </a:p>
+        </p:txBody>
+      </p:sp>
+    </p:spTree>
+    <p:extLst>
+      <p:ext uri="{BB962C8B-B14F-4D97-AF65-F5344CB8AC3E}">
+        <p14:creationId xmlns:p14="http://schemas.microsoft.com/office/powerpoint/2010/main" val="418526434"/>
+      </p:ext>
+    </p:extLst>
+  </p:cSld>
+  <p:clrMapOvr>
+    <a:masterClrMapping/>
+  </p:clrMapOvr>
+</p:notes>
+</file>
+
+<file path=ppt/notesSlides/notesSlide12.xml><?xml version="1.0" encoding="utf-8"?>
+<p:notes xmlns:a="http://schemas.openxmlformats.org/drawingml/2006/main" xmlns:r="http://schemas.openxmlformats.org/officeDocument/2006/relationships" xmlns:p="http://schemas.openxmlformats.org/presentationml/2006/main">
+  <p:cSld>
+    <p:spTree>
+      <p:nvGrpSpPr>
+        <p:cNvPr id="1" name=""/>
+        <p:cNvGrpSpPr/>
+        <p:nvPr/>
+      </p:nvGrpSpPr>
+      <p:grpSpPr>
+        <a:xfrm>
+          <a:off x="0" y="0"/>
+          <a:ext cx="0" cy="0"/>
+          <a:chOff x="0" y="0"/>
+          <a:chExt cx="0" cy="0"/>
+        </a:xfrm>
+      </p:grpSpPr>
+      <p:sp>
+        <p:nvSpPr>
+          <p:cNvPr id="2" name="Slide Image Placeholder 1"/>
+          <p:cNvSpPr>
+            <a:spLocks noGrp="1" noRot="1" noChangeAspect="1"/>
+          </p:cNvSpPr>
+          <p:nvPr>
+            <p:ph type="sldImg"/>
+          </p:nvPr>
+        </p:nvSpPr>
+        <p:spPr/>
+      </p:sp>
+      <p:sp>
+        <p:nvSpPr>
+          <p:cNvPr id="3" name="Notes Placeholder 2"/>
+          <p:cNvSpPr>
+            <a:spLocks noGrp="1"/>
+          </p:cNvSpPr>
+          <p:nvPr>
+            <p:ph type="body" idx="1"/>
+          </p:nvPr>
+        </p:nvSpPr>
+        <p:spPr/>
+        <p:txBody>
+          <a:bodyPr/>
+          <a:lstStyle/>
+          <a:p>
+            <a:pPr marL="0" marR="0" lvl="0" indent="0" algn="l" defTabSz="914400" rtl="0" eaLnBrk="1" fontAlgn="auto" latinLnBrk="0" hangingPunct="1">
+              <a:lnSpc>
+                <a:spcPct val="100000"/>
+              </a:lnSpc>
+              <a:spcBef>
+                <a:spcPts val="0"/>
+              </a:spcBef>
+              <a:spcAft>
+                <a:spcPts val="0"/>
+              </a:spcAft>
+              <a:buClrTx/>
+              <a:buSzTx/>
+              <a:buFontTx/>
+              <a:buNone/>
+              <a:tabLst/>
+              <a:defRPr/>
+            </a:pPr>
+            <a:r>
+              <a:rPr lang="en-CA" dirty="0" smtClean="0"/>
+              <a:t>We want to find algorithms for a wider range of signals (constant, </a:t>
+            </a:r>
+            <a:r>
+              <a:rPr lang="en-CA" dirty="0" err="1" smtClean="0"/>
+              <a:t>pwm</a:t>
+            </a:r>
+            <a:r>
+              <a:rPr lang="en-CA" dirty="0" smtClean="0"/>
+              <a:t>, sine, </a:t>
+            </a:r>
+            <a:r>
+              <a:rPr lang="en-CA" dirty="0" err="1" smtClean="0"/>
+              <a:t>sawtooth</a:t>
+            </a:r>
+            <a:r>
+              <a:rPr lang="en-CA" dirty="0" smtClean="0"/>
+              <a:t>, triangle, trapezoid)</a:t>
+            </a:r>
+          </a:p>
+          <a:p>
+            <a:endParaRPr lang="en-CA" dirty="0"/>
+          </a:p>
+        </p:txBody>
+      </p:sp>
+      <p:sp>
+        <p:nvSpPr>
+          <p:cNvPr id="4" name="Slide Number Placeholder 3"/>
+          <p:cNvSpPr>
+            <a:spLocks noGrp="1"/>
+          </p:cNvSpPr>
+          <p:nvPr>
+            <p:ph type="sldNum" idx="10"/>
+          </p:nvPr>
+        </p:nvSpPr>
+        <p:spPr/>
+        <p:txBody>
+          <a:bodyPr/>
+          <a:lstStyle/>
+          <a:p>
+            <a:pPr indent="0" algn="r">
+              <a:buNone/>
+            </a:pPr>
+            <a:fld id="{50E18B0B-F4CE-4FC7-A32B-136453787FED}" type="slidenum">
+              <a:rPr lang="en-CA" sz="1400" b="0" strike="noStrike" spc="-1" smtClean="0">
+                <a:latin typeface="Times New Roman"/>
+              </a:rPr>
+              <a:t>22</a:t>
+            </a:fld>
+            <a:endParaRPr lang="en-CA" sz="1400" b="0" strike="noStrike" spc="-1">
+              <a:latin typeface="Times New Roman"/>
+            </a:endParaRPr>
+          </a:p>
+        </p:txBody>
+      </p:sp>
+    </p:spTree>
+    <p:extLst>
+      <p:ext uri="{BB962C8B-B14F-4D97-AF65-F5344CB8AC3E}">
+        <p14:creationId xmlns:p14="http://schemas.microsoft.com/office/powerpoint/2010/main" val="2411515945"/>
+      </p:ext>
+    </p:extLst>
+  </p:cSld>
+  <p:clrMapOvr>
+    <a:masterClrMapping/>
+  </p:clrMapOvr>
+</p:notes>
+</file>
+
+<file path=ppt/notesSlides/notesSlide2.xml><?xml version="1.0" encoding="utf-8"?>
+<p:notes xmlns:a="http://schemas.openxmlformats.org/drawingml/2006/main" xmlns:r="http://schemas.openxmlformats.org/officeDocument/2006/relationships" xmlns:p="http://schemas.openxmlformats.org/presentationml/2006/main">
+  <p:cSld>
+    <p:spTree>
+      <p:nvGrpSpPr>
+        <p:cNvPr id="1" name=""/>
+        <p:cNvGrpSpPr/>
+        <p:nvPr/>
+      </p:nvGrpSpPr>
+      <p:grpSpPr>
+        <a:xfrm>
+          <a:off x="0" y="0"/>
+          <a:ext cx="0" cy="0"/>
+          <a:chOff x="0" y="0"/>
+          <a:chExt cx="0" cy="0"/>
+        </a:xfrm>
+      </p:grpSpPr>
+      <p:sp>
+        <p:nvSpPr>
+          <p:cNvPr id="2" name="Slide Image Placeholder 1"/>
+          <p:cNvSpPr>
+            <a:spLocks noGrp="1" noRot="1" noChangeAspect="1"/>
+          </p:cNvSpPr>
+          <p:nvPr>
+            <p:ph type="sldImg"/>
+          </p:nvPr>
+        </p:nvSpPr>
+        <p:spPr/>
+      </p:sp>
+      <p:sp>
+        <p:nvSpPr>
+          <p:cNvPr id="3" name="Notes Placeholder 2"/>
+          <p:cNvSpPr>
+            <a:spLocks noGrp="1"/>
+          </p:cNvSpPr>
+          <p:nvPr>
+            <p:ph type="body" idx="1"/>
+          </p:nvPr>
+        </p:nvSpPr>
+        <p:spPr/>
+        <p:txBody>
+          <a:bodyPr/>
+          <a:lstStyle/>
+          <a:p>
+            <a:pPr marL="0" marR="0" lvl="0" indent="0" algn="l" defTabSz="914400" rtl="0" eaLnBrk="1" fontAlgn="auto" latinLnBrk="0" hangingPunct="1">
+              <a:lnSpc>
+                <a:spcPct val="100000"/>
+              </a:lnSpc>
+              <a:spcBef>
+                <a:spcPts val="0"/>
+              </a:spcBef>
+              <a:spcAft>
+                <a:spcPts val="0"/>
+              </a:spcAft>
+              <a:buClrTx/>
+              <a:buSzTx/>
+              <a:buFontTx/>
+              <a:buNone/>
+              <a:tabLst/>
+              <a:defRPr/>
+            </a:pPr>
+            <a:r>
+              <a:rPr lang="en-CA" dirty="0" smtClean="0"/>
+              <a:t>On MIST we have a board we want to test live with hardware</a:t>
+            </a:r>
+          </a:p>
+          <a:p>
+            <a:endParaRPr lang="en-CA" dirty="0"/>
+          </a:p>
+        </p:txBody>
+      </p:sp>
+      <p:sp>
+        <p:nvSpPr>
+          <p:cNvPr id="4" name="Slide Number Placeholder 3"/>
+          <p:cNvSpPr>
+            <a:spLocks noGrp="1"/>
+          </p:cNvSpPr>
+          <p:nvPr>
+            <p:ph type="sldNum" idx="10"/>
+          </p:nvPr>
+        </p:nvSpPr>
+        <p:spPr/>
+        <p:txBody>
+          <a:bodyPr/>
+          <a:lstStyle/>
+          <a:p>
+            <a:pPr indent="0" algn="r">
+              <a:buNone/>
+            </a:pPr>
+            <a:fld id="{50E18B0B-F4CE-4FC7-A32B-136453787FED}" type="slidenum">
+              <a:rPr lang="en-CA" sz="1400" b="0" strike="noStrike" spc="-1" smtClean="0">
+                <a:latin typeface="Times New Roman"/>
+              </a:rPr>
+              <a:t>3</a:t>
+            </a:fld>
+            <a:endParaRPr lang="en-CA" sz="1400" b="0" strike="noStrike" spc="-1">
+              <a:latin typeface="Times New Roman"/>
+            </a:endParaRPr>
+          </a:p>
+        </p:txBody>
+      </p:sp>
+    </p:spTree>
+    <p:extLst>
+      <p:ext uri="{BB962C8B-B14F-4D97-AF65-F5344CB8AC3E}">
+        <p14:creationId xmlns:p14="http://schemas.microsoft.com/office/powerpoint/2010/main" val="1318718844"/>
+      </p:ext>
+    </p:extLst>
+  </p:cSld>
+  <p:clrMapOvr>
+    <a:masterClrMapping/>
+  </p:clrMapOvr>
+</p:notes>
+</file>
+
+<file path=ppt/notesSlides/notesSlide3.xml><?xml version="1.0" encoding="utf-8"?>
+<p:notes xmlns:a="http://schemas.openxmlformats.org/drawingml/2006/main" xmlns:r="http://schemas.openxmlformats.org/officeDocument/2006/relationships" xmlns:p="http://schemas.openxmlformats.org/presentationml/2006/main">
+  <p:cSld>
+    <p:spTree>
+      <p:nvGrpSpPr>
+        <p:cNvPr id="1" name=""/>
+        <p:cNvGrpSpPr/>
+        <p:nvPr/>
+      </p:nvGrpSpPr>
+      <p:grpSpPr>
+        <a:xfrm>
+          <a:off x="0" y="0"/>
+          <a:ext cx="0" cy="0"/>
+          <a:chOff x="0" y="0"/>
+          <a:chExt cx="0" cy="0"/>
+        </a:xfrm>
+      </p:grpSpPr>
+      <p:sp>
+        <p:nvSpPr>
+          <p:cNvPr id="2" name="Slide Image Placeholder 1"/>
+          <p:cNvSpPr>
+            <a:spLocks noGrp="1" noRot="1" noChangeAspect="1"/>
+          </p:cNvSpPr>
+          <p:nvPr>
+            <p:ph type="sldImg"/>
+          </p:nvPr>
+        </p:nvSpPr>
+        <p:spPr/>
+      </p:sp>
+      <p:sp>
+        <p:nvSpPr>
+          <p:cNvPr id="3" name="Notes Placeholder 2"/>
+          <p:cNvSpPr>
+            <a:spLocks noGrp="1"/>
+          </p:cNvSpPr>
+          <p:nvPr>
+            <p:ph type="body" idx="1"/>
+          </p:nvPr>
+        </p:nvSpPr>
+        <p:spPr/>
+        <p:txBody>
+          <a:bodyPr/>
+          <a:lstStyle/>
+          <a:p>
+            <a:pPr lvl="2"/>
+            <a:r>
+              <a:rPr lang="en-CA" dirty="0" smtClean="0"/>
+              <a:t>We connect the inputs &amp; outputs of the board to a test board and we want to drive inputs and compare outputs? How to do this?</a:t>
+            </a:r>
+          </a:p>
+          <a:p>
+            <a:pPr lvl="2"/>
+            <a:r>
+              <a:rPr lang="en-CA" dirty="0" smtClean="0"/>
+              <a:t>currently, testing plans are currently executed manually</a:t>
+            </a:r>
+          </a:p>
+        </p:txBody>
+      </p:sp>
+      <p:sp>
+        <p:nvSpPr>
+          <p:cNvPr id="4" name="Slide Number Placeholder 3"/>
+          <p:cNvSpPr>
+            <a:spLocks noGrp="1"/>
+          </p:cNvSpPr>
+          <p:nvPr>
+            <p:ph type="sldNum" idx="10"/>
+          </p:nvPr>
+        </p:nvSpPr>
+        <p:spPr/>
+        <p:txBody>
+          <a:bodyPr/>
+          <a:lstStyle/>
+          <a:p>
+            <a:pPr indent="0" algn="r">
+              <a:buNone/>
+            </a:pPr>
+            <a:fld id="{50E18B0B-F4CE-4FC7-A32B-136453787FED}" type="slidenum">
+              <a:rPr lang="en-CA" sz="1400" b="0" strike="noStrike" spc="-1" smtClean="0">
+                <a:latin typeface="Times New Roman"/>
+              </a:rPr>
+              <a:t>4</a:t>
+            </a:fld>
+            <a:endParaRPr lang="en-CA" sz="1400" b="0" strike="noStrike" spc="-1">
+              <a:latin typeface="Times New Roman"/>
+            </a:endParaRPr>
+          </a:p>
+        </p:txBody>
+      </p:sp>
+    </p:spTree>
+    <p:extLst>
+      <p:ext uri="{BB962C8B-B14F-4D97-AF65-F5344CB8AC3E}">
+        <p14:creationId xmlns:p14="http://schemas.microsoft.com/office/powerpoint/2010/main" val="380103796"/>
+      </p:ext>
+    </p:extLst>
+  </p:cSld>
+  <p:clrMapOvr>
+    <a:masterClrMapping/>
+  </p:clrMapOvr>
+</p:notes>
+</file>
+
+<file path=ppt/notesSlides/notesSlide4.xml><?xml version="1.0" encoding="utf-8"?>
+<p:notes xmlns:a="http://schemas.openxmlformats.org/drawingml/2006/main" xmlns:r="http://schemas.openxmlformats.org/officeDocument/2006/relationships" xmlns:p="http://schemas.openxmlformats.org/presentationml/2006/main">
+  <p:cSld>
+    <p:spTree>
+      <p:nvGrpSpPr>
+        <p:cNvPr id="1" name=""/>
+        <p:cNvGrpSpPr/>
+        <p:nvPr/>
+      </p:nvGrpSpPr>
+      <p:grpSpPr>
+        <a:xfrm>
+          <a:off x="0" y="0"/>
+          <a:ext cx="0" cy="0"/>
+          <a:chOff x="0" y="0"/>
+          <a:chExt cx="0" cy="0"/>
+        </a:xfrm>
+      </p:grpSpPr>
+      <p:sp>
+        <p:nvSpPr>
+          <p:cNvPr id="2" name="Slide Image Placeholder 1"/>
+          <p:cNvSpPr>
+            <a:spLocks noGrp="1" noRot="1" noChangeAspect="1"/>
+          </p:cNvSpPr>
+          <p:nvPr>
+            <p:ph type="sldImg"/>
+          </p:nvPr>
+        </p:nvSpPr>
+        <p:spPr>
+          <a:xfrm>
+            <a:off x="533400" y="763588"/>
+            <a:ext cx="6704013" cy="3771900"/>
+          </a:xfrm>
+        </p:spPr>
+      </p:sp>
+      <p:sp>
+        <p:nvSpPr>
+          <p:cNvPr id="3" name="Notes Placeholder 2"/>
+          <p:cNvSpPr>
+            <a:spLocks noGrp="1"/>
+          </p:cNvSpPr>
+          <p:nvPr>
+            <p:ph type="body" idx="1"/>
+          </p:nvPr>
+        </p:nvSpPr>
+        <p:spPr/>
+        <p:txBody>
+          <a:bodyPr/>
+          <a:lstStyle/>
+          <a:p>
+            <a:pPr lvl="2"/>
+            <a:r>
+              <a:rPr lang="en-CA" dirty="0" smtClean="0"/>
+              <a:t>We connect the inputs &amp; outputs of the board to a test board and we want to drive inputs and compare outputs? How to do this?</a:t>
+            </a:r>
+          </a:p>
+          <a:p>
+            <a:pPr lvl="2"/>
+            <a:r>
+              <a:rPr lang="en-CA" dirty="0" smtClean="0"/>
+              <a:t>currently, testing plans are currently executed manually</a:t>
+            </a:r>
+          </a:p>
+        </p:txBody>
+      </p:sp>
+      <p:sp>
+        <p:nvSpPr>
+          <p:cNvPr id="4" name="Slide Number Placeholder 3"/>
+          <p:cNvSpPr>
+            <a:spLocks noGrp="1"/>
+          </p:cNvSpPr>
+          <p:nvPr>
+            <p:ph type="sldNum" idx="10"/>
+          </p:nvPr>
+        </p:nvSpPr>
+        <p:spPr/>
+        <p:txBody>
+          <a:bodyPr/>
+          <a:lstStyle/>
+          <a:p>
+            <a:pPr indent="0" algn="r">
+              <a:buNone/>
+            </a:pPr>
+            <a:fld id="{50E18B0B-F4CE-4FC7-A32B-136453787FED}" type="slidenum">
+              <a:rPr lang="en-CA" sz="1400" b="0" strike="noStrike" spc="-1" smtClean="0">
+                <a:latin typeface="Times New Roman"/>
+              </a:rPr>
+              <a:t>5</a:t>
+            </a:fld>
+            <a:endParaRPr lang="en-CA" sz="1400" b="0" strike="noStrike" spc="-1">
+              <a:latin typeface="Times New Roman"/>
+            </a:endParaRPr>
+          </a:p>
+        </p:txBody>
+      </p:sp>
+    </p:spTree>
+    <p:extLst>
+      <p:ext uri="{BB962C8B-B14F-4D97-AF65-F5344CB8AC3E}">
+        <p14:creationId xmlns:p14="http://schemas.microsoft.com/office/powerpoint/2010/main" val="1753918967"/>
+      </p:ext>
+    </p:extLst>
+  </p:cSld>
+  <p:clrMapOvr>
+    <a:masterClrMapping/>
+  </p:clrMapOvr>
+</p:notes>
+</file>
+
+<file path=ppt/notesSlides/notesSlide5.xml><?xml version="1.0" encoding="utf-8"?>
+<p:notes xmlns:a="http://schemas.openxmlformats.org/drawingml/2006/main" xmlns:r="http://schemas.openxmlformats.org/officeDocument/2006/relationships" xmlns:p="http://schemas.openxmlformats.org/presentationml/2006/main">
+  <p:cSld>
+    <p:spTree>
+      <p:nvGrpSpPr>
+        <p:cNvPr id="1" name=""/>
+        <p:cNvGrpSpPr/>
+        <p:nvPr/>
+      </p:nvGrpSpPr>
+      <p:grpSpPr>
+        <a:xfrm>
+          <a:off x="0" y="0"/>
+          <a:ext cx="0" cy="0"/>
+          <a:chOff x="0" y="0"/>
+          <a:chExt cx="0" cy="0"/>
+        </a:xfrm>
+      </p:grpSpPr>
+      <p:sp>
+        <p:nvSpPr>
+          <p:cNvPr id="2" name="Slide Image Placeholder 1"/>
+          <p:cNvSpPr>
+            <a:spLocks noGrp="1" noRot="1" noChangeAspect="1"/>
+          </p:cNvSpPr>
+          <p:nvPr>
+            <p:ph type="sldImg"/>
+          </p:nvPr>
+        </p:nvSpPr>
+        <p:spPr/>
+      </p:sp>
+      <p:sp>
+        <p:nvSpPr>
+          <p:cNvPr id="3" name="Notes Placeholder 2"/>
+          <p:cNvSpPr>
+            <a:spLocks noGrp="1"/>
+          </p:cNvSpPr>
+          <p:nvPr>
+            <p:ph type="body" idx="1"/>
+          </p:nvPr>
+        </p:nvSpPr>
+        <p:spPr/>
+        <p:txBody>
+          <a:bodyPr/>
+          <a:lstStyle/>
+          <a:p>
+            <a:r>
+              <a:rPr lang="en-CA" dirty="0" smtClean="0"/>
+              <a:t>What if instead we could write code?!!</a:t>
+            </a:r>
+            <a:endParaRPr lang="en-CA" dirty="0"/>
+          </a:p>
+        </p:txBody>
+      </p:sp>
+      <p:sp>
+        <p:nvSpPr>
+          <p:cNvPr id="4" name="Slide Number Placeholder 3"/>
+          <p:cNvSpPr>
+            <a:spLocks noGrp="1"/>
+          </p:cNvSpPr>
+          <p:nvPr>
+            <p:ph type="sldNum" idx="10"/>
+          </p:nvPr>
+        </p:nvSpPr>
+        <p:spPr/>
+        <p:txBody>
+          <a:bodyPr/>
+          <a:lstStyle/>
+          <a:p>
+            <a:pPr indent="0" algn="r">
+              <a:buNone/>
+            </a:pPr>
+            <a:fld id="{50E18B0B-F4CE-4FC7-A32B-136453787FED}" type="slidenum">
+              <a:rPr lang="en-CA" sz="1400" b="0" strike="noStrike" spc="-1" smtClean="0">
+                <a:latin typeface="Times New Roman"/>
+              </a:rPr>
+              <a:t>6</a:t>
+            </a:fld>
+            <a:endParaRPr lang="en-CA" sz="1400" b="0" strike="noStrike" spc="-1">
+              <a:latin typeface="Times New Roman"/>
+            </a:endParaRPr>
+          </a:p>
+        </p:txBody>
+      </p:sp>
+    </p:spTree>
+    <p:extLst>
+      <p:ext uri="{BB962C8B-B14F-4D97-AF65-F5344CB8AC3E}">
+        <p14:creationId xmlns:p14="http://schemas.microsoft.com/office/powerpoint/2010/main" val="2215774983"/>
+      </p:ext>
+    </p:extLst>
+  </p:cSld>
+  <p:clrMapOvr>
+    <a:masterClrMapping/>
+  </p:clrMapOvr>
+</p:notes>
+</file>
+
+<file path=ppt/notesSlides/notesSlide6.xml><?xml version="1.0" encoding="utf-8"?>
+<p:notes xmlns:a="http://schemas.openxmlformats.org/drawingml/2006/main" xmlns:r="http://schemas.openxmlformats.org/officeDocument/2006/relationships" xmlns:p="http://schemas.openxmlformats.org/presentationml/2006/main">
+  <p:cSld>
+    <p:spTree>
+      <p:nvGrpSpPr>
+        <p:cNvPr id="1" name=""/>
+        <p:cNvGrpSpPr/>
+        <p:nvPr/>
+      </p:nvGrpSpPr>
+      <p:grpSpPr>
+        <a:xfrm>
+          <a:off x="0" y="0"/>
+          <a:ext cx="0" cy="0"/>
+          <a:chOff x="0" y="0"/>
+          <a:chExt cx="0" cy="0"/>
+        </a:xfrm>
+      </p:grpSpPr>
+      <p:sp>
+        <p:nvSpPr>
+          <p:cNvPr id="2" name="Slide Image Placeholder 1"/>
+          <p:cNvSpPr>
+            <a:spLocks noGrp="1" noRot="1" noChangeAspect="1"/>
+          </p:cNvSpPr>
+          <p:nvPr>
+            <p:ph type="sldImg"/>
+          </p:nvPr>
+        </p:nvSpPr>
+        <p:spPr/>
+      </p:sp>
+      <p:sp>
+        <p:nvSpPr>
+          <p:cNvPr id="3" name="Notes Placeholder 2"/>
+          <p:cNvSpPr>
+            <a:spLocks noGrp="1"/>
+          </p:cNvSpPr>
+          <p:nvPr>
+            <p:ph type="body" idx="1"/>
+          </p:nvPr>
+        </p:nvSpPr>
+        <p:spPr/>
+        <p:txBody>
+          <a:bodyPr/>
+          <a:lstStyle/>
+          <a:p>
+            <a:r>
+              <a:rPr lang="en-US" dirty="0" smtClean="0"/>
+              <a:t>The</a:t>
+            </a:r>
+            <a:r>
+              <a:rPr lang="en-US" baseline="0" dirty="0" smtClean="0"/>
+              <a:t> process of HIL would go something like this:</a:t>
+            </a:r>
+            <a:endParaRPr lang="en-CA" dirty="0"/>
+          </a:p>
+        </p:txBody>
+      </p:sp>
+      <p:sp>
+        <p:nvSpPr>
+          <p:cNvPr id="4" name="Slide Number Placeholder 3"/>
+          <p:cNvSpPr>
+            <a:spLocks noGrp="1"/>
+          </p:cNvSpPr>
+          <p:nvPr>
+            <p:ph type="sldNum" idx="10"/>
+          </p:nvPr>
+        </p:nvSpPr>
+        <p:spPr/>
+        <p:txBody>
+          <a:bodyPr/>
+          <a:lstStyle/>
+          <a:p>
+            <a:pPr indent="0" algn="r">
+              <a:buNone/>
+            </a:pPr>
+            <a:fld id="{50E18B0B-F4CE-4FC7-A32B-136453787FED}" type="slidenum">
+              <a:rPr lang="en-CA" sz="1400" b="0" strike="noStrike" spc="-1" smtClean="0">
+                <a:latin typeface="Times New Roman"/>
+              </a:rPr>
+              <a:t>12</a:t>
+            </a:fld>
+            <a:endParaRPr lang="en-CA" sz="1400" b="0" strike="noStrike" spc="-1">
+              <a:latin typeface="Times New Roman"/>
+            </a:endParaRPr>
+          </a:p>
+        </p:txBody>
+      </p:sp>
+    </p:spTree>
+    <p:extLst>
+      <p:ext uri="{BB962C8B-B14F-4D97-AF65-F5344CB8AC3E}">
+        <p14:creationId xmlns:p14="http://schemas.microsoft.com/office/powerpoint/2010/main" val="3676967681"/>
+      </p:ext>
+    </p:extLst>
+  </p:cSld>
+  <p:clrMapOvr>
+    <a:masterClrMapping/>
+  </p:clrMapOvr>
+</p:notes>
+</file>
+
+<file path=ppt/notesSlides/notesSlide7.xml><?xml version="1.0" encoding="utf-8"?>
+<p:notes xmlns:a="http://schemas.openxmlformats.org/drawingml/2006/main" xmlns:r="http://schemas.openxmlformats.org/officeDocument/2006/relationships" xmlns:p="http://schemas.openxmlformats.org/presentationml/2006/main">
+  <p:cSld>
+    <p:spTree>
+      <p:nvGrpSpPr>
+        <p:cNvPr id="1" name=""/>
+        <p:cNvGrpSpPr/>
+        <p:nvPr/>
+      </p:nvGrpSpPr>
+      <p:grpSpPr>
+        <a:xfrm>
+          <a:off x="0" y="0"/>
+          <a:ext cx="0" cy="0"/>
+          <a:chOff x="0" y="0"/>
+          <a:chExt cx="0" cy="0"/>
+        </a:xfrm>
+      </p:grpSpPr>
+      <p:sp>
+        <p:nvSpPr>
+          <p:cNvPr id="2" name="Slide Image Placeholder 1"/>
+          <p:cNvSpPr>
+            <a:spLocks noGrp="1" noRot="1" noChangeAspect="1"/>
+          </p:cNvSpPr>
+          <p:nvPr>
+            <p:ph type="sldImg"/>
+          </p:nvPr>
+        </p:nvSpPr>
+        <p:spPr/>
+      </p:sp>
+      <p:sp>
+        <p:nvSpPr>
+          <p:cNvPr id="3" name="Notes Placeholder 2"/>
+          <p:cNvSpPr>
+            <a:spLocks noGrp="1"/>
+          </p:cNvSpPr>
+          <p:nvPr>
+            <p:ph type="body" idx="1"/>
+          </p:nvPr>
+        </p:nvSpPr>
+        <p:spPr/>
+        <p:txBody>
+          <a:bodyPr/>
+          <a:lstStyle/>
+          <a:p>
+            <a:r>
+              <a:rPr lang="en-US" dirty="0" smtClean="0"/>
+              <a:t>What if we could remove the programmer??</a:t>
+            </a:r>
+            <a:endParaRPr lang="en-CA" dirty="0"/>
+          </a:p>
+        </p:txBody>
+      </p:sp>
+      <p:sp>
+        <p:nvSpPr>
+          <p:cNvPr id="4" name="Slide Number Placeholder 3"/>
+          <p:cNvSpPr>
+            <a:spLocks noGrp="1"/>
+          </p:cNvSpPr>
+          <p:nvPr>
+            <p:ph type="sldNum" idx="10"/>
+          </p:nvPr>
+        </p:nvSpPr>
+        <p:spPr/>
+        <p:txBody>
+          <a:bodyPr/>
+          <a:lstStyle/>
+          <a:p>
+            <a:pPr indent="0" algn="r">
+              <a:buNone/>
+            </a:pPr>
+            <a:fld id="{50E18B0B-F4CE-4FC7-A32B-136453787FED}" type="slidenum">
+              <a:rPr lang="en-CA" sz="1400" b="0" strike="noStrike" spc="-1" smtClean="0">
+                <a:latin typeface="Times New Roman"/>
+              </a:rPr>
+              <a:t>13</a:t>
+            </a:fld>
+            <a:endParaRPr lang="en-CA" sz="1400" b="0" strike="noStrike" spc="-1">
+              <a:latin typeface="Times New Roman"/>
+            </a:endParaRPr>
+          </a:p>
+        </p:txBody>
+      </p:sp>
+    </p:spTree>
+    <p:extLst>
+      <p:ext uri="{BB962C8B-B14F-4D97-AF65-F5344CB8AC3E}">
+        <p14:creationId xmlns:p14="http://schemas.microsoft.com/office/powerpoint/2010/main" val="3147341355"/>
+      </p:ext>
+    </p:extLst>
+  </p:cSld>
+  <p:clrMapOvr>
+    <a:masterClrMapping/>
+  </p:clrMapOvr>
+</p:notes>
+</file>
+
+<file path=ppt/notesSlides/notesSlide8.xml><?xml version="1.0" encoding="utf-8"?>
+<p:notes xmlns:a="http://schemas.openxmlformats.org/drawingml/2006/main" xmlns:r="http://schemas.openxmlformats.org/officeDocument/2006/relationships" xmlns:p="http://schemas.openxmlformats.org/presentationml/2006/main">
+  <p:cSld>
+    <p:spTree>
+      <p:nvGrpSpPr>
+        <p:cNvPr id="1" name=""/>
+        <p:cNvGrpSpPr/>
+        <p:nvPr/>
+      </p:nvGrpSpPr>
+      <p:grpSpPr>
+        <a:xfrm>
+          <a:off x="0" y="0"/>
+          <a:ext cx="0" cy="0"/>
+          <a:chOff x="0" y="0"/>
+          <a:chExt cx="0" cy="0"/>
+        </a:xfrm>
+      </p:grpSpPr>
+      <p:sp>
+        <p:nvSpPr>
+          <p:cNvPr id="2" name="Slide Image Placeholder 1"/>
+          <p:cNvSpPr>
+            <a:spLocks noGrp="1" noRot="1" noChangeAspect="1"/>
+          </p:cNvSpPr>
+          <p:nvPr>
+            <p:ph type="sldImg"/>
+          </p:nvPr>
+        </p:nvSpPr>
+        <p:spPr/>
+      </p:sp>
+      <p:sp>
+        <p:nvSpPr>
+          <p:cNvPr id="3" name="Notes Placeholder 2"/>
+          <p:cNvSpPr>
+            <a:spLocks noGrp="1"/>
+          </p:cNvSpPr>
+          <p:nvPr>
+            <p:ph type="body" idx="1"/>
+          </p:nvPr>
+        </p:nvSpPr>
+        <p:spPr/>
+        <p:txBody>
+          <a:bodyPr/>
+          <a:lstStyle/>
+          <a:p>
+            <a:r>
+              <a:rPr lang="en-US" dirty="0" smtClean="0"/>
+              <a:t>David </a:t>
+            </a:r>
+            <a:r>
+              <a:rPr lang="en-US" dirty="0" err="1" smtClean="0"/>
+              <a:t>Thonnessen</a:t>
+            </a:r>
+            <a:r>
+              <a:rPr lang="en-US" dirty="0" smtClean="0"/>
+              <a:t>,</a:t>
+            </a:r>
+            <a:r>
+              <a:rPr lang="en-US" baseline="0" dirty="0" smtClean="0"/>
+              <a:t> in his PhD thesis, describes HIL DSL as having 5 main steps…</a:t>
+            </a:r>
+          </a:p>
+          <a:p>
+            <a:pPr marL="0" marR="0" lvl="0" indent="0" algn="l" defTabSz="914400" rtl="0" eaLnBrk="1" fontAlgn="auto" latinLnBrk="0" hangingPunct="1">
+              <a:lnSpc>
+                <a:spcPct val="100000"/>
+              </a:lnSpc>
+              <a:spcBef>
+                <a:spcPts val="0"/>
+              </a:spcBef>
+              <a:spcAft>
+                <a:spcPts val="0"/>
+              </a:spcAft>
+              <a:buClrTx/>
+              <a:buSzTx/>
+              <a:buFontTx/>
+              <a:buNone/>
+              <a:tabLst/>
+              <a:defRPr/>
+            </a:pPr>
+            <a:r>
+              <a:rPr lang="en-CA" dirty="0" smtClean="0"/>
+              <a:t>Setting signals is fairly easy, so for this project, I’ll be focusing on the signal comparison problem</a:t>
+            </a:r>
+          </a:p>
+        </p:txBody>
+      </p:sp>
+      <p:sp>
+        <p:nvSpPr>
+          <p:cNvPr id="4" name="Slide Number Placeholder 3"/>
+          <p:cNvSpPr>
+            <a:spLocks noGrp="1"/>
+          </p:cNvSpPr>
+          <p:nvPr>
+            <p:ph type="sldNum" idx="10"/>
+          </p:nvPr>
+        </p:nvSpPr>
+        <p:spPr/>
+        <p:txBody>
+          <a:bodyPr/>
+          <a:lstStyle/>
+          <a:p>
+            <a:pPr indent="0" algn="r">
+              <a:buNone/>
+            </a:pPr>
+            <a:fld id="{50E18B0B-F4CE-4FC7-A32B-136453787FED}" type="slidenum">
+              <a:rPr lang="en-CA" sz="1400" b="0" strike="noStrike" spc="-1" smtClean="0">
+                <a:latin typeface="Times New Roman"/>
+              </a:rPr>
+              <a:t>15</a:t>
+            </a:fld>
+            <a:endParaRPr lang="en-CA" sz="1400" b="0" strike="noStrike" spc="-1">
+              <a:latin typeface="Times New Roman"/>
+            </a:endParaRPr>
+          </a:p>
+        </p:txBody>
+      </p:sp>
+    </p:spTree>
+    <p:extLst>
+      <p:ext uri="{BB962C8B-B14F-4D97-AF65-F5344CB8AC3E}">
+        <p14:creationId xmlns:p14="http://schemas.microsoft.com/office/powerpoint/2010/main" val="2821030952"/>
+      </p:ext>
+    </p:extLst>
+  </p:cSld>
+  <p:clrMapOvr>
+    <a:masterClrMapping/>
+  </p:clrMapOvr>
+</p:notes>
+</file>
+
+<file path=ppt/notesSlides/notesSlide9.xml><?xml version="1.0" encoding="utf-8"?>
+<p:notes xmlns:a="http://schemas.openxmlformats.org/drawingml/2006/main" xmlns:r="http://schemas.openxmlformats.org/officeDocument/2006/relationships" xmlns:p="http://schemas.openxmlformats.org/presentationml/2006/main">
+  <p:cSld>
+    <p:spTree>
+      <p:nvGrpSpPr>
+        <p:cNvPr id="1" name=""/>
+        <p:cNvGrpSpPr/>
+        <p:nvPr/>
+      </p:nvGrpSpPr>
+      <p:grpSpPr>
+        <a:xfrm>
+          <a:off x="0" y="0"/>
+          <a:ext cx="0" cy="0"/>
+          <a:chOff x="0" y="0"/>
+          <a:chExt cx="0" cy="0"/>
+        </a:xfrm>
+      </p:grpSpPr>
+      <p:sp>
+        <p:nvSpPr>
+          <p:cNvPr id="2" name="Slide Image Placeholder 1"/>
+          <p:cNvSpPr>
+            <a:spLocks noGrp="1" noRot="1" noChangeAspect="1"/>
+          </p:cNvSpPr>
+          <p:nvPr>
+            <p:ph type="sldImg"/>
+          </p:nvPr>
+        </p:nvSpPr>
+        <p:spPr>
+          <a:xfrm>
+            <a:off x="533400" y="763588"/>
+            <a:ext cx="6704013" cy="3771900"/>
+          </a:xfrm>
+        </p:spPr>
+      </p:sp>
+      <p:sp>
+        <p:nvSpPr>
+          <p:cNvPr id="3" name="Notes Placeholder 2"/>
+          <p:cNvSpPr>
+            <a:spLocks noGrp="1"/>
+          </p:cNvSpPr>
+          <p:nvPr>
+            <p:ph type="body" idx="1"/>
+          </p:nvPr>
+        </p:nvSpPr>
+        <p:spPr/>
+        <p:txBody>
+          <a:bodyPr/>
+          <a:lstStyle/>
+          <a:p>
+            <a:endParaRPr lang="en-US" baseline="0" dirty="0" smtClean="0"/>
+          </a:p>
+        </p:txBody>
+      </p:sp>
+      <p:sp>
+        <p:nvSpPr>
+          <p:cNvPr id="4" name="Slide Number Placeholder 3"/>
+          <p:cNvSpPr>
+            <a:spLocks noGrp="1"/>
+          </p:cNvSpPr>
+          <p:nvPr>
+            <p:ph type="sldNum" idx="10"/>
+          </p:nvPr>
+        </p:nvSpPr>
+        <p:spPr/>
+        <p:txBody>
+          <a:bodyPr/>
+          <a:lstStyle/>
+          <a:p>
+            <a:pPr indent="0" algn="r">
+              <a:buNone/>
+            </a:pPr>
+            <a:fld id="{50E18B0B-F4CE-4FC7-A32B-136453787FED}" type="slidenum">
+              <a:rPr lang="en-CA" sz="1400" b="0" strike="noStrike" spc="-1" smtClean="0">
+                <a:latin typeface="Times New Roman"/>
+              </a:rPr>
+              <a:t>17</a:t>
+            </a:fld>
+            <a:endParaRPr lang="en-CA" sz="1400" b="0" strike="noStrike" spc="-1">
+              <a:latin typeface="Times New Roman"/>
+            </a:endParaRPr>
+          </a:p>
+        </p:txBody>
+      </p:sp>
+    </p:spTree>
+    <p:extLst>
+      <p:ext uri="{BB962C8B-B14F-4D97-AF65-F5344CB8AC3E}">
+        <p14:creationId xmlns:p14="http://schemas.microsoft.com/office/powerpoint/2010/main" val="3555690180"/>
       </p:ext>
     </p:extLst>
   </p:cSld>
@@ -6824,118 +11012,350 @@
       </p:grpSpPr>
       <p:sp>
         <p:nvSpPr>
-          <p:cNvPr id="2" name="Title 1">
+          <p:cNvPr id="2" name="Title 1"/>
+          <p:cNvSpPr>
+            <a:spLocks noGrp="1"/>
+          </p:cNvSpPr>
+          <p:nvPr>
+            <p:ph type="title"/>
+          </p:nvPr>
+        </p:nvSpPr>
+        <p:spPr/>
+        <p:txBody>
+          <a:bodyPr/>
+          <a:lstStyle/>
+          <a:p>
+            <a:r>
+              <a:rPr lang="en-US" dirty="0" smtClean="0"/>
+              <a:t>What Is Hardware In The Loop Testing?</a:t>
+            </a:r>
+            <a:endParaRPr lang="en-CA" dirty="0"/>
+          </a:p>
+        </p:txBody>
+      </p:sp>
+      <p:pic>
+        <p:nvPicPr>
+          <p:cNvPr id="4" name="Content Placeholder 3"/>
+          <p:cNvPicPr>
+            <a:picLocks noGrp="1" noChangeAspect="1"/>
+          </p:cNvPicPr>
+          <p:nvPr>
+            <p:ph/>
+          </p:nvPr>
+        </p:nvPicPr>
+        <p:blipFill>
+          <a:blip r:embed="rId2">
             <a:extLst>
-              <a:ext uri="{FF2B5EF4-FFF2-40B4-BE49-F238E27FC236}">
-                <a16:creationId xmlns:a16="http://schemas.microsoft.com/office/drawing/2014/main" id="{D963EA55-E26A-4E46-8C8B-B09495D92C59}"/>
+              <a:ext uri="{28A0092B-C50C-407E-A947-70E740481C1C}">
+                <a14:useLocalDpi xmlns:a14="http://schemas.microsoft.com/office/drawing/2010/main" val="0"/>
               </a:ext>
             </a:extLst>
-          </p:cNvPr>
-          <p:cNvSpPr>
-            <a:spLocks noGrp="1"/>
-          </p:cNvSpPr>
-          <p:nvPr>
-            <p:ph type="title"/>
-          </p:nvPr>
-        </p:nvSpPr>
-        <p:spPr/>
-        <p:txBody>
-          <a:bodyPr/>
-          <a:lstStyle/>
-          <a:p>
-            <a:r>
-              <a:rPr lang="en-CA" dirty="0"/>
-              <a:t>Pt2: Accelerate DTW</a:t>
-            </a:r>
-          </a:p>
-        </p:txBody>
-      </p:sp>
-      <p:sp>
-        <p:nvSpPr>
-          <p:cNvPr id="3" name="Content Placeholder 2">
+          </a:blip>
+          <a:stretch>
+            <a:fillRect/>
+          </a:stretch>
+        </p:blipFill>
+        <p:spPr>
+          <a:xfrm>
+            <a:off x="4469827" y="1690200"/>
+            <a:ext cx="3238167" cy="2156619"/>
+          </a:xfrm>
+        </p:spPr>
+      </p:pic>
+      <p:pic>
+        <p:nvPicPr>
+          <p:cNvPr id="6" name="Picture 5"/>
+          <p:cNvPicPr>
+            <a:picLocks noChangeAspect="1"/>
+          </p:cNvPicPr>
+          <p:nvPr/>
+        </p:nvPicPr>
+        <p:blipFill>
+          <a:blip r:embed="rId3" cstate="print">
             <a:extLst>
-              <a:ext uri="{FF2B5EF4-FFF2-40B4-BE49-F238E27FC236}">
-                <a16:creationId xmlns:a16="http://schemas.microsoft.com/office/drawing/2014/main" id="{416F1642-24A0-048E-B517-D02A9A2B3A30}"/>
+              <a:ext uri="{28A0092B-C50C-407E-A947-70E740481C1C}">
+                <a14:useLocalDpi xmlns:a14="http://schemas.microsoft.com/office/drawing/2010/main" val="0"/>
               </a:ext>
             </a:extLst>
-          </p:cNvPr>
-          <p:cNvSpPr>
-            <a:spLocks noGrp="1"/>
-          </p:cNvSpPr>
-          <p:nvPr>
-            <p:ph/>
-          </p:nvPr>
-        </p:nvSpPr>
+          </a:blip>
+          <a:stretch>
+            <a:fillRect/>
+          </a:stretch>
+        </p:blipFill>
         <p:spPr>
           <a:xfrm>
-            <a:off x="838079" y="1825560"/>
-            <a:ext cx="10515239" cy="4350960"/>
-          </a:xfrm>
-        </p:spPr>
-        <p:txBody>
-          <a:bodyPr>
-            <a:normAutofit fontScale="92500" lnSpcReduction="10000"/>
-          </a:bodyPr>
-          <a:lstStyle/>
-          <a:p>
-            <a:r>
-              <a:rPr lang="en-CA" dirty="0"/>
-              <a:t>This introduces a new issue however, row threads have great cache locality, but column threads don’t</a:t>
-            </a:r>
-          </a:p>
-          <a:p>
-            <a:r>
-              <a:rPr lang="en-CA" dirty="0"/>
-              <a:t>What if we reorder the how the matrix is stored in memory to fix this issue?</a:t>
-            </a:r>
-          </a:p>
-          <a:p>
-            <a:pPr lvl="1"/>
-            <a:r>
-              <a:rPr lang="en-CA" dirty="0"/>
-              <a:t>Now we have good cache locality for both row and column threads</a:t>
-            </a:r>
-          </a:p>
-          <a:p>
-            <a:r>
-              <a:rPr lang="en-CA" dirty="0"/>
-              <a:t>We could also block the matrix and run threads on individual blocks</a:t>
-            </a:r>
-          </a:p>
-          <a:p>
-            <a:pPr lvl="1"/>
-            <a:r>
-              <a:rPr lang="en-CA" dirty="0"/>
-              <a:t>This would change our data dependencies (show block A)</a:t>
-            </a:r>
-          </a:p>
-          <a:p>
-            <a:pPr lvl="1"/>
-            <a:r>
-              <a:rPr lang="en-CA" dirty="0"/>
-              <a:t>This would also require a different matrix memory mapping to keep cache locality high</a:t>
-            </a:r>
-          </a:p>
-          <a:p>
-            <a:pPr lvl="1"/>
-            <a:r>
-              <a:rPr lang="en-CA" dirty="0"/>
-              <a:t>We are no longer restricted to only 2 threads</a:t>
-            </a:r>
-          </a:p>
-          <a:p>
-            <a:pPr lvl="1"/>
-            <a:r>
-              <a:rPr lang="en-CA" dirty="0"/>
-              <a:t>This blocking and thread performance comparison is yet to be implemented but I aim to for the end of the project</a:t>
-            </a:r>
+            <a:off x="4774201" y="4493403"/>
+            <a:ext cx="2629421" cy="2072860"/>
+          </a:xfrm>
+          <a:prstGeom prst="rect">
+            <a:avLst/>
+          </a:prstGeom>
+        </p:spPr>
+      </p:pic>
+      <p:pic>
+        <p:nvPicPr>
+          <p:cNvPr id="7" name="Picture 6"/>
+          <p:cNvPicPr>
+            <a:picLocks noChangeAspect="1"/>
+          </p:cNvPicPr>
+          <p:nvPr/>
+        </p:nvPicPr>
+        <p:blipFill>
+          <a:blip r:embed="rId4" cstate="print">
+            <a:extLst>
+              <a:ext uri="{28A0092B-C50C-407E-A947-70E740481C1C}">
+                <a14:useLocalDpi xmlns:a14="http://schemas.microsoft.com/office/drawing/2010/main" val="0"/>
+              </a:ext>
+            </a:extLst>
+          </a:blip>
+          <a:stretch>
+            <a:fillRect/>
+          </a:stretch>
+        </p:blipFill>
+        <p:spPr>
+          <a:xfrm>
+            <a:off x="9039092" y="4498463"/>
+            <a:ext cx="2923914" cy="1881051"/>
+          </a:xfrm>
+          <a:prstGeom prst="rect">
+            <a:avLst/>
+          </a:prstGeom>
+        </p:spPr>
+      </p:pic>
+      <p:pic>
+        <p:nvPicPr>
+          <p:cNvPr id="8" name="Picture 7"/>
+          <p:cNvPicPr>
+            <a:picLocks noChangeAspect="1"/>
+          </p:cNvPicPr>
+          <p:nvPr/>
+        </p:nvPicPr>
+        <p:blipFill>
+          <a:blip r:embed="rId5">
+            <a:extLst>
+              <a:ext uri="{28A0092B-C50C-407E-A947-70E740481C1C}">
+                <a14:useLocalDpi xmlns:a14="http://schemas.microsoft.com/office/drawing/2010/main" val="0"/>
+              </a:ext>
+            </a:extLst>
+          </a:blip>
+          <a:stretch>
+            <a:fillRect/>
+          </a:stretch>
+        </p:blipFill>
+        <p:spPr>
+          <a:xfrm>
+            <a:off x="235132" y="4493403"/>
+            <a:ext cx="3243234" cy="1825262"/>
+          </a:xfrm>
+          <a:prstGeom prst="rect">
+            <a:avLst/>
+          </a:prstGeom>
+        </p:spPr>
+      </p:pic>
+      <p:sp>
+        <p:nvSpPr>
+          <p:cNvPr id="9" name="Right Arrow 8"/>
+          <p:cNvSpPr/>
+          <p:nvPr/>
+        </p:nvSpPr>
+        <p:spPr>
+          <a:xfrm>
+            <a:off x="3178628" y="4911634"/>
+            <a:ext cx="1375954" cy="365760"/>
+          </a:xfrm>
+          <a:prstGeom prst="rightArrow">
+            <a:avLst/>
+          </a:prstGeom>
+        </p:spPr>
+        <p:style>
+          <a:lnRef idx="2">
+            <a:schemeClr val="accent1">
+              <a:shade val="50000"/>
+            </a:schemeClr>
+          </a:lnRef>
+          <a:fillRef idx="1">
+            <a:schemeClr val="accent1"/>
+          </a:fillRef>
+          <a:effectRef idx="0">
+            <a:schemeClr val="accent1"/>
+          </a:effectRef>
+          <a:fontRef idx="minor">
+            <a:schemeClr val="lt1"/>
+          </a:fontRef>
+        </p:style>
+        <p:txBody>
+          <a:bodyPr rtlCol="0" anchor="ctr"/>
+          <a:lstStyle/>
+          <a:p>
+            <a:pPr algn="ctr"/>
+            <a:endParaRPr lang="en-CA"/>
+          </a:p>
+        </p:txBody>
+      </p:sp>
+      <p:sp>
+        <p:nvSpPr>
+          <p:cNvPr id="10" name="Right Arrow 9"/>
+          <p:cNvSpPr/>
+          <p:nvPr/>
+        </p:nvSpPr>
+        <p:spPr>
+          <a:xfrm rot="10800000">
+            <a:off x="7559172" y="5137947"/>
+            <a:ext cx="1375954" cy="365760"/>
+          </a:xfrm>
+          <a:prstGeom prst="rightArrow">
+            <a:avLst/>
+          </a:prstGeom>
+        </p:spPr>
+        <p:style>
+          <a:lnRef idx="2">
+            <a:schemeClr val="accent1">
+              <a:shade val="50000"/>
+            </a:schemeClr>
+          </a:lnRef>
+          <a:fillRef idx="1">
+            <a:schemeClr val="accent1"/>
+          </a:fillRef>
+          <a:effectRef idx="0">
+            <a:schemeClr val="accent1"/>
+          </a:effectRef>
+          <a:fontRef idx="minor">
+            <a:schemeClr val="lt1"/>
+          </a:fontRef>
+        </p:style>
+        <p:txBody>
+          <a:bodyPr rtlCol="0" anchor="ctr"/>
+          <a:lstStyle/>
+          <a:p>
+            <a:pPr algn="ctr"/>
+            <a:endParaRPr lang="en-CA"/>
+          </a:p>
+        </p:txBody>
+      </p:sp>
+      <p:sp>
+        <p:nvSpPr>
+          <p:cNvPr id="11" name="Right Arrow 10"/>
+          <p:cNvSpPr/>
+          <p:nvPr/>
+        </p:nvSpPr>
+        <p:spPr>
+          <a:xfrm rot="16200000">
+            <a:off x="5559476" y="3957178"/>
+            <a:ext cx="706689" cy="365760"/>
+          </a:xfrm>
+          <a:prstGeom prst="rightArrow">
+            <a:avLst/>
+          </a:prstGeom>
+        </p:spPr>
+        <p:style>
+          <a:lnRef idx="2">
+            <a:schemeClr val="accent1">
+              <a:shade val="50000"/>
+            </a:schemeClr>
+          </a:lnRef>
+          <a:fillRef idx="1">
+            <a:schemeClr val="accent1"/>
+          </a:fillRef>
+          <a:effectRef idx="0">
+            <a:schemeClr val="accent1"/>
+          </a:effectRef>
+          <a:fontRef idx="minor">
+            <a:schemeClr val="lt1"/>
+          </a:fontRef>
+        </p:style>
+        <p:txBody>
+          <a:bodyPr rtlCol="0" anchor="ctr"/>
+          <a:lstStyle/>
+          <a:p>
+            <a:pPr algn="ctr"/>
+            <a:endParaRPr lang="en-CA"/>
+          </a:p>
+        </p:txBody>
+      </p:sp>
+      <p:sp>
+        <p:nvSpPr>
+          <p:cNvPr id="12" name="Right Arrow 11"/>
+          <p:cNvSpPr/>
+          <p:nvPr/>
+        </p:nvSpPr>
+        <p:spPr>
+          <a:xfrm rot="5400000">
+            <a:off x="6060967" y="4017284"/>
+            <a:ext cx="706689" cy="365760"/>
+          </a:xfrm>
+          <a:prstGeom prst="rightArrow">
+            <a:avLst/>
+          </a:prstGeom>
+        </p:spPr>
+        <p:style>
+          <a:lnRef idx="2">
+            <a:schemeClr val="accent1">
+              <a:shade val="50000"/>
+            </a:schemeClr>
+          </a:lnRef>
+          <a:fillRef idx="1">
+            <a:schemeClr val="accent1"/>
+          </a:fillRef>
+          <a:effectRef idx="0">
+            <a:schemeClr val="accent1"/>
+          </a:effectRef>
+          <a:fontRef idx="minor">
+            <a:schemeClr val="lt1"/>
+          </a:fontRef>
+        </p:style>
+        <p:txBody>
+          <a:bodyPr rtlCol="0" anchor="ctr"/>
+          <a:lstStyle/>
+          <a:p>
+            <a:pPr algn="ctr"/>
+            <a:endParaRPr lang="en-CA"/>
+          </a:p>
+        </p:txBody>
+      </p:sp>
+      <p:sp>
+        <p:nvSpPr>
+          <p:cNvPr id="13" name="Right Arrow 12"/>
+          <p:cNvSpPr/>
+          <p:nvPr/>
+        </p:nvSpPr>
+        <p:spPr>
+          <a:xfrm rot="10800000">
+            <a:off x="3126045" y="5346953"/>
+            <a:ext cx="1375954" cy="365760"/>
+          </a:xfrm>
+          <a:prstGeom prst="rightArrow">
+            <a:avLst/>
+          </a:prstGeom>
+        </p:spPr>
+        <p:style>
+          <a:lnRef idx="2">
+            <a:schemeClr val="accent1">
+              <a:shade val="50000"/>
+            </a:schemeClr>
+          </a:lnRef>
+          <a:fillRef idx="1">
+            <a:schemeClr val="accent1"/>
+          </a:fillRef>
+          <a:effectRef idx="0">
+            <a:schemeClr val="accent1"/>
+          </a:effectRef>
+          <a:fontRef idx="minor">
+            <a:schemeClr val="lt1"/>
+          </a:fontRef>
+        </p:style>
+        <p:txBody>
+          <a:bodyPr rtlCol="0" anchor="ctr"/>
+          <a:lstStyle/>
+          <a:p>
+            <a:pPr algn="ctr"/>
+            <a:endParaRPr lang="en-CA"/>
           </a:p>
         </p:txBody>
       </p:sp>
     </p:spTree>
     <p:extLst>
       <p:ext uri="{BB962C8B-B14F-4D97-AF65-F5344CB8AC3E}">
-        <p14:creationId xmlns:p14="http://schemas.microsoft.com/office/powerpoint/2010/main" val="1862954176"/>
+        <p14:creationId xmlns:p14="http://schemas.microsoft.com/office/powerpoint/2010/main" val="139710344"/>
       </p:ext>
     </p:extLst>
   </p:cSld>
@@ -6978,16 +11398,864 @@
           <a:lstStyle/>
           <a:p>
             <a:r>
-              <a:rPr lang="en-CA" dirty="0"/>
-              <a:t>Questions?</a:t>
-            </a:r>
+              <a:rPr lang="en-US" dirty="0" smtClean="0"/>
+              <a:t>So What’s The Problem?</a:t>
+            </a:r>
+            <a:endParaRPr lang="en-CA" dirty="0"/>
+          </a:p>
+        </p:txBody>
+      </p:sp>
+      <p:sp>
+        <p:nvSpPr>
+          <p:cNvPr id="3" name="Content Placeholder 2"/>
+          <p:cNvSpPr>
+            <a:spLocks noGrp="1"/>
+          </p:cNvSpPr>
+          <p:nvPr>
+            <p:ph/>
+          </p:nvPr>
+        </p:nvSpPr>
+        <p:spPr>
+          <a:xfrm>
+            <a:off x="838080" y="1825560"/>
+            <a:ext cx="10515240" cy="4350960"/>
+          </a:xfrm>
+        </p:spPr>
+        <p:txBody>
+          <a:bodyPr/>
+          <a:lstStyle/>
+          <a:p>
+            <a:r>
+              <a:rPr lang="en-US" dirty="0" smtClean="0"/>
+              <a:t>Those with the expertise to test the system rarely know how to write good code</a:t>
+            </a:r>
+          </a:p>
+          <a:p>
+            <a:r>
+              <a:rPr lang="en-US" dirty="0" smtClean="0"/>
+              <a:t>Programmers rarely dabble in radiation physics</a:t>
+            </a:r>
+          </a:p>
+          <a:p>
+            <a:r>
+              <a:rPr lang="en-US" dirty="0" smtClean="0"/>
+              <a:t>So this testing process would have a lot of back and forth</a:t>
+            </a:r>
+            <a:endParaRPr lang="en-CA" dirty="0"/>
           </a:p>
         </p:txBody>
       </p:sp>
     </p:spTree>
     <p:extLst>
       <p:ext uri="{BB962C8B-B14F-4D97-AF65-F5344CB8AC3E}">
-        <p14:creationId xmlns:p14="http://schemas.microsoft.com/office/powerpoint/2010/main" val="2867877443"/>
+        <p14:creationId xmlns:p14="http://schemas.microsoft.com/office/powerpoint/2010/main" val="4011148728"/>
+      </p:ext>
+    </p:extLst>
+  </p:cSld>
+  <p:clrMapOvr>
+    <a:masterClrMapping/>
+  </p:clrMapOvr>
+</p:sld>
+</file>
+
+<file path=ppt/slides/slide12.xml><?xml version="1.0" encoding="utf-8"?>
+<p:sld xmlns:a="http://schemas.openxmlformats.org/drawingml/2006/main" xmlns:r="http://schemas.openxmlformats.org/officeDocument/2006/relationships" xmlns:p="http://schemas.openxmlformats.org/presentationml/2006/main">
+  <p:cSld>
+    <p:spTree>
+      <p:nvGrpSpPr>
+        <p:cNvPr id="1" name=""/>
+        <p:cNvGrpSpPr/>
+        <p:nvPr/>
+      </p:nvGrpSpPr>
+      <p:grpSpPr>
+        <a:xfrm>
+          <a:off x="0" y="0"/>
+          <a:ext cx="0" cy="0"/>
+          <a:chOff x="0" y="0"/>
+          <a:chExt cx="0" cy="0"/>
+        </a:xfrm>
+      </p:grpSpPr>
+      <p:sp>
+        <p:nvSpPr>
+          <p:cNvPr id="2" name="Title 1"/>
+          <p:cNvSpPr>
+            <a:spLocks noGrp="1"/>
+          </p:cNvSpPr>
+          <p:nvPr>
+            <p:ph type="title"/>
+          </p:nvPr>
+        </p:nvSpPr>
+        <p:spPr/>
+        <p:txBody>
+          <a:bodyPr/>
+          <a:lstStyle/>
+          <a:p>
+            <a:r>
+              <a:rPr lang="en-US" dirty="0" smtClean="0"/>
+              <a:t>HIL Process Flow</a:t>
+            </a:r>
+            <a:endParaRPr lang="en-CA" dirty="0"/>
+          </a:p>
+        </p:txBody>
+      </p:sp>
+      <p:pic>
+        <p:nvPicPr>
+          <p:cNvPr id="15" name="Picture 14"/>
+          <p:cNvPicPr>
+            <a:picLocks noChangeAspect="1"/>
+          </p:cNvPicPr>
+          <p:nvPr/>
+        </p:nvPicPr>
+        <p:blipFill>
+          <a:blip r:embed="rId3">
+            <a:extLst>
+              <a:ext uri="{28A0092B-C50C-407E-A947-70E740481C1C}">
+                <a14:useLocalDpi xmlns:a14="http://schemas.microsoft.com/office/drawing/2010/main" val="0"/>
+              </a:ext>
+            </a:extLst>
+          </a:blip>
+          <a:stretch>
+            <a:fillRect/>
+          </a:stretch>
+        </p:blipFill>
+        <p:spPr>
+          <a:xfrm>
+            <a:off x="3388749" y="1690200"/>
+            <a:ext cx="5413902" cy="4213480"/>
+          </a:xfrm>
+          <a:prstGeom prst="rect">
+            <a:avLst/>
+          </a:prstGeom>
+        </p:spPr>
+      </p:pic>
+    </p:spTree>
+    <p:extLst>
+      <p:ext uri="{BB962C8B-B14F-4D97-AF65-F5344CB8AC3E}">
+        <p14:creationId xmlns:p14="http://schemas.microsoft.com/office/powerpoint/2010/main" val="2257582050"/>
+      </p:ext>
+    </p:extLst>
+  </p:cSld>
+  <p:clrMapOvr>
+    <a:masterClrMapping/>
+  </p:clrMapOvr>
+</p:sld>
+</file>
+
+<file path=ppt/slides/slide13.xml><?xml version="1.0" encoding="utf-8"?>
+<p:sld xmlns:a="http://schemas.openxmlformats.org/drawingml/2006/main" xmlns:r="http://schemas.openxmlformats.org/officeDocument/2006/relationships" xmlns:p="http://schemas.openxmlformats.org/presentationml/2006/main">
+  <p:cSld>
+    <p:spTree>
+      <p:nvGrpSpPr>
+        <p:cNvPr id="1" name=""/>
+        <p:cNvGrpSpPr/>
+        <p:nvPr/>
+      </p:nvGrpSpPr>
+      <p:grpSpPr>
+        <a:xfrm>
+          <a:off x="0" y="0"/>
+          <a:ext cx="0" cy="0"/>
+          <a:chOff x="0" y="0"/>
+          <a:chExt cx="0" cy="0"/>
+        </a:xfrm>
+      </p:grpSpPr>
+      <p:pic>
+        <p:nvPicPr>
+          <p:cNvPr id="16" name="Picture 15"/>
+          <p:cNvPicPr>
+            <a:picLocks noChangeAspect="1"/>
+          </p:cNvPicPr>
+          <p:nvPr/>
+        </p:nvPicPr>
+        <p:blipFill>
+          <a:blip r:embed="rId3">
+            <a:extLst>
+              <a:ext uri="{28A0092B-C50C-407E-A947-70E740481C1C}">
+                <a14:useLocalDpi xmlns:a14="http://schemas.microsoft.com/office/drawing/2010/main" val="0"/>
+              </a:ext>
+            </a:extLst>
+          </a:blip>
+          <a:stretch>
+            <a:fillRect/>
+          </a:stretch>
+        </p:blipFill>
+        <p:spPr>
+          <a:xfrm>
+            <a:off x="3388749" y="1184366"/>
+            <a:ext cx="5307758" cy="4719314"/>
+          </a:xfrm>
+          <a:prstGeom prst="rect">
+            <a:avLst/>
+          </a:prstGeom>
+        </p:spPr>
+      </p:pic>
+      <p:sp>
+        <p:nvSpPr>
+          <p:cNvPr id="2" name="Title 1"/>
+          <p:cNvSpPr>
+            <a:spLocks noGrp="1"/>
+          </p:cNvSpPr>
+          <p:nvPr>
+            <p:ph type="title"/>
+          </p:nvPr>
+        </p:nvSpPr>
+        <p:spPr/>
+        <p:txBody>
+          <a:bodyPr/>
+          <a:lstStyle/>
+          <a:p>
+            <a:r>
+              <a:rPr lang="en-US" dirty="0" smtClean="0"/>
+              <a:t>HIL Process Flow</a:t>
+            </a:r>
+            <a:endParaRPr lang="en-CA" dirty="0"/>
+          </a:p>
+        </p:txBody>
+      </p:sp>
+    </p:spTree>
+    <p:extLst>
+      <p:ext uri="{BB962C8B-B14F-4D97-AF65-F5344CB8AC3E}">
+        <p14:creationId xmlns:p14="http://schemas.microsoft.com/office/powerpoint/2010/main" val="2594521534"/>
+      </p:ext>
+    </p:extLst>
+  </p:cSld>
+  <p:clrMapOvr>
+    <a:masterClrMapping/>
+  </p:clrMapOvr>
+</p:sld>
+</file>
+
+<file path=ppt/slides/slide14.xml><?xml version="1.0" encoding="utf-8"?>
+<p:sld xmlns:a="http://schemas.openxmlformats.org/drawingml/2006/main" xmlns:r="http://schemas.openxmlformats.org/officeDocument/2006/relationships" xmlns:p="http://schemas.openxmlformats.org/presentationml/2006/main">
+  <p:cSld>
+    <p:spTree>
+      <p:nvGrpSpPr>
+        <p:cNvPr id="1" name=""/>
+        <p:cNvGrpSpPr/>
+        <p:nvPr/>
+      </p:nvGrpSpPr>
+      <p:grpSpPr>
+        <a:xfrm>
+          <a:off x="0" y="0"/>
+          <a:ext cx="0" cy="0"/>
+          <a:chOff x="0" y="0"/>
+          <a:chExt cx="0" cy="0"/>
+        </a:xfrm>
+      </p:grpSpPr>
+      <p:sp>
+        <p:nvSpPr>
+          <p:cNvPr id="2" name="Title 1"/>
+          <p:cNvSpPr>
+            <a:spLocks noGrp="1"/>
+          </p:cNvSpPr>
+          <p:nvPr>
+            <p:ph type="title"/>
+          </p:nvPr>
+        </p:nvSpPr>
+        <p:spPr/>
+        <p:txBody>
+          <a:bodyPr/>
+          <a:lstStyle/>
+          <a:p>
+            <a:r>
+              <a:rPr lang="en-US" dirty="0" smtClean="0"/>
+              <a:t>Enter Domain Specific Languages</a:t>
+            </a:r>
+            <a:endParaRPr lang="en-CA" dirty="0"/>
+          </a:p>
+        </p:txBody>
+      </p:sp>
+      <p:sp>
+        <p:nvSpPr>
+          <p:cNvPr id="3" name="Content Placeholder 2"/>
+          <p:cNvSpPr>
+            <a:spLocks noGrp="1"/>
+          </p:cNvSpPr>
+          <p:nvPr>
+            <p:ph/>
+          </p:nvPr>
+        </p:nvSpPr>
+        <p:spPr>
+          <a:xfrm>
+            <a:off x="838080" y="1825560"/>
+            <a:ext cx="10515240" cy="4350960"/>
+          </a:xfrm>
+        </p:spPr>
+        <p:txBody>
+          <a:bodyPr/>
+          <a:lstStyle/>
+          <a:p>
+            <a:r>
+              <a:rPr lang="en-US" dirty="0" smtClean="0"/>
+              <a:t>Let’s make a DSL that write’s like a test plan</a:t>
+            </a:r>
+          </a:p>
+          <a:p>
+            <a:r>
+              <a:rPr lang="en-US" dirty="0" smtClean="0"/>
+              <a:t>The DSL can then generate C code automatically</a:t>
+            </a:r>
+          </a:p>
+          <a:p>
+            <a:r>
+              <a:rPr lang="en-US" dirty="0" smtClean="0"/>
+              <a:t>Now the domain specialists don’t need to write complex code!</a:t>
+            </a:r>
+          </a:p>
+          <a:p>
+            <a:endParaRPr lang="en-CA" dirty="0"/>
+          </a:p>
+        </p:txBody>
+      </p:sp>
+    </p:spTree>
+    <p:extLst>
+      <p:ext uri="{BB962C8B-B14F-4D97-AF65-F5344CB8AC3E}">
+        <p14:creationId xmlns:p14="http://schemas.microsoft.com/office/powerpoint/2010/main" val="1226837174"/>
+      </p:ext>
+    </p:extLst>
+  </p:cSld>
+  <p:clrMapOvr>
+    <a:masterClrMapping/>
+  </p:clrMapOvr>
+</p:sld>
+</file>
+
+<file path=ppt/slides/slide15.xml><?xml version="1.0" encoding="utf-8"?>
+<p:sld xmlns:a="http://schemas.openxmlformats.org/drawingml/2006/main" xmlns:r="http://schemas.openxmlformats.org/officeDocument/2006/relationships" xmlns:p="http://schemas.openxmlformats.org/presentationml/2006/main">
+  <p:cSld>
+    <p:spTree>
+      <p:nvGrpSpPr>
+        <p:cNvPr id="1" name=""/>
+        <p:cNvGrpSpPr/>
+        <p:nvPr/>
+      </p:nvGrpSpPr>
+      <p:grpSpPr>
+        <a:xfrm>
+          <a:off x="0" y="0"/>
+          <a:ext cx="0" cy="0"/>
+          <a:chOff x="0" y="0"/>
+          <a:chExt cx="0" cy="0"/>
+        </a:xfrm>
+      </p:grpSpPr>
+      <p:sp>
+        <p:nvSpPr>
+          <p:cNvPr id="2" name="Title 1"/>
+          <p:cNvSpPr>
+            <a:spLocks noGrp="1"/>
+          </p:cNvSpPr>
+          <p:nvPr>
+            <p:ph type="title"/>
+          </p:nvPr>
+        </p:nvSpPr>
+        <p:spPr/>
+        <p:txBody>
+          <a:bodyPr/>
+          <a:lstStyle/>
+          <a:p>
+            <a:r>
+              <a:rPr lang="en-US" dirty="0" smtClean="0"/>
+              <a:t>What Would An HIL DSL Look Like?</a:t>
+            </a:r>
+            <a:endParaRPr lang="en-CA" dirty="0"/>
+          </a:p>
+        </p:txBody>
+      </p:sp>
+      <p:graphicFrame>
+        <p:nvGraphicFramePr>
+          <p:cNvPr id="8" name="Diagram 7"/>
+          <p:cNvGraphicFramePr/>
+          <p:nvPr>
+            <p:extLst>
+              <p:ext uri="{D42A27DB-BD31-4B8C-83A1-F6EECF244321}">
+                <p14:modId xmlns:p14="http://schemas.microsoft.com/office/powerpoint/2010/main" val="2218498528"/>
+              </p:ext>
+            </p:extLst>
+          </p:nvPr>
+        </p:nvGraphicFramePr>
+        <p:xfrm>
+          <a:off x="2269734" y="1541417"/>
+          <a:ext cx="7651931" cy="4718836"/>
+        </p:xfrm>
+        <a:graphic>
+          <a:graphicData uri="http://schemas.openxmlformats.org/drawingml/2006/diagram">
+            <dgm:relIds xmlns:dgm="http://schemas.openxmlformats.org/drawingml/2006/diagram" xmlns:r="http://schemas.openxmlformats.org/officeDocument/2006/relationships" r:dm="rId3" r:lo="rId4" r:qs="rId5" r:cs="rId6"/>
+          </a:graphicData>
+        </a:graphic>
+      </p:graphicFrame>
+      <p:sp>
+        <p:nvSpPr>
+          <p:cNvPr id="9" name="TextBox 8"/>
+          <p:cNvSpPr txBox="1"/>
+          <p:nvPr/>
+        </p:nvSpPr>
+        <p:spPr>
+          <a:xfrm>
+            <a:off x="0" y="6518236"/>
+            <a:ext cx="11939452" cy="338554"/>
+          </a:xfrm>
+          <a:prstGeom prst="rect">
+            <a:avLst/>
+          </a:prstGeom>
+          <a:noFill/>
+        </p:spPr>
+        <p:txBody>
+          <a:bodyPr wrap="square" rtlCol="0">
+            <a:spAutoFit/>
+          </a:bodyPr>
+          <a:lstStyle/>
+          <a:p>
+            <a:pPr marL="342900" indent="-342900">
+              <a:buAutoNum type="arabicPeriod"/>
+            </a:pPr>
+            <a:r>
+              <a:rPr lang="en-CA" sz="800" dirty="0" smtClean="0"/>
+              <a:t>David </a:t>
+            </a:r>
+            <a:r>
+              <a:rPr lang="en-CA" sz="800" dirty="0" err="1" smtClean="0"/>
+              <a:t>Thonnessen</a:t>
+            </a:r>
+            <a:r>
+              <a:rPr lang="en-CA" sz="800" dirty="0" smtClean="0"/>
+              <a:t>, </a:t>
+            </a:r>
+            <a:r>
+              <a:rPr lang="en-US" sz="800" dirty="0" smtClean="0"/>
+              <a:t>Hardware-in-the-Loop </a:t>
+            </a:r>
+            <a:r>
+              <a:rPr lang="en-US" sz="800" dirty="0"/>
+              <a:t>Testing of Industrial Automation Systems Using PLC </a:t>
+            </a:r>
+            <a:r>
+              <a:rPr lang="en-US" sz="800" dirty="0" smtClean="0"/>
+              <a:t>Languages</a:t>
+            </a:r>
+          </a:p>
+          <a:p>
+            <a:pPr marL="342900" indent="-342900">
+              <a:buAutoNum type="arabicPeriod"/>
+            </a:pPr>
+            <a:r>
+              <a:rPr lang="en-US" sz="800" dirty="0" err="1" smtClean="0"/>
+              <a:t>Thonnessen</a:t>
+            </a:r>
+            <a:r>
+              <a:rPr lang="en-US" sz="800" dirty="0" smtClean="0"/>
+              <a:t> &amp; </a:t>
+            </a:r>
+            <a:r>
+              <a:rPr lang="en-US" sz="800" dirty="0" err="1" smtClean="0"/>
+              <a:t>Reinker</a:t>
+            </a:r>
+            <a:r>
+              <a:rPr lang="en-US" sz="800" dirty="0" smtClean="0"/>
+              <a:t>, A </a:t>
+            </a:r>
+            <a:r>
+              <a:rPr lang="en-US" sz="800" dirty="0"/>
+              <a:t>Concept for PLC Hardware-in-the-loop Testing Using an Extension of Structured Text</a:t>
+            </a:r>
+            <a:endParaRPr lang="en-CA" sz="800" dirty="0"/>
+          </a:p>
+        </p:txBody>
+      </p:sp>
+    </p:spTree>
+    <p:extLst>
+      <p:ext uri="{BB962C8B-B14F-4D97-AF65-F5344CB8AC3E}">
+        <p14:creationId xmlns:p14="http://schemas.microsoft.com/office/powerpoint/2010/main" val="1360537499"/>
+      </p:ext>
+    </p:extLst>
+  </p:cSld>
+  <p:clrMapOvr>
+    <a:masterClrMapping/>
+  </p:clrMapOvr>
+</p:sld>
+</file>
+
+<file path=ppt/slides/slide16.xml><?xml version="1.0" encoding="utf-8"?>
+<p:sld xmlns:a="http://schemas.openxmlformats.org/drawingml/2006/main" xmlns:r="http://schemas.openxmlformats.org/officeDocument/2006/relationships" xmlns:p="http://schemas.openxmlformats.org/presentationml/2006/main">
+  <p:cSld>
+    <p:spTree>
+      <p:nvGrpSpPr>
+        <p:cNvPr id="1" name=""/>
+        <p:cNvGrpSpPr/>
+        <p:nvPr/>
+      </p:nvGrpSpPr>
+      <p:grpSpPr>
+        <a:xfrm>
+          <a:off x="0" y="0"/>
+          <a:ext cx="0" cy="0"/>
+          <a:chOff x="0" y="0"/>
+          <a:chExt cx="0" cy="0"/>
+        </a:xfrm>
+      </p:grpSpPr>
+      <p:sp>
+        <p:nvSpPr>
+          <p:cNvPr id="2" name="Title 1"/>
+          <p:cNvSpPr>
+            <a:spLocks noGrp="1"/>
+          </p:cNvSpPr>
+          <p:nvPr>
+            <p:ph type="title"/>
+          </p:nvPr>
+        </p:nvSpPr>
+        <p:spPr/>
+        <p:txBody>
+          <a:bodyPr/>
+          <a:lstStyle/>
+          <a:p>
+            <a:r>
+              <a:rPr lang="en-US" dirty="0"/>
+              <a:t>Signal Comparison: Related Work</a:t>
+            </a:r>
+            <a:endParaRPr lang="en-CA" dirty="0"/>
+          </a:p>
+        </p:txBody>
+      </p:sp>
+      <p:sp>
+        <p:nvSpPr>
+          <p:cNvPr id="3" name="Content Placeholder 2"/>
+          <p:cNvSpPr>
+            <a:spLocks noGrp="1"/>
+          </p:cNvSpPr>
+          <p:nvPr>
+            <p:ph/>
+          </p:nvPr>
+        </p:nvSpPr>
+        <p:spPr>
+          <a:xfrm>
+            <a:off x="838080" y="1825560"/>
+            <a:ext cx="6599040" cy="4350960"/>
+          </a:xfrm>
+        </p:spPr>
+        <p:txBody>
+          <a:bodyPr/>
+          <a:lstStyle/>
+          <a:p>
+            <a:r>
+              <a:rPr lang="en-US" dirty="0"/>
+              <a:t>WCOMP: Waveform Comparison Tool for Mixed-signal Validation Regression in Memory </a:t>
+            </a:r>
+            <a:r>
+              <a:rPr lang="en-US" dirty="0" smtClean="0"/>
+              <a:t>Design</a:t>
+            </a:r>
+          </a:p>
+          <a:p>
+            <a:pPr lvl="1"/>
+            <a:r>
+              <a:rPr lang="en-US" dirty="0" smtClean="0"/>
+              <a:t>Proposed 3 comparison algorithms</a:t>
+            </a:r>
+          </a:p>
+          <a:p>
+            <a:pPr lvl="1"/>
+            <a:r>
+              <a:rPr lang="en-US" dirty="0" smtClean="0"/>
+              <a:t>These algorithms are all for PWM-like pulse comparisons</a:t>
+            </a:r>
+          </a:p>
+          <a:p>
+            <a:pPr lvl="1"/>
+            <a:endParaRPr lang="en-CA" dirty="0"/>
+          </a:p>
+        </p:txBody>
+      </p:sp>
+      <p:pic>
+        <p:nvPicPr>
+          <p:cNvPr id="4" name="Picture 3"/>
+          <p:cNvPicPr>
+            <a:picLocks noChangeAspect="1"/>
+          </p:cNvPicPr>
+          <p:nvPr/>
+        </p:nvPicPr>
+        <p:blipFill>
+          <a:blip r:embed="rId2">
+            <a:extLst>
+              <a:ext uri="{28A0092B-C50C-407E-A947-70E740481C1C}">
+                <a14:useLocalDpi xmlns:a14="http://schemas.microsoft.com/office/drawing/2010/main" val="0"/>
+              </a:ext>
+            </a:extLst>
+          </a:blip>
+          <a:stretch>
+            <a:fillRect/>
+          </a:stretch>
+        </p:blipFill>
+        <p:spPr>
+          <a:xfrm>
+            <a:off x="7437120" y="1515291"/>
+            <a:ext cx="4391888" cy="5342709"/>
+          </a:xfrm>
+          <a:prstGeom prst="rect">
+            <a:avLst/>
+          </a:prstGeom>
+        </p:spPr>
+      </p:pic>
+    </p:spTree>
+    <p:extLst>
+      <p:ext uri="{BB962C8B-B14F-4D97-AF65-F5344CB8AC3E}">
+        <p14:creationId xmlns:p14="http://schemas.microsoft.com/office/powerpoint/2010/main" val="3930015279"/>
+      </p:ext>
+    </p:extLst>
+  </p:cSld>
+  <p:clrMapOvr>
+    <a:masterClrMapping/>
+  </p:clrMapOvr>
+</p:sld>
+</file>
+
+<file path=ppt/slides/slide17.xml><?xml version="1.0" encoding="utf-8"?>
+<p:sld xmlns:a="http://schemas.openxmlformats.org/drawingml/2006/main" xmlns:r="http://schemas.openxmlformats.org/officeDocument/2006/relationships" xmlns:p="http://schemas.openxmlformats.org/presentationml/2006/main">
+  <p:cSld>
+    <p:spTree>
+      <p:nvGrpSpPr>
+        <p:cNvPr id="1" name=""/>
+        <p:cNvGrpSpPr/>
+        <p:nvPr/>
+      </p:nvGrpSpPr>
+      <p:grpSpPr>
+        <a:xfrm>
+          <a:off x="0" y="0"/>
+          <a:ext cx="0" cy="0"/>
+          <a:chOff x="0" y="0"/>
+          <a:chExt cx="0" cy="0"/>
+        </a:xfrm>
+      </p:grpSpPr>
+      <p:sp>
+        <p:nvSpPr>
+          <p:cNvPr id="2" name="Title 1"/>
+          <p:cNvSpPr>
+            <a:spLocks noGrp="1"/>
+          </p:cNvSpPr>
+          <p:nvPr>
+            <p:ph type="title"/>
+          </p:nvPr>
+        </p:nvSpPr>
+        <p:spPr/>
+        <p:txBody>
+          <a:bodyPr/>
+          <a:lstStyle/>
+          <a:p>
+            <a:r>
+              <a:rPr lang="en-US" dirty="0" smtClean="0"/>
+              <a:t>Signal Comparison: Related Work</a:t>
+            </a:r>
+            <a:endParaRPr lang="en-CA" dirty="0"/>
+          </a:p>
+        </p:txBody>
+      </p:sp>
+      <p:pic>
+        <p:nvPicPr>
+          <p:cNvPr id="3" name="Picture 2"/>
+          <p:cNvPicPr>
+            <a:picLocks noChangeAspect="1"/>
+          </p:cNvPicPr>
+          <p:nvPr/>
+        </p:nvPicPr>
+        <p:blipFill>
+          <a:blip r:embed="rId3"/>
+          <a:stretch>
+            <a:fillRect/>
+          </a:stretch>
+        </p:blipFill>
+        <p:spPr>
+          <a:xfrm>
+            <a:off x="3181050" y="1553391"/>
+            <a:ext cx="5829300" cy="4953000"/>
+          </a:xfrm>
+          <a:prstGeom prst="rect">
+            <a:avLst/>
+          </a:prstGeom>
+        </p:spPr>
+      </p:pic>
+    </p:spTree>
+    <p:extLst>
+      <p:ext uri="{BB962C8B-B14F-4D97-AF65-F5344CB8AC3E}">
+        <p14:creationId xmlns:p14="http://schemas.microsoft.com/office/powerpoint/2010/main" val="2536519334"/>
+      </p:ext>
+    </p:extLst>
+  </p:cSld>
+  <p:clrMapOvr>
+    <a:masterClrMapping/>
+  </p:clrMapOvr>
+</p:sld>
+</file>
+
+<file path=ppt/slides/slide18.xml><?xml version="1.0" encoding="utf-8"?>
+<p:sld xmlns:a="http://schemas.openxmlformats.org/drawingml/2006/main" xmlns:r="http://schemas.openxmlformats.org/officeDocument/2006/relationships" xmlns:p="http://schemas.openxmlformats.org/presentationml/2006/main">
+  <p:cSld>
+    <p:spTree>
+      <p:nvGrpSpPr>
+        <p:cNvPr id="1" name=""/>
+        <p:cNvGrpSpPr/>
+        <p:nvPr/>
+      </p:nvGrpSpPr>
+      <p:grpSpPr>
+        <a:xfrm>
+          <a:off x="0" y="0"/>
+          <a:ext cx="0" cy="0"/>
+          <a:chOff x="0" y="0"/>
+          <a:chExt cx="0" cy="0"/>
+        </a:xfrm>
+      </p:grpSpPr>
+      <p:sp>
+        <p:nvSpPr>
+          <p:cNvPr id="2" name="Title 1"/>
+          <p:cNvSpPr>
+            <a:spLocks noGrp="1"/>
+          </p:cNvSpPr>
+          <p:nvPr>
+            <p:ph type="title"/>
+          </p:nvPr>
+        </p:nvSpPr>
+        <p:spPr/>
+        <p:txBody>
+          <a:bodyPr/>
+          <a:lstStyle/>
+          <a:p>
+            <a:r>
+              <a:rPr lang="en-US" dirty="0" smtClean="0"/>
+              <a:t>Signal Comparison: Related Work</a:t>
+            </a:r>
+            <a:endParaRPr lang="en-CA" dirty="0"/>
+          </a:p>
+        </p:txBody>
+      </p:sp>
+      <p:pic>
+        <p:nvPicPr>
+          <p:cNvPr id="4" name="Picture 3"/>
+          <p:cNvPicPr>
+            <a:picLocks noChangeAspect="1"/>
+          </p:cNvPicPr>
+          <p:nvPr/>
+        </p:nvPicPr>
+        <p:blipFill>
+          <a:blip r:embed="rId3"/>
+          <a:stretch>
+            <a:fillRect/>
+          </a:stretch>
+        </p:blipFill>
+        <p:spPr>
+          <a:xfrm>
+            <a:off x="3181050" y="2491603"/>
+            <a:ext cx="5667375" cy="3076575"/>
+          </a:xfrm>
+          <a:prstGeom prst="rect">
+            <a:avLst/>
+          </a:prstGeom>
+        </p:spPr>
+      </p:pic>
+    </p:spTree>
+    <p:extLst>
+      <p:ext uri="{BB962C8B-B14F-4D97-AF65-F5344CB8AC3E}">
+        <p14:creationId xmlns:p14="http://schemas.microsoft.com/office/powerpoint/2010/main" val="3821157949"/>
+      </p:ext>
+    </p:extLst>
+  </p:cSld>
+  <p:clrMapOvr>
+    <a:masterClrMapping/>
+  </p:clrMapOvr>
+</p:sld>
+</file>
+
+<file path=ppt/slides/slide19.xml><?xml version="1.0" encoding="utf-8"?>
+<p:sld xmlns:a="http://schemas.openxmlformats.org/drawingml/2006/main" xmlns:r="http://schemas.openxmlformats.org/officeDocument/2006/relationships" xmlns:p="http://schemas.openxmlformats.org/presentationml/2006/main">
+  <p:cSld>
+    <p:spTree>
+      <p:nvGrpSpPr>
+        <p:cNvPr id="1" name=""/>
+        <p:cNvGrpSpPr/>
+        <p:nvPr/>
+      </p:nvGrpSpPr>
+      <p:grpSpPr>
+        <a:xfrm>
+          <a:off x="0" y="0"/>
+          <a:ext cx="0" cy="0"/>
+          <a:chOff x="0" y="0"/>
+          <a:chExt cx="0" cy="0"/>
+        </a:xfrm>
+      </p:grpSpPr>
+      <p:sp>
+        <p:nvSpPr>
+          <p:cNvPr id="2" name="Title 1"/>
+          <p:cNvSpPr>
+            <a:spLocks noGrp="1"/>
+          </p:cNvSpPr>
+          <p:nvPr>
+            <p:ph type="title"/>
+          </p:nvPr>
+        </p:nvSpPr>
+        <p:spPr/>
+        <p:txBody>
+          <a:bodyPr/>
+          <a:lstStyle/>
+          <a:p>
+            <a:r>
+              <a:rPr lang="en-US" dirty="0" smtClean="0"/>
+              <a:t>Signal Comparison: Related Work</a:t>
+            </a:r>
+            <a:endParaRPr lang="en-CA" dirty="0"/>
+          </a:p>
+        </p:txBody>
+      </p:sp>
+      <p:pic>
+        <p:nvPicPr>
+          <p:cNvPr id="3" name="Picture 2"/>
+          <p:cNvPicPr>
+            <a:picLocks noChangeAspect="1"/>
+          </p:cNvPicPr>
+          <p:nvPr/>
+        </p:nvPicPr>
+        <p:blipFill>
+          <a:blip r:embed="rId3"/>
+          <a:stretch>
+            <a:fillRect/>
+          </a:stretch>
+        </p:blipFill>
+        <p:spPr>
+          <a:xfrm>
+            <a:off x="2963312" y="1842844"/>
+            <a:ext cx="6264775" cy="3957307"/>
+          </a:xfrm>
+          <a:prstGeom prst="rect">
+            <a:avLst/>
+          </a:prstGeom>
+        </p:spPr>
+      </p:pic>
+      <p:sp>
+        <p:nvSpPr>
+          <p:cNvPr id="5" name="TextBox 4"/>
+          <p:cNvSpPr txBox="1"/>
+          <p:nvPr/>
+        </p:nvSpPr>
+        <p:spPr>
+          <a:xfrm>
+            <a:off x="3910149" y="5800151"/>
+            <a:ext cx="4554582" cy="369332"/>
+          </a:xfrm>
+          <a:prstGeom prst="rect">
+            <a:avLst/>
+          </a:prstGeom>
+          <a:noFill/>
+        </p:spPr>
+        <p:txBody>
+          <a:bodyPr wrap="square" rtlCol="0">
+            <a:spAutoFit/>
+          </a:bodyPr>
+          <a:lstStyle/>
+          <a:p>
+            <a:r>
+              <a:rPr lang="en-US" dirty="0" smtClean="0"/>
+              <a:t>(For Pattern Comparison Algorithm)</a:t>
+            </a:r>
+            <a:endParaRPr lang="en-CA" dirty="0"/>
+          </a:p>
+        </p:txBody>
+      </p:sp>
+    </p:spTree>
+    <p:extLst>
+      <p:ext uri="{BB962C8B-B14F-4D97-AF65-F5344CB8AC3E}">
+        <p14:creationId xmlns:p14="http://schemas.microsoft.com/office/powerpoint/2010/main" val="3355620489"/>
       </p:ext>
     </p:extLst>
   </p:cSld>
@@ -7016,10 +12284,695 @@
       </p:grpSpPr>
       <p:sp>
         <p:nvSpPr>
+          <p:cNvPr id="2" name="Title 1"/>
+          <p:cNvSpPr>
+            <a:spLocks noGrp="1"/>
+          </p:cNvSpPr>
+          <p:nvPr>
+            <p:ph type="title"/>
+          </p:nvPr>
+        </p:nvSpPr>
+        <p:spPr/>
+        <p:txBody>
+          <a:bodyPr/>
+          <a:lstStyle/>
+          <a:p>
+            <a:r>
+              <a:rPr lang="en-US" dirty="0" smtClean="0"/>
+              <a:t>What Is Hardware In The Loop Testing?</a:t>
+            </a:r>
+            <a:endParaRPr lang="en-CA" dirty="0"/>
+          </a:p>
+        </p:txBody>
+      </p:sp>
+      <p:sp>
+        <p:nvSpPr>
+          <p:cNvPr id="15" name="Rectangle 14"/>
+          <p:cNvSpPr/>
+          <p:nvPr/>
+        </p:nvSpPr>
+        <p:spPr>
+          <a:xfrm>
+            <a:off x="5811306" y="2967335"/>
+            <a:ext cx="569387" cy="923330"/>
+          </a:xfrm>
+          <a:prstGeom prst="rect">
+            <a:avLst/>
+          </a:prstGeom>
+          <a:noFill/>
+        </p:spPr>
+        <p:txBody>
+          <a:bodyPr wrap="none" lIns="91440" tIns="45720" rIns="91440" bIns="45720">
+            <a:spAutoFit/>
+          </a:bodyPr>
+          <a:lstStyle/>
+          <a:p>
+            <a:pPr algn="ctr"/>
+            <a:r>
+              <a:rPr lang="en-US" sz="5400" b="0" cap="none" spc="0" dirty="0" smtClean="0">
+                <a:ln w="0"/>
+                <a:solidFill>
+                  <a:schemeClr val="tx1"/>
+                </a:solidFill>
+                <a:effectLst>
+                  <a:outerShdw blurRad="38100" dist="19050" dir="2700000" algn="tl" rotWithShape="0">
+                    <a:schemeClr val="dk1">
+                      <a:alpha val="40000"/>
+                    </a:schemeClr>
+                  </a:outerShdw>
+                </a:effectLst>
+              </a:rPr>
+              <a:t>?</a:t>
+            </a:r>
+            <a:endParaRPr lang="en-US" sz="5400" b="0" cap="none" spc="0" dirty="0">
+              <a:ln w="0"/>
+              <a:solidFill>
+                <a:schemeClr val="tx1"/>
+              </a:solidFill>
+              <a:effectLst>
+                <a:outerShdw blurRad="38100" dist="19050" dir="2700000" algn="tl" rotWithShape="0">
+                  <a:schemeClr val="dk1">
+                    <a:alpha val="40000"/>
+                  </a:schemeClr>
+                </a:outerShdw>
+              </a:effectLst>
+            </a:endParaRPr>
+          </a:p>
+        </p:txBody>
+      </p:sp>
+    </p:spTree>
+    <p:extLst>
+      <p:ext uri="{BB962C8B-B14F-4D97-AF65-F5344CB8AC3E}">
+        <p14:creationId xmlns:p14="http://schemas.microsoft.com/office/powerpoint/2010/main" val="712788874"/>
+      </p:ext>
+    </p:extLst>
+  </p:cSld>
+  <p:clrMapOvr>
+    <a:masterClrMapping/>
+  </p:clrMapOvr>
+</p:sld>
+</file>
+
+<file path=ppt/slides/slide20.xml><?xml version="1.0" encoding="utf-8"?>
+<p:sld xmlns:a="http://schemas.openxmlformats.org/drawingml/2006/main" xmlns:r="http://schemas.openxmlformats.org/officeDocument/2006/relationships" xmlns:p="http://schemas.openxmlformats.org/presentationml/2006/main">
+  <p:cSld>
+    <p:spTree>
+      <p:nvGrpSpPr>
+        <p:cNvPr id="1" name=""/>
+        <p:cNvGrpSpPr/>
+        <p:nvPr/>
+      </p:nvGrpSpPr>
+      <p:grpSpPr>
+        <a:xfrm>
+          <a:off x="0" y="0"/>
+          <a:ext cx="0" cy="0"/>
+          <a:chOff x="0" y="0"/>
+          <a:chExt cx="0" cy="0"/>
+        </a:xfrm>
+      </p:grpSpPr>
+      <p:sp>
+        <p:nvSpPr>
+          <p:cNvPr id="2" name="Title 1"/>
+          <p:cNvSpPr>
+            <a:spLocks noGrp="1"/>
+          </p:cNvSpPr>
+          <p:nvPr>
+            <p:ph type="title"/>
+          </p:nvPr>
+        </p:nvSpPr>
+        <p:spPr/>
+        <p:txBody>
+          <a:bodyPr/>
+          <a:lstStyle/>
+          <a:p>
+            <a:r>
+              <a:rPr lang="en-US" dirty="0"/>
+              <a:t>Signal Comparison: Related Work</a:t>
+            </a:r>
+            <a:endParaRPr lang="en-CA" dirty="0"/>
+          </a:p>
+        </p:txBody>
+      </p:sp>
+      <p:sp>
+        <p:nvSpPr>
+          <p:cNvPr id="3" name="Content Placeholder 2"/>
+          <p:cNvSpPr>
+            <a:spLocks noGrp="1"/>
+          </p:cNvSpPr>
+          <p:nvPr>
+            <p:ph/>
+          </p:nvPr>
+        </p:nvSpPr>
+        <p:spPr>
+          <a:xfrm>
+            <a:off x="838079" y="1825560"/>
+            <a:ext cx="5763017" cy="4350960"/>
+          </a:xfrm>
+        </p:spPr>
+        <p:txBody>
+          <a:bodyPr/>
+          <a:lstStyle/>
+          <a:p>
+            <a:r>
+              <a:rPr lang="en-US" dirty="0" smtClean="0"/>
+              <a:t>Matching Discrete Signals for Hardware-in-the-Loop-Testing of PLCs</a:t>
+            </a:r>
+          </a:p>
+          <a:p>
+            <a:pPr lvl="1"/>
+            <a:r>
+              <a:rPr lang="en-US" dirty="0" smtClean="0"/>
+              <a:t>Proposed Set-Match</a:t>
+            </a:r>
+          </a:p>
+          <a:p>
+            <a:pPr lvl="1"/>
+            <a:r>
+              <a:rPr lang="en-US" dirty="0" smtClean="0"/>
+              <a:t>An algorithm for matching discrete signals without the downfalls of P2P</a:t>
+            </a:r>
+            <a:endParaRPr lang="en-CA" dirty="0"/>
+          </a:p>
+        </p:txBody>
+      </p:sp>
+      <p:pic>
+        <p:nvPicPr>
+          <p:cNvPr id="5" name="Picture 4"/>
+          <p:cNvPicPr>
+            <a:picLocks noChangeAspect="1"/>
+          </p:cNvPicPr>
+          <p:nvPr/>
+        </p:nvPicPr>
+        <p:blipFill>
+          <a:blip r:embed="rId2"/>
+          <a:stretch>
+            <a:fillRect/>
+          </a:stretch>
+        </p:blipFill>
+        <p:spPr>
+          <a:xfrm>
+            <a:off x="6601096" y="1219200"/>
+            <a:ext cx="5238750" cy="5638800"/>
+          </a:xfrm>
+          <a:prstGeom prst="rect">
+            <a:avLst/>
+          </a:prstGeom>
+        </p:spPr>
+      </p:pic>
+    </p:spTree>
+    <p:extLst>
+      <p:ext uri="{BB962C8B-B14F-4D97-AF65-F5344CB8AC3E}">
+        <p14:creationId xmlns:p14="http://schemas.microsoft.com/office/powerpoint/2010/main" val="1724893249"/>
+      </p:ext>
+    </p:extLst>
+  </p:cSld>
+  <p:clrMapOvr>
+    <a:masterClrMapping/>
+  </p:clrMapOvr>
+</p:sld>
+</file>
+
+<file path=ppt/slides/slide21.xml><?xml version="1.0" encoding="utf-8"?>
+<p:sld xmlns:a="http://schemas.openxmlformats.org/drawingml/2006/main" xmlns:r="http://schemas.openxmlformats.org/officeDocument/2006/relationships" xmlns:p="http://schemas.openxmlformats.org/presentationml/2006/main">
+  <p:cSld>
+    <p:spTree>
+      <p:nvGrpSpPr>
+        <p:cNvPr id="1" name=""/>
+        <p:cNvGrpSpPr/>
+        <p:nvPr/>
+      </p:nvGrpSpPr>
+      <p:grpSpPr>
+        <a:xfrm>
+          <a:off x="0" y="0"/>
+          <a:ext cx="0" cy="0"/>
+          <a:chOff x="0" y="0"/>
+          <a:chExt cx="0" cy="0"/>
+        </a:xfrm>
+      </p:grpSpPr>
+      <p:sp>
+        <p:nvSpPr>
+          <p:cNvPr id="2" name="Title 1"/>
+          <p:cNvSpPr>
+            <a:spLocks noGrp="1"/>
+          </p:cNvSpPr>
+          <p:nvPr>
+            <p:ph type="title"/>
+          </p:nvPr>
+        </p:nvSpPr>
+        <p:spPr/>
+        <p:txBody>
+          <a:bodyPr/>
+          <a:lstStyle/>
+          <a:p>
+            <a:r>
+              <a:rPr lang="en-US" dirty="0"/>
+              <a:t>Signal Comparison: Related Work</a:t>
+            </a:r>
+            <a:endParaRPr lang="en-CA" dirty="0"/>
+          </a:p>
+        </p:txBody>
+      </p:sp>
+      <p:pic>
+        <p:nvPicPr>
+          <p:cNvPr id="4" name="Picture 3"/>
+          <p:cNvPicPr>
+            <a:picLocks noChangeAspect="1"/>
+          </p:cNvPicPr>
+          <p:nvPr/>
+        </p:nvPicPr>
+        <p:blipFill>
+          <a:blip r:embed="rId2"/>
+          <a:stretch>
+            <a:fillRect/>
+          </a:stretch>
+        </p:blipFill>
+        <p:spPr>
+          <a:xfrm>
+            <a:off x="1673514" y="1690200"/>
+            <a:ext cx="8844371" cy="4516778"/>
+          </a:xfrm>
+          <a:prstGeom prst="rect">
+            <a:avLst/>
+          </a:prstGeom>
+        </p:spPr>
+      </p:pic>
+    </p:spTree>
+    <p:extLst>
+      <p:ext uri="{BB962C8B-B14F-4D97-AF65-F5344CB8AC3E}">
+        <p14:creationId xmlns:p14="http://schemas.microsoft.com/office/powerpoint/2010/main" val="874330517"/>
+      </p:ext>
+    </p:extLst>
+  </p:cSld>
+  <p:clrMapOvr>
+    <a:masterClrMapping/>
+  </p:clrMapOvr>
+</p:sld>
+</file>
+
+<file path=ppt/slides/slide22.xml><?xml version="1.0" encoding="utf-8"?>
+<p:sld xmlns:a="http://schemas.openxmlformats.org/drawingml/2006/main" xmlns:r="http://schemas.openxmlformats.org/officeDocument/2006/relationships" xmlns:p="http://schemas.openxmlformats.org/presentationml/2006/main">
+  <p:cSld>
+    <p:spTree>
+      <p:nvGrpSpPr>
+        <p:cNvPr id="1" name=""/>
+        <p:cNvGrpSpPr/>
+        <p:nvPr/>
+      </p:nvGrpSpPr>
+      <p:grpSpPr>
+        <a:xfrm>
+          <a:off x="0" y="0"/>
+          <a:ext cx="0" cy="0"/>
+          <a:chOff x="0" y="0"/>
+          <a:chExt cx="0" cy="0"/>
+        </a:xfrm>
+      </p:grpSpPr>
+      <p:sp>
+        <p:nvSpPr>
+          <p:cNvPr id="2" name="Title 1"/>
+          <p:cNvSpPr>
+            <a:spLocks noGrp="1"/>
+          </p:cNvSpPr>
+          <p:nvPr>
+            <p:ph type="title"/>
+          </p:nvPr>
+        </p:nvSpPr>
+        <p:spPr/>
+        <p:txBody>
+          <a:bodyPr/>
+          <a:lstStyle/>
+          <a:p>
+            <a:r>
+              <a:rPr lang="en-US" dirty="0" smtClean="0"/>
+              <a:t>What’s Missing?</a:t>
+            </a:r>
+            <a:endParaRPr lang="en-CA" dirty="0"/>
+          </a:p>
+        </p:txBody>
+      </p:sp>
+      <p:sp>
+        <p:nvSpPr>
+          <p:cNvPr id="3" name="Content Placeholder 2"/>
+          <p:cNvSpPr>
+            <a:spLocks noGrp="1"/>
+          </p:cNvSpPr>
+          <p:nvPr>
+            <p:ph/>
+          </p:nvPr>
+        </p:nvSpPr>
+        <p:spPr>
+          <a:xfrm>
+            <a:off x="838080" y="1825560"/>
+            <a:ext cx="10515240" cy="4350960"/>
+          </a:xfrm>
+        </p:spPr>
+        <p:txBody>
+          <a:bodyPr/>
+          <a:lstStyle/>
+          <a:p>
+            <a:r>
+              <a:rPr lang="en-US" dirty="0" smtClean="0"/>
+              <a:t>All these papers compare digital or close-to-digital signals</a:t>
+            </a:r>
+          </a:p>
+          <a:p>
+            <a:r>
+              <a:rPr lang="en-US" dirty="0" smtClean="0"/>
+              <a:t>On some boards, we have fully analog signals:</a:t>
+            </a:r>
+            <a:endParaRPr lang="en-CA" dirty="0" smtClean="0"/>
+          </a:p>
+          <a:p>
+            <a:pPr lvl="1"/>
+            <a:r>
+              <a:rPr lang="en-US" dirty="0" smtClean="0"/>
+              <a:t>Sine Waves</a:t>
+            </a:r>
+          </a:p>
+          <a:p>
+            <a:pPr lvl="1"/>
+            <a:r>
+              <a:rPr lang="en-US" dirty="0" smtClean="0"/>
+              <a:t>Exponential Pulses</a:t>
+            </a:r>
+          </a:p>
+        </p:txBody>
+      </p:sp>
+      <p:pic>
+        <p:nvPicPr>
+          <p:cNvPr id="4" name="Picture 3"/>
+          <p:cNvPicPr>
+            <a:picLocks noChangeAspect="1"/>
+          </p:cNvPicPr>
+          <p:nvPr/>
+        </p:nvPicPr>
+        <p:blipFill>
+          <a:blip r:embed="rId3">
+            <a:extLst>
+              <a:ext uri="{28A0092B-C50C-407E-A947-70E740481C1C}">
+                <a14:useLocalDpi xmlns:a14="http://schemas.microsoft.com/office/drawing/2010/main" val="0"/>
+              </a:ext>
+            </a:extLst>
+          </a:blip>
+          <a:stretch>
+            <a:fillRect/>
+          </a:stretch>
+        </p:blipFill>
+        <p:spPr>
+          <a:xfrm>
+            <a:off x="1233759" y="3883005"/>
+            <a:ext cx="4029075" cy="2428875"/>
+          </a:xfrm>
+          <a:prstGeom prst="rect">
+            <a:avLst/>
+          </a:prstGeom>
+        </p:spPr>
+      </p:pic>
+      <p:pic>
+        <p:nvPicPr>
+          <p:cNvPr id="5" name="Picture 4"/>
+          <p:cNvPicPr>
+            <a:picLocks noChangeAspect="1"/>
+          </p:cNvPicPr>
+          <p:nvPr/>
+        </p:nvPicPr>
+        <p:blipFill>
+          <a:blip r:embed="rId4">
+            <a:extLst>
+              <a:ext uri="{28A0092B-C50C-407E-A947-70E740481C1C}">
+                <a14:useLocalDpi xmlns:a14="http://schemas.microsoft.com/office/drawing/2010/main" val="0"/>
+              </a:ext>
+            </a:extLst>
+          </a:blip>
+          <a:stretch>
+            <a:fillRect/>
+          </a:stretch>
+        </p:blipFill>
+        <p:spPr>
+          <a:xfrm>
+            <a:off x="5812527" y="3172642"/>
+            <a:ext cx="4991100" cy="3543300"/>
+          </a:xfrm>
+          <a:prstGeom prst="rect">
+            <a:avLst/>
+          </a:prstGeom>
+        </p:spPr>
+      </p:pic>
+    </p:spTree>
+    <p:extLst>
+      <p:ext uri="{BB962C8B-B14F-4D97-AF65-F5344CB8AC3E}">
+        <p14:creationId xmlns:p14="http://schemas.microsoft.com/office/powerpoint/2010/main" val="2474897352"/>
+      </p:ext>
+    </p:extLst>
+  </p:cSld>
+  <p:clrMapOvr>
+    <a:masterClrMapping/>
+  </p:clrMapOvr>
+</p:sld>
+</file>
+
+<file path=ppt/slides/slide23.xml><?xml version="1.0" encoding="utf-8"?>
+<p:sld xmlns:a="http://schemas.openxmlformats.org/drawingml/2006/main" xmlns:r="http://schemas.openxmlformats.org/officeDocument/2006/relationships" xmlns:p="http://schemas.openxmlformats.org/presentationml/2006/main">
+  <p:cSld>
+    <p:spTree>
+      <p:nvGrpSpPr>
+        <p:cNvPr id="1" name=""/>
+        <p:cNvGrpSpPr/>
+        <p:nvPr/>
+      </p:nvGrpSpPr>
+      <p:grpSpPr>
+        <a:xfrm>
+          <a:off x="0" y="0"/>
+          <a:ext cx="0" cy="0"/>
+          <a:chOff x="0" y="0"/>
+          <a:chExt cx="0" cy="0"/>
+        </a:xfrm>
+      </p:grpSpPr>
+      <p:sp>
+        <p:nvSpPr>
+          <p:cNvPr id="2" name="Title 1"/>
+          <p:cNvSpPr>
+            <a:spLocks noGrp="1"/>
+          </p:cNvSpPr>
+          <p:nvPr>
+            <p:ph type="title"/>
+          </p:nvPr>
+        </p:nvSpPr>
+        <p:spPr/>
+        <p:txBody>
+          <a:bodyPr/>
+          <a:lstStyle/>
+          <a:p>
+            <a:r>
+              <a:rPr lang="en-US" dirty="0" smtClean="0"/>
+              <a:t>How Can We Match Analog Signals?</a:t>
+            </a:r>
+            <a:endParaRPr lang="en-CA" dirty="0"/>
+          </a:p>
+        </p:txBody>
+      </p:sp>
+      <p:sp>
+        <p:nvSpPr>
+          <p:cNvPr id="3" name="Content Placeholder 2"/>
+          <p:cNvSpPr>
+            <a:spLocks noGrp="1"/>
+          </p:cNvSpPr>
+          <p:nvPr>
+            <p:ph/>
+          </p:nvPr>
+        </p:nvSpPr>
+        <p:spPr>
+          <a:xfrm>
+            <a:off x="838080" y="1825560"/>
+            <a:ext cx="10515240" cy="4350960"/>
+          </a:xfrm>
+        </p:spPr>
+        <p:txBody>
+          <a:bodyPr/>
+          <a:lstStyle/>
+          <a:p>
+            <a:r>
+              <a:rPr lang="en-US" dirty="0" smtClean="0"/>
+              <a:t>Ideally with a binary matching algorithm</a:t>
+            </a:r>
+          </a:p>
+          <a:p>
+            <a:pPr lvl="1"/>
+            <a:r>
+              <a:rPr lang="en-US" dirty="0" smtClean="0"/>
+              <a:t>This is usually unrealistic</a:t>
+            </a:r>
+          </a:p>
+          <a:p>
+            <a:r>
+              <a:rPr lang="en-US" dirty="0" smtClean="0"/>
+              <a:t>So what options do we have?</a:t>
+            </a:r>
+          </a:p>
+          <a:p>
+            <a:pPr lvl="1"/>
+            <a:r>
+              <a:rPr lang="en-US" dirty="0" smtClean="0"/>
+              <a:t>The algorithms discussed in previous works (pipe, </a:t>
+            </a:r>
+            <a:r>
+              <a:rPr lang="en-US" dirty="0" err="1" smtClean="0"/>
+              <a:t>rtol</a:t>
+            </a:r>
+            <a:r>
+              <a:rPr lang="en-US" dirty="0" smtClean="0"/>
+              <a:t>, </a:t>
+            </a:r>
+            <a:r>
+              <a:rPr lang="en-US" dirty="0" err="1" smtClean="0"/>
+              <a:t>etc</a:t>
+            </a:r>
+            <a:r>
+              <a:rPr lang="en-US" dirty="0" smtClean="0"/>
+              <a:t>…)</a:t>
+            </a:r>
+          </a:p>
+          <a:p>
+            <a:pPr lvl="1"/>
+            <a:r>
+              <a:rPr lang="en-US" dirty="0" smtClean="0"/>
+              <a:t>Basic error measurements (</a:t>
+            </a:r>
+            <a:r>
+              <a:rPr lang="en-US" dirty="0" err="1" smtClean="0"/>
+              <a:t>mse</a:t>
+            </a:r>
+            <a:r>
+              <a:rPr lang="en-US" dirty="0" smtClean="0"/>
+              <a:t>, </a:t>
+            </a:r>
+            <a:r>
+              <a:rPr lang="en-US" dirty="0" err="1" smtClean="0"/>
+              <a:t>rmse</a:t>
+            </a:r>
+            <a:r>
+              <a:rPr lang="en-US" dirty="0" smtClean="0"/>
+              <a:t>, </a:t>
+            </a:r>
+            <a:r>
+              <a:rPr lang="en-US" dirty="0" err="1" smtClean="0"/>
+              <a:t>mae</a:t>
+            </a:r>
+            <a:r>
+              <a:rPr lang="en-US" dirty="0" smtClean="0"/>
+              <a:t>)</a:t>
+            </a:r>
+          </a:p>
+          <a:p>
+            <a:pPr lvl="1"/>
+            <a:r>
+              <a:rPr lang="en-US" dirty="0" smtClean="0"/>
+              <a:t>Distance Measurements (Euclid, </a:t>
+            </a:r>
+            <a:r>
+              <a:rPr lang="en-US" dirty="0" err="1"/>
+              <a:t>F</a:t>
+            </a:r>
+            <a:r>
+              <a:rPr lang="en-US" dirty="0" err="1" smtClean="0"/>
+              <a:t>rechet</a:t>
+            </a:r>
+            <a:r>
+              <a:rPr lang="en-US" dirty="0" smtClean="0"/>
+              <a:t>)</a:t>
+            </a:r>
+            <a:endParaRPr lang="en-CA" dirty="0"/>
+          </a:p>
+        </p:txBody>
+      </p:sp>
+    </p:spTree>
+    <p:extLst>
+      <p:ext uri="{BB962C8B-B14F-4D97-AF65-F5344CB8AC3E}">
+        <p14:creationId xmlns:p14="http://schemas.microsoft.com/office/powerpoint/2010/main" val="4224547791"/>
+      </p:ext>
+    </p:extLst>
+  </p:cSld>
+  <p:clrMapOvr>
+    <a:masterClrMapping/>
+  </p:clrMapOvr>
+</p:sld>
+</file>
+
+<file path=ppt/slides/slide24.xml><?xml version="1.0" encoding="utf-8"?>
+<p:sld xmlns:a="http://schemas.openxmlformats.org/drawingml/2006/main" xmlns:r="http://schemas.openxmlformats.org/officeDocument/2006/relationships" xmlns:p="http://schemas.openxmlformats.org/presentationml/2006/main">
+  <p:cSld>
+    <p:spTree>
+      <p:nvGrpSpPr>
+        <p:cNvPr id="1" name=""/>
+        <p:cNvGrpSpPr/>
+        <p:nvPr/>
+      </p:nvGrpSpPr>
+      <p:grpSpPr>
+        <a:xfrm>
+          <a:off x="0" y="0"/>
+          <a:ext cx="0" cy="0"/>
+          <a:chOff x="0" y="0"/>
+          <a:chExt cx="0" cy="0"/>
+        </a:xfrm>
+      </p:grpSpPr>
+      <p:sp>
+        <p:nvSpPr>
+          <p:cNvPr id="2" name="Title 1"/>
+          <p:cNvSpPr>
+            <a:spLocks noGrp="1"/>
+          </p:cNvSpPr>
+          <p:nvPr>
+            <p:ph type="title"/>
+          </p:nvPr>
+        </p:nvSpPr>
+        <p:spPr/>
+        <p:txBody>
+          <a:bodyPr/>
+          <a:lstStyle/>
+          <a:p>
+            <a:r>
+              <a:rPr lang="en-US" dirty="0" smtClean="0"/>
+              <a:t>Let’s See How These Works For Simple Signals</a:t>
+            </a:r>
+            <a:endParaRPr lang="en-CA" dirty="0"/>
+          </a:p>
+        </p:txBody>
+      </p:sp>
+    </p:spTree>
+    <p:extLst>
+      <p:ext uri="{BB962C8B-B14F-4D97-AF65-F5344CB8AC3E}">
+        <p14:creationId xmlns:p14="http://schemas.microsoft.com/office/powerpoint/2010/main" val="4155507254"/>
+      </p:ext>
+    </p:extLst>
+  </p:cSld>
+  <p:clrMapOvr>
+    <a:masterClrMapping/>
+  </p:clrMapOvr>
+</p:sld>
+</file>
+
+<file path=ppt/slides/slide25.xml><?xml version="1.0" encoding="utf-8"?>
+<p:sld xmlns:a="http://schemas.openxmlformats.org/drawingml/2006/main" xmlns:r="http://schemas.openxmlformats.org/officeDocument/2006/relationships" xmlns:p="http://schemas.openxmlformats.org/presentationml/2006/main">
+  <p:cSld>
+    <p:spTree>
+      <p:nvGrpSpPr>
+        <p:cNvPr id="1" name=""/>
+        <p:cNvGrpSpPr/>
+        <p:nvPr/>
+      </p:nvGrpSpPr>
+      <p:grpSpPr>
+        <a:xfrm>
+          <a:off x="0" y="0"/>
+          <a:ext cx="0" cy="0"/>
+          <a:chOff x="0" y="0"/>
+          <a:chExt cx="0" cy="0"/>
+        </a:xfrm>
+      </p:grpSpPr>
+      <p:sp>
+        <p:nvSpPr>
           <p:cNvPr id="2" name="Title 1">
             <a:extLst>
               <a:ext uri="{FF2B5EF4-FFF2-40B4-BE49-F238E27FC236}">
-                <a16:creationId xmlns:a16="http://schemas.microsoft.com/office/drawing/2014/main" id="{8A8AD341-F7AD-A5AC-DE34-9D1A8B3BA5E3}"/>
+                <a16:creationId xmlns:a16="http://schemas.microsoft.com/office/drawing/2014/main" xmlns="" id="{CD2CEAFC-3C25-E1BD-643F-F8883F435A91}"/>
               </a:ext>
             </a:extLst>
           </p:cNvPr>
@@ -7037,7 +12990,7 @@
           <a:p>
             <a:r>
               <a:rPr lang="en-CA" dirty="0"/>
-              <a:t>Plan</a:t>
+              <a:t>Pt1: Accuracy</a:t>
             </a:r>
           </a:p>
         </p:txBody>
@@ -7047,7 +13000,7 @@
           <p:cNvPr id="3" name="Content Placeholder 2">
             <a:extLst>
               <a:ext uri="{FF2B5EF4-FFF2-40B4-BE49-F238E27FC236}">
-                <a16:creationId xmlns:a16="http://schemas.microsoft.com/office/drawing/2014/main" id="{75DD6818-4BC8-1D97-455D-1CD9A9CC24B8}"/>
+                <a16:creationId xmlns:a16="http://schemas.microsoft.com/office/drawing/2014/main" xmlns="" id="{4354E399-1ABC-8D97-D33D-B813A5216742}"/>
               </a:ext>
             </a:extLst>
           </p:cNvPr>
@@ -7060,6 +13013,197 @@
         </p:nvSpPr>
         <p:spPr>
           <a:xfrm>
+            <a:off x="838080" y="1825560"/>
+            <a:ext cx="10515240" cy="4350960"/>
+          </a:xfrm>
+        </p:spPr>
+        <p:txBody>
+          <a:bodyPr/>
+          <a:lstStyle/>
+          <a:p>
+            <a:r>
+              <a:rPr lang="en-CA" dirty="0"/>
+              <a:t>What is the ideal matching algorithm?</a:t>
+            </a:r>
+          </a:p>
+          <a:p>
+            <a:pPr lvl="1"/>
+            <a:r>
+              <a:rPr lang="en-CA" dirty="0"/>
+              <a:t>A binary one, it either matches or it doesn’t </a:t>
+            </a:r>
+          </a:p>
+          <a:p>
+            <a:pPr lvl="1"/>
+            <a:r>
+              <a:rPr lang="en-CA" dirty="0"/>
+              <a:t>We have the algorithms discussed in papers above (pipe, </a:t>
+            </a:r>
+            <a:r>
+              <a:rPr lang="en-CA" dirty="0" err="1"/>
+              <a:t>rtol</a:t>
+            </a:r>
+            <a:r>
+              <a:rPr lang="en-CA" dirty="0"/>
+              <a:t>…)</a:t>
+            </a:r>
+          </a:p>
+          <a:p>
+            <a:pPr lvl="1"/>
+            <a:r>
+              <a:rPr lang="en-CA" dirty="0"/>
+              <a:t>We have basic errors like </a:t>
+            </a:r>
+            <a:r>
+              <a:rPr lang="en-CA" dirty="0" err="1"/>
+              <a:t>mse</a:t>
+            </a:r>
+            <a:r>
+              <a:rPr lang="en-CA" dirty="0"/>
+              <a:t>, </a:t>
+            </a:r>
+            <a:r>
+              <a:rPr lang="en-CA" dirty="0" err="1"/>
+              <a:t>rmse</a:t>
+            </a:r>
+            <a:r>
+              <a:rPr lang="en-CA" dirty="0"/>
+              <a:t>, </a:t>
+            </a:r>
+            <a:r>
+              <a:rPr lang="en-CA" dirty="0" err="1"/>
+              <a:t>mae</a:t>
+            </a:r>
+            <a:endParaRPr lang="en-CA" dirty="0"/>
+          </a:p>
+          <a:p>
+            <a:pPr lvl="1"/>
+            <a:r>
+              <a:rPr lang="en-CA" dirty="0"/>
+              <a:t>We have distance measurements like Euclid, </a:t>
+            </a:r>
+            <a:r>
+              <a:rPr lang="en-CA" dirty="0" err="1"/>
+              <a:t>frechet</a:t>
+            </a:r>
+            <a:endParaRPr lang="en-CA" dirty="0"/>
+          </a:p>
+          <a:p>
+            <a:r>
+              <a:rPr lang="en-CA" dirty="0"/>
+              <a:t>Show comparison plots for: (constant, </a:t>
+            </a:r>
+            <a:r>
+              <a:rPr lang="en-CA" dirty="0" err="1"/>
+              <a:t>pwm</a:t>
+            </a:r>
+            <a:r>
+              <a:rPr lang="en-CA" dirty="0"/>
+              <a:t>)</a:t>
+            </a:r>
+          </a:p>
+          <a:p>
+            <a:r>
+              <a:rPr lang="en-CA" dirty="0"/>
+              <a:t>But these signals cannot account for 2 key features in our signals</a:t>
+            </a:r>
+          </a:p>
+          <a:p>
+            <a:pPr lvl="1"/>
+            <a:r>
+              <a:rPr lang="en-CA" dirty="0"/>
+              <a:t>1: Time invariance</a:t>
+            </a:r>
+          </a:p>
+          <a:p>
+            <a:pPr lvl="1"/>
+            <a:r>
+              <a:rPr lang="en-CA" dirty="0"/>
+              <a:t>2: Unpredictable exponential fall</a:t>
+            </a:r>
+          </a:p>
+          <a:p>
+            <a:pPr lvl="1"/>
+            <a:endParaRPr lang="en-CA" dirty="0"/>
+          </a:p>
+        </p:txBody>
+      </p:sp>
+    </p:spTree>
+    <p:extLst>
+      <p:ext uri="{BB962C8B-B14F-4D97-AF65-F5344CB8AC3E}">
+        <p14:creationId xmlns:p14="http://schemas.microsoft.com/office/powerpoint/2010/main" val="309618248"/>
+      </p:ext>
+    </p:extLst>
+  </p:cSld>
+  <p:clrMapOvr>
+    <a:masterClrMapping/>
+  </p:clrMapOvr>
+</p:sld>
+</file>
+
+<file path=ppt/slides/slide26.xml><?xml version="1.0" encoding="utf-8"?>
+<p:sld xmlns:a="http://schemas.openxmlformats.org/drawingml/2006/main" xmlns:r="http://schemas.openxmlformats.org/officeDocument/2006/relationships" xmlns:p="http://schemas.openxmlformats.org/presentationml/2006/main">
+  <p:cSld>
+    <p:spTree>
+      <p:nvGrpSpPr>
+        <p:cNvPr id="1" name=""/>
+        <p:cNvGrpSpPr/>
+        <p:nvPr/>
+      </p:nvGrpSpPr>
+      <p:grpSpPr>
+        <a:xfrm>
+          <a:off x="0" y="0"/>
+          <a:ext cx="0" cy="0"/>
+          <a:chOff x="0" y="0"/>
+          <a:chExt cx="0" cy="0"/>
+        </a:xfrm>
+      </p:grpSpPr>
+      <p:sp>
+        <p:nvSpPr>
+          <p:cNvPr id="2" name="Title 1">
+            <a:extLst>
+              <a:ext uri="{FF2B5EF4-FFF2-40B4-BE49-F238E27FC236}">
+                <a16:creationId xmlns:a16="http://schemas.microsoft.com/office/drawing/2014/main" xmlns="" id="{F6D9174A-C2D3-CA16-CD7A-FD67C60EF02A}"/>
+              </a:ext>
+            </a:extLst>
+          </p:cNvPr>
+          <p:cNvSpPr>
+            <a:spLocks noGrp="1"/>
+          </p:cNvSpPr>
+          <p:nvPr>
+            <p:ph type="title"/>
+          </p:nvPr>
+        </p:nvSpPr>
+        <p:spPr/>
+        <p:txBody>
+          <a:bodyPr/>
+          <a:lstStyle/>
+          <a:p>
+            <a:r>
+              <a:rPr lang="en-CA" dirty="0"/>
+              <a:t>Plan</a:t>
+            </a:r>
+          </a:p>
+        </p:txBody>
+      </p:sp>
+      <p:sp>
+        <p:nvSpPr>
+          <p:cNvPr id="3" name="Content Placeholder 2">
+            <a:extLst>
+              <a:ext uri="{FF2B5EF4-FFF2-40B4-BE49-F238E27FC236}">
+                <a16:creationId xmlns:a16="http://schemas.microsoft.com/office/drawing/2014/main" xmlns="" id="{4D1F4A3F-2CD7-BF8D-F663-B2EE5C4E5892}"/>
+              </a:ext>
+            </a:extLst>
+          </p:cNvPr>
+          <p:cNvSpPr>
+            <a:spLocks noGrp="1"/>
+          </p:cNvSpPr>
+          <p:nvPr>
+            <p:ph/>
+          </p:nvPr>
+        </p:nvSpPr>
+        <p:spPr>
+          <a:xfrm>
             <a:off x="838079" y="1825560"/>
             <a:ext cx="10515239" cy="4350960"/>
           </a:xfrm>
@@ -7072,56 +13216,78 @@
           <a:p>
             <a:r>
               <a:rPr lang="en-CA" dirty="0"/>
-              <a:t>What is HIL?</a:t>
+              <a:t>Signal Comparison Related work:</a:t>
             </a:r>
           </a:p>
           <a:p>
             <a:pPr lvl="1"/>
             <a:r>
               <a:rPr lang="en-CA" dirty="0"/>
-              <a:t>The problem: </a:t>
+              <a:t>WCOMP paper</a:t>
+            </a:r>
+          </a:p>
+          <a:p>
+            <a:pPr lvl="1"/>
+            <a:r>
+              <a:rPr lang="en-CA" dirty="0"/>
+              <a:t>Set Match paper</a:t>
+            </a:r>
+          </a:p>
+          <a:p>
+            <a:pPr lvl="1"/>
+            <a:r>
+              <a:rPr lang="en-CA" dirty="0"/>
+              <a:t>All of these papers focus on matching of simple digital signals (PWM type), mainly for digital ASIC testing</a:t>
+            </a:r>
+          </a:p>
+          <a:p>
+            <a:pPr lvl="1"/>
+            <a:r>
+              <a:rPr lang="en-CA" dirty="0"/>
+              <a:t>We want to find algorithms for a wider range of signals (constant, </a:t>
+            </a:r>
+            <a:r>
+              <a:rPr lang="en-CA" dirty="0" err="1"/>
+              <a:t>pwm</a:t>
+            </a:r>
+            <a:r>
+              <a:rPr lang="en-CA" dirty="0"/>
+              <a:t>, sine, sawtooth, triangle, trapezoid)</a:t>
+            </a:r>
+          </a:p>
+          <a:p>
+            <a:pPr lvl="1"/>
+            <a:r>
+              <a:rPr lang="en-CA" dirty="0"/>
+              <a:t>The next problem:</a:t>
             </a:r>
           </a:p>
           <a:p>
             <a:pPr lvl="2"/>
             <a:r>
               <a:rPr lang="en-CA" dirty="0"/>
-              <a:t>On MIST we have a board we want to test live with hardware</a:t>
+              <a:t>On MIST, our board measures radiation events, which produce exponential pulses</a:t>
             </a:r>
           </a:p>
           <a:p>
             <a:pPr lvl="2"/>
             <a:r>
               <a:rPr lang="en-CA" dirty="0"/>
-              <a:t>We connect the inputs &amp; outputs of the board to a test board and we want to drive inputs and compare outputs? How to do this?</a:t>
+              <a:t>While these pulses can be digitized, they are far from basic PWM</a:t>
             </a:r>
           </a:p>
           <a:p>
             <a:pPr lvl="2"/>
             <a:r>
               <a:rPr lang="en-CA" dirty="0"/>
-              <a:t>currently, testing plans are currently executed manually</a:t>
+              <a:t>More-over, the pulses are driven by this equation, where alpha and beta are values which we don’t necessarily know at the time of testing</a:t>
             </a:r>
           </a:p>
           <a:p>
             <a:pPr lvl="2"/>
             <a:r>
               <a:rPr lang="en-CA" dirty="0"/>
-              <a:t>What if instead we could write code?!! But the people who know how to write the code don’t know about the physics required to qualify a board. The physicists don’t know how to code</a:t>
-            </a:r>
-          </a:p>
-          <a:p>
-            <a:pPr lvl="2"/>
-            <a:r>
-              <a:rPr lang="en-CA" dirty="0"/>
-              <a:t>This creates a feedback loop which can last a long time, slowing testing down</a:t>
-            </a:r>
-          </a:p>
-          <a:p>
-            <a:pPr lvl="2"/>
-            <a:r>
-              <a:rPr lang="en-CA" dirty="0"/>
-              <a:t>We need a way to stop this loop. What if we could greatly simplify the code required, leaving only exactly the functionality we need to test, and making it read like a test plan</a:t>
+              <a:t>Can we find a set of signal matching algorithms that are both accurate and fast?</a:t>
             </a:r>
           </a:p>
         </p:txBody>
@@ -7129,7 +13295,430 @@
     </p:spTree>
     <p:extLst>
       <p:ext uri="{BB962C8B-B14F-4D97-AF65-F5344CB8AC3E}">
-        <p14:creationId xmlns:p14="http://schemas.microsoft.com/office/powerpoint/2010/main" val="1498481801"/>
+        <p14:creationId xmlns:p14="http://schemas.microsoft.com/office/powerpoint/2010/main" val="1569820414"/>
+      </p:ext>
+    </p:extLst>
+  </p:cSld>
+  <p:clrMapOvr>
+    <a:masterClrMapping/>
+  </p:clrMapOvr>
+</p:sld>
+</file>
+
+<file path=ppt/slides/slide27.xml><?xml version="1.0" encoding="utf-8"?>
+<p:sld xmlns:a="http://schemas.openxmlformats.org/drawingml/2006/main" xmlns:r="http://schemas.openxmlformats.org/officeDocument/2006/relationships" xmlns:p="http://schemas.openxmlformats.org/presentationml/2006/main">
+  <p:cSld>
+    <p:spTree>
+      <p:nvGrpSpPr>
+        <p:cNvPr id="1" name=""/>
+        <p:cNvGrpSpPr/>
+        <p:nvPr/>
+      </p:nvGrpSpPr>
+      <p:grpSpPr>
+        <a:xfrm>
+          <a:off x="0" y="0"/>
+          <a:ext cx="0" cy="0"/>
+          <a:chOff x="0" y="0"/>
+          <a:chExt cx="0" cy="0"/>
+        </a:xfrm>
+      </p:grpSpPr>
+      <p:sp>
+        <p:nvSpPr>
+          <p:cNvPr id="2" name="Title 1">
+            <a:extLst>
+              <a:ext uri="{FF2B5EF4-FFF2-40B4-BE49-F238E27FC236}">
+                <a16:creationId xmlns:a16="http://schemas.microsoft.com/office/drawing/2014/main" xmlns="" id="{EA66DCE2-0D15-A9A5-D008-79CF91C006E8}"/>
+              </a:ext>
+            </a:extLst>
+          </p:cNvPr>
+          <p:cNvSpPr>
+            <a:spLocks noGrp="1"/>
+          </p:cNvSpPr>
+          <p:nvPr>
+            <p:ph type="title"/>
+          </p:nvPr>
+        </p:nvSpPr>
+        <p:spPr/>
+        <p:txBody>
+          <a:bodyPr/>
+          <a:lstStyle/>
+          <a:p>
+            <a:r>
+              <a:rPr lang="en-CA" dirty="0"/>
+              <a:t>Pt1: Accuracy</a:t>
+            </a:r>
+          </a:p>
+        </p:txBody>
+      </p:sp>
+      <p:sp>
+        <p:nvSpPr>
+          <p:cNvPr id="3" name="Content Placeholder 2">
+            <a:extLst>
+              <a:ext uri="{FF2B5EF4-FFF2-40B4-BE49-F238E27FC236}">
+                <a16:creationId xmlns:a16="http://schemas.microsoft.com/office/drawing/2014/main" xmlns="" id="{3B703B4A-21FA-59DD-61F7-0DF268B278C8}"/>
+              </a:ext>
+            </a:extLst>
+          </p:cNvPr>
+          <p:cNvSpPr>
+            <a:spLocks noGrp="1"/>
+          </p:cNvSpPr>
+          <p:nvPr>
+            <p:ph/>
+          </p:nvPr>
+        </p:nvSpPr>
+        <p:spPr>
+          <a:xfrm>
+            <a:off x="838079" y="1825560"/>
+            <a:ext cx="10515239" cy="4350960"/>
+          </a:xfrm>
+        </p:spPr>
+        <p:txBody>
+          <a:bodyPr>
+            <a:normAutofit fontScale="92500" lnSpcReduction="20000"/>
+          </a:bodyPr>
+          <a:lstStyle/>
+          <a:p>
+            <a:r>
+              <a:rPr lang="en-CA" dirty="0"/>
+              <a:t>Time invariance can be fixed by </a:t>
+            </a:r>
+            <a:r>
+              <a:rPr lang="en-CA" dirty="0" err="1"/>
+              <a:t>CrossCorrelation</a:t>
+            </a:r>
+            <a:r>
+              <a:rPr lang="en-CA" dirty="0"/>
+              <a:t> Shifting</a:t>
+            </a:r>
+          </a:p>
+          <a:p>
+            <a:pPr lvl="1"/>
+            <a:r>
+              <a:rPr lang="en-CA" dirty="0"/>
+              <a:t>Basically we slide one signal across the other, and for each point calculate the dot product. We then shift the sliding signal by the index of the highest dot product.</a:t>
+            </a:r>
+          </a:p>
+          <a:p>
+            <a:pPr lvl="1"/>
+            <a:r>
+              <a:rPr lang="en-CA" dirty="0"/>
+              <a:t>This allows us to align the signals in time before using a comparison algorithm to ensure time invariance</a:t>
+            </a:r>
+          </a:p>
+          <a:p>
+            <a:r>
+              <a:rPr lang="en-CA" dirty="0"/>
+              <a:t>Show comparison for: (sine, sawtooth, triangle, trapezoid)</a:t>
+            </a:r>
+          </a:p>
+          <a:p>
+            <a:r>
+              <a:rPr lang="en-CA" dirty="0"/>
+              <a:t>Unpredictable exponential fall is a little harder to fix</a:t>
+            </a:r>
+          </a:p>
+          <a:p>
+            <a:pPr lvl="1"/>
+            <a:r>
+              <a:rPr lang="en-CA" dirty="0"/>
+              <a:t>We need an algorithm that allows to a signal to be “faster” in the time domain the one we compare it against</a:t>
+            </a:r>
+          </a:p>
+          <a:p>
+            <a:r>
+              <a:rPr lang="en-CA" dirty="0"/>
+              <a:t>Enter Dynamic Time Warping</a:t>
+            </a:r>
+          </a:p>
+        </p:txBody>
+      </p:sp>
+    </p:spTree>
+    <p:extLst>
+      <p:ext uri="{BB962C8B-B14F-4D97-AF65-F5344CB8AC3E}">
+        <p14:creationId xmlns:p14="http://schemas.microsoft.com/office/powerpoint/2010/main" val="624293094"/>
+      </p:ext>
+    </p:extLst>
+  </p:cSld>
+  <p:clrMapOvr>
+    <a:masterClrMapping/>
+  </p:clrMapOvr>
+</p:sld>
+</file>
+
+<file path=ppt/slides/slide28.xml><?xml version="1.0" encoding="utf-8"?>
+<p:sld xmlns:a="http://schemas.openxmlformats.org/drawingml/2006/main" xmlns:r="http://schemas.openxmlformats.org/officeDocument/2006/relationships" xmlns:p="http://schemas.openxmlformats.org/presentationml/2006/main">
+  <p:cSld>
+    <p:spTree>
+      <p:nvGrpSpPr>
+        <p:cNvPr id="1" name=""/>
+        <p:cNvGrpSpPr/>
+        <p:nvPr/>
+      </p:nvGrpSpPr>
+      <p:grpSpPr>
+        <a:xfrm>
+          <a:off x="0" y="0"/>
+          <a:ext cx="0" cy="0"/>
+          <a:chOff x="0" y="0"/>
+          <a:chExt cx="0" cy="0"/>
+        </a:xfrm>
+      </p:grpSpPr>
+      <p:sp>
+        <p:nvSpPr>
+          <p:cNvPr id="2" name="Title 1">
+            <a:extLst>
+              <a:ext uri="{FF2B5EF4-FFF2-40B4-BE49-F238E27FC236}">
+                <a16:creationId xmlns:a16="http://schemas.microsoft.com/office/drawing/2014/main" xmlns="" id="{1C645DD8-C223-A0B1-46BB-603A0F817501}"/>
+              </a:ext>
+            </a:extLst>
+          </p:cNvPr>
+          <p:cNvSpPr>
+            <a:spLocks noGrp="1"/>
+          </p:cNvSpPr>
+          <p:nvPr>
+            <p:ph type="title"/>
+          </p:nvPr>
+        </p:nvSpPr>
+        <p:spPr/>
+        <p:txBody>
+          <a:bodyPr/>
+          <a:lstStyle/>
+          <a:p>
+            <a:r>
+              <a:rPr lang="en-CA" dirty="0"/>
+              <a:t>Dynamic Time Warping</a:t>
+            </a:r>
+          </a:p>
+        </p:txBody>
+      </p:sp>
+      <p:sp>
+        <p:nvSpPr>
+          <p:cNvPr id="3" name="Content Placeholder 2">
+            <a:extLst>
+              <a:ext uri="{FF2B5EF4-FFF2-40B4-BE49-F238E27FC236}">
+                <a16:creationId xmlns:a16="http://schemas.microsoft.com/office/drawing/2014/main" xmlns="" id="{5F408225-1C92-DA98-B675-FB211709AA47}"/>
+              </a:ext>
+            </a:extLst>
+          </p:cNvPr>
+          <p:cNvSpPr>
+            <a:spLocks noGrp="1"/>
+          </p:cNvSpPr>
+          <p:nvPr>
+            <p:ph/>
+          </p:nvPr>
+        </p:nvSpPr>
+        <p:spPr>
+          <a:xfrm>
+            <a:off x="838080" y="1825560"/>
+            <a:ext cx="10560544" cy="4350960"/>
+          </a:xfrm>
+        </p:spPr>
+        <p:txBody>
+          <a:bodyPr/>
+          <a:lstStyle/>
+          <a:p>
+            <a:r>
+              <a:rPr lang="en-CA" dirty="0"/>
+              <a:t>Explain Dynamic Time Warping</a:t>
+            </a:r>
+          </a:p>
+          <a:p>
+            <a:r>
+              <a:rPr lang="en-CA" dirty="0"/>
+              <a:t>Show why its needed for exponential pulses</a:t>
+            </a:r>
+          </a:p>
+          <a:p>
+            <a:r>
+              <a:rPr lang="en-CA" dirty="0"/>
+              <a:t>So clearly we need DTW, but </a:t>
+            </a:r>
+            <a:r>
+              <a:rPr lang="en-CA" dirty="0" err="1"/>
+              <a:t>theres</a:t>
+            </a:r>
+            <a:r>
+              <a:rPr lang="en-CA" dirty="0"/>
+              <a:t> one problem, its pretty slow</a:t>
+            </a:r>
+          </a:p>
+          <a:p>
+            <a:pPr lvl="1"/>
+            <a:r>
+              <a:rPr lang="en-CA" dirty="0"/>
+              <a:t>Can we accelerate it?</a:t>
+            </a:r>
+          </a:p>
+          <a:p>
+            <a:r>
+              <a:rPr lang="en-CA" dirty="0"/>
+              <a:t>Show the initial algorithm</a:t>
+            </a:r>
+          </a:p>
+          <a:p>
+            <a:pPr lvl="1"/>
+            <a:r>
+              <a:rPr lang="en-CA" dirty="0"/>
+              <a:t>3 stages, initialize array, gen costs, walk costs</a:t>
+            </a:r>
+          </a:p>
+          <a:p>
+            <a:pPr lvl="1"/>
+            <a:r>
+              <a:rPr lang="en-CA" dirty="0"/>
+              <a:t>Has an n^2 memory footprint</a:t>
+            </a:r>
+          </a:p>
+          <a:p>
+            <a:pPr lvl="1"/>
+            <a:r>
+              <a:rPr lang="en-CA" dirty="0"/>
+              <a:t>Has an 2n^2+2n runtime</a:t>
+            </a:r>
+          </a:p>
+          <a:p>
+            <a:pPr lvl="1"/>
+            <a:r>
+              <a:rPr lang="en-CA" dirty="0"/>
+              <a:t>Walking is inherently serial with speculative indexing</a:t>
+            </a:r>
+          </a:p>
+        </p:txBody>
+      </p:sp>
+    </p:spTree>
+    <p:extLst>
+      <p:ext uri="{BB962C8B-B14F-4D97-AF65-F5344CB8AC3E}">
+        <p14:creationId xmlns:p14="http://schemas.microsoft.com/office/powerpoint/2010/main" val="2520178878"/>
+      </p:ext>
+    </p:extLst>
+  </p:cSld>
+  <p:clrMapOvr>
+    <a:masterClrMapping/>
+  </p:clrMapOvr>
+</p:sld>
+</file>
+
+<file path=ppt/slides/slide29.xml><?xml version="1.0" encoding="utf-8"?>
+<p:sld xmlns:a="http://schemas.openxmlformats.org/drawingml/2006/main" xmlns:r="http://schemas.openxmlformats.org/officeDocument/2006/relationships" xmlns:p="http://schemas.openxmlformats.org/presentationml/2006/main">
+  <p:cSld>
+    <p:spTree>
+      <p:nvGrpSpPr>
+        <p:cNvPr id="1" name=""/>
+        <p:cNvGrpSpPr/>
+        <p:nvPr/>
+      </p:nvGrpSpPr>
+      <p:grpSpPr>
+        <a:xfrm>
+          <a:off x="0" y="0"/>
+          <a:ext cx="0" cy="0"/>
+          <a:chOff x="0" y="0"/>
+          <a:chExt cx="0" cy="0"/>
+        </a:xfrm>
+      </p:grpSpPr>
+      <p:sp>
+        <p:nvSpPr>
+          <p:cNvPr id="2" name="Title 1">
+            <a:extLst>
+              <a:ext uri="{FF2B5EF4-FFF2-40B4-BE49-F238E27FC236}">
+                <a16:creationId xmlns:a16="http://schemas.microsoft.com/office/drawing/2014/main" xmlns="" id="{207FAD43-79F8-386B-9B39-70DE936C3054}"/>
+              </a:ext>
+            </a:extLst>
+          </p:cNvPr>
+          <p:cNvSpPr>
+            <a:spLocks noGrp="1"/>
+          </p:cNvSpPr>
+          <p:nvPr>
+            <p:ph type="title"/>
+          </p:nvPr>
+        </p:nvSpPr>
+        <p:spPr/>
+        <p:txBody>
+          <a:bodyPr/>
+          <a:lstStyle/>
+          <a:p>
+            <a:r>
+              <a:rPr lang="en-CA" dirty="0"/>
+              <a:t>Pt2: Accelerate DTW</a:t>
+            </a:r>
+          </a:p>
+        </p:txBody>
+      </p:sp>
+      <p:sp>
+        <p:nvSpPr>
+          <p:cNvPr id="3" name="Content Placeholder 2">
+            <a:extLst>
+              <a:ext uri="{FF2B5EF4-FFF2-40B4-BE49-F238E27FC236}">
+                <a16:creationId xmlns:a16="http://schemas.microsoft.com/office/drawing/2014/main" xmlns="" id="{57F40735-4A4B-95F3-2379-F11B616288C3}"/>
+              </a:ext>
+            </a:extLst>
+          </p:cNvPr>
+          <p:cNvSpPr>
+            <a:spLocks noGrp="1"/>
+          </p:cNvSpPr>
+          <p:nvPr>
+            <p:ph/>
+          </p:nvPr>
+        </p:nvSpPr>
+        <p:spPr>
+          <a:xfrm>
+            <a:off x="838080" y="1825560"/>
+            <a:ext cx="10515240" cy="4350960"/>
+          </a:xfrm>
+        </p:spPr>
+        <p:txBody>
+          <a:bodyPr/>
+          <a:lstStyle/>
+          <a:p>
+            <a:r>
+              <a:rPr lang="en-CA" dirty="0"/>
+              <a:t>How can we accelerate this?</a:t>
+            </a:r>
+          </a:p>
+          <a:p>
+            <a:r>
+              <a:rPr lang="en-CA" dirty="0"/>
+              <a:t>Pt A: Basic accelerations</a:t>
+            </a:r>
+          </a:p>
+          <a:p>
+            <a:pPr lvl="1"/>
+            <a:r>
+              <a:rPr lang="en-CA" dirty="0"/>
+              <a:t>Like in GEMM, the result is not dependant on the order of the loops</a:t>
+            </a:r>
+          </a:p>
+          <a:p>
+            <a:pPr lvl="1"/>
+            <a:r>
+              <a:rPr lang="en-CA" dirty="0"/>
+              <a:t>In initialization, we don’t actually need initialize the entire array</a:t>
+            </a:r>
+          </a:p>
+          <a:p>
+            <a:pPr lvl="1"/>
+            <a:r>
+              <a:rPr lang="en-CA" dirty="0"/>
+              <a:t>Reduce the bit width of cost matrix</a:t>
+            </a:r>
+          </a:p>
+          <a:p>
+            <a:pPr lvl="2"/>
+            <a:r>
+              <a:rPr lang="en-CA" dirty="0"/>
+              <a:t>Exact result isn’t important, only that the results are comparable relative to one another</a:t>
+            </a:r>
+          </a:p>
+          <a:p>
+            <a:r>
+              <a:rPr lang="en-CA" dirty="0"/>
+              <a:t>Results of Pt A</a:t>
+            </a:r>
+          </a:p>
+        </p:txBody>
+      </p:sp>
+    </p:spTree>
+    <p:extLst>
+      <p:ext uri="{BB962C8B-B14F-4D97-AF65-F5344CB8AC3E}">
+        <p14:creationId xmlns:p14="http://schemas.microsoft.com/office/powerpoint/2010/main" val="1660271386"/>
       </p:ext>
     </p:extLst>
   </p:cSld>
@@ -7158,10 +13747,92 @@
       </p:grpSpPr>
       <p:sp>
         <p:nvSpPr>
+          <p:cNvPr id="2" name="Title 1"/>
+          <p:cNvSpPr>
+            <a:spLocks noGrp="1"/>
+          </p:cNvSpPr>
+          <p:nvPr>
+            <p:ph type="title"/>
+          </p:nvPr>
+        </p:nvSpPr>
+        <p:spPr/>
+        <p:txBody>
+          <a:bodyPr/>
+          <a:lstStyle/>
+          <a:p>
+            <a:r>
+              <a:rPr lang="en-US" dirty="0" smtClean="0"/>
+              <a:t>What Is Hardware In The Loop Testing?</a:t>
+            </a:r>
+            <a:endParaRPr lang="en-CA" dirty="0"/>
+          </a:p>
+        </p:txBody>
+      </p:sp>
+      <p:pic>
+        <p:nvPicPr>
+          <p:cNvPr id="4" name="Content Placeholder 3"/>
+          <p:cNvPicPr>
+            <a:picLocks noGrp="1" noChangeAspect="1"/>
+          </p:cNvPicPr>
+          <p:nvPr>
+            <p:ph/>
+          </p:nvPr>
+        </p:nvPicPr>
+        <p:blipFill>
+          <a:blip r:embed="rId3">
+            <a:extLst>
+              <a:ext uri="{28A0092B-C50C-407E-A947-70E740481C1C}">
+                <a14:useLocalDpi xmlns:a14="http://schemas.microsoft.com/office/drawing/2010/main" val="0"/>
+              </a:ext>
+            </a:extLst>
+          </a:blip>
+          <a:stretch>
+            <a:fillRect/>
+          </a:stretch>
+        </p:blipFill>
+        <p:spPr>
+          <a:xfrm>
+            <a:off x="4469827" y="1690200"/>
+            <a:ext cx="3238167" cy="2156619"/>
+          </a:xfrm>
+        </p:spPr>
+      </p:pic>
+    </p:spTree>
+    <p:extLst>
+      <p:ext uri="{BB962C8B-B14F-4D97-AF65-F5344CB8AC3E}">
+        <p14:creationId xmlns:p14="http://schemas.microsoft.com/office/powerpoint/2010/main" val="1866320966"/>
+      </p:ext>
+    </p:extLst>
+  </p:cSld>
+  <p:clrMapOvr>
+    <a:masterClrMapping/>
+  </p:clrMapOvr>
+</p:sld>
+</file>
+
+<file path=ppt/slides/slide30.xml><?xml version="1.0" encoding="utf-8"?>
+<p:sld xmlns:a="http://schemas.openxmlformats.org/drawingml/2006/main" xmlns:r="http://schemas.openxmlformats.org/officeDocument/2006/relationships" xmlns:p="http://schemas.openxmlformats.org/presentationml/2006/main">
+  <p:cSld>
+    <p:spTree>
+      <p:nvGrpSpPr>
+        <p:cNvPr id="1" name=""/>
+        <p:cNvGrpSpPr/>
+        <p:nvPr/>
+      </p:nvGrpSpPr>
+      <p:grpSpPr>
+        <a:xfrm>
+          <a:off x="0" y="0"/>
+          <a:ext cx="0" cy="0"/>
+          <a:chOff x="0" y="0"/>
+          <a:chExt cx="0" cy="0"/>
+        </a:xfrm>
+      </p:grpSpPr>
+      <p:sp>
+        <p:nvSpPr>
           <p:cNvPr id="2" name="Title 1">
             <a:extLst>
               <a:ext uri="{FF2B5EF4-FFF2-40B4-BE49-F238E27FC236}">
-                <a16:creationId xmlns:a16="http://schemas.microsoft.com/office/drawing/2014/main" id="{0AE942EE-7A75-FA05-BC22-A0019D3A5850}"/>
+                <a16:creationId xmlns:a16="http://schemas.microsoft.com/office/drawing/2014/main" xmlns="" id="{36654AF0-64B3-F2E5-7384-E4DEEDAE32E3}"/>
               </a:ext>
             </a:extLst>
           </p:cNvPr>
@@ -7179,7 +13850,7 @@
           <a:p>
             <a:r>
               <a:rPr lang="en-CA" dirty="0"/>
-              <a:t>Plan</a:t>
+              <a:t>Pt2: Accelerate DTW</a:t>
             </a:r>
           </a:p>
         </p:txBody>
@@ -7189,7 +13860,7 @@
           <p:cNvPr id="3" name="Content Placeholder 2">
             <a:extLst>
               <a:ext uri="{FF2B5EF4-FFF2-40B4-BE49-F238E27FC236}">
-                <a16:creationId xmlns:a16="http://schemas.microsoft.com/office/drawing/2014/main" id="{CA43FFA3-3C5B-4C30-2745-4FD2980F7D5B}"/>
+                <a16:creationId xmlns:a16="http://schemas.microsoft.com/office/drawing/2014/main" xmlns="" id="{09292211-FAFC-8FAB-F61F-143D16FA6345}"/>
               </a:ext>
             </a:extLst>
           </p:cNvPr>
@@ -7212,44 +13883,55 @@
           <a:p>
             <a:r>
               <a:rPr lang="en-CA" dirty="0"/>
-              <a:t>Enter DSL</a:t>
+              <a:t>Pt B: Multithreading</a:t>
             </a:r>
           </a:p>
           <a:p>
             <a:pPr lvl="1"/>
             <a:r>
               <a:rPr lang="en-CA" dirty="0"/>
-              <a:t>Lets write a DSL that reads like a test plan but can run these tests automatically</a:t>
+              <a:t>Can we multithread the initialization or cost gen?</a:t>
             </a:r>
           </a:p>
           <a:p>
             <a:pPr lvl="1"/>
             <a:r>
               <a:rPr lang="en-CA" dirty="0"/>
-              <a:t>This way the physicists don’t need to learn complex code</a:t>
-            </a:r>
-          </a:p>
-          <a:p>
+              <a:t>Initialization is entirely independent, so multithreading is trivial</a:t>
+            </a:r>
+          </a:p>
+          <a:p>
+            <a:pPr lvl="1"/>
             <a:r>
               <a:rPr lang="en-CA" dirty="0"/>
-              <a:t>The thesis paper:</a:t>
+              <a:t>Cost gen unfortunately has dependencies, diagonals require the results of the entire upper matrix (Show block A)</a:t>
             </a:r>
           </a:p>
           <a:p>
             <a:pPr lvl="1"/>
             <a:r>
               <a:rPr lang="en-CA" dirty="0"/>
-              <a:t>They describe HIL as having X parts</a:t>
+              <a:t>We can’t thread the diagonals since one would have to completely finished before another begins (Show block A)</a:t>
             </a:r>
           </a:p>
           <a:p>
             <a:pPr lvl="1"/>
             <a:r>
               <a:rPr lang="en-CA" dirty="0"/>
-              <a:t>Setting signals is fairly easy, so for this project, I’ll be focusing on the signal comparison problem</a:t>
-            </a:r>
-          </a:p>
-          <a:p>
+              <a:t>We could however multithread rows and columns dependently (Show block B)</a:t>
+            </a:r>
+          </a:p>
+          <a:p>
+            <a:pPr lvl="1"/>
+            <a:r>
+              <a:rPr lang="en-CA" dirty="0"/>
+              <a:t>This would allow 2 threads to run together. #0 starts, signals #1 after the first element is calculated, and so on…</a:t>
+            </a:r>
+          </a:p>
+          <a:p>
+            <a:pPr marL="457200" lvl="1" indent="0">
+              <a:buNone/>
+            </a:pPr>
             <a:endParaRPr lang="en-CA" dirty="0"/>
           </a:p>
         </p:txBody>
@@ -7257,7 +13939,384 @@
     </p:spTree>
     <p:extLst>
       <p:ext uri="{BB962C8B-B14F-4D97-AF65-F5344CB8AC3E}">
-        <p14:creationId xmlns:p14="http://schemas.microsoft.com/office/powerpoint/2010/main" val="4184953840"/>
+        <p14:creationId xmlns:p14="http://schemas.microsoft.com/office/powerpoint/2010/main" val="1568111401"/>
+      </p:ext>
+    </p:extLst>
+  </p:cSld>
+  <p:clrMapOvr>
+    <a:masterClrMapping/>
+  </p:clrMapOvr>
+</p:sld>
+</file>
+
+<file path=ppt/slides/slide31.xml><?xml version="1.0" encoding="utf-8"?>
+<p:sld xmlns:a="http://schemas.openxmlformats.org/drawingml/2006/main" xmlns:r="http://schemas.openxmlformats.org/officeDocument/2006/relationships" xmlns:p="http://schemas.openxmlformats.org/presentationml/2006/main">
+  <p:cSld>
+    <p:spTree>
+      <p:nvGrpSpPr>
+        <p:cNvPr id="1" name=""/>
+        <p:cNvGrpSpPr/>
+        <p:nvPr/>
+      </p:nvGrpSpPr>
+      <p:grpSpPr>
+        <a:xfrm>
+          <a:off x="0" y="0"/>
+          <a:ext cx="0" cy="0"/>
+          <a:chOff x="0" y="0"/>
+          <a:chExt cx="0" cy="0"/>
+        </a:xfrm>
+      </p:grpSpPr>
+      <p:sp>
+        <p:nvSpPr>
+          <p:cNvPr id="2" name="Title 1">
+            <a:extLst>
+              <a:ext uri="{FF2B5EF4-FFF2-40B4-BE49-F238E27FC236}">
+                <a16:creationId xmlns:a16="http://schemas.microsoft.com/office/drawing/2014/main" xmlns="" id="{D963EA55-E26A-4E46-8C8B-B09495D92C59}"/>
+              </a:ext>
+            </a:extLst>
+          </p:cNvPr>
+          <p:cNvSpPr>
+            <a:spLocks noGrp="1"/>
+          </p:cNvSpPr>
+          <p:nvPr>
+            <p:ph type="title"/>
+          </p:nvPr>
+        </p:nvSpPr>
+        <p:spPr/>
+        <p:txBody>
+          <a:bodyPr/>
+          <a:lstStyle/>
+          <a:p>
+            <a:r>
+              <a:rPr lang="en-CA" dirty="0"/>
+              <a:t>Pt2: Accelerate DTW</a:t>
+            </a:r>
+          </a:p>
+        </p:txBody>
+      </p:sp>
+      <p:sp>
+        <p:nvSpPr>
+          <p:cNvPr id="3" name="Content Placeholder 2">
+            <a:extLst>
+              <a:ext uri="{FF2B5EF4-FFF2-40B4-BE49-F238E27FC236}">
+                <a16:creationId xmlns:a16="http://schemas.microsoft.com/office/drawing/2014/main" xmlns="" id="{416F1642-24A0-048E-B517-D02A9A2B3A30}"/>
+              </a:ext>
+            </a:extLst>
+          </p:cNvPr>
+          <p:cNvSpPr>
+            <a:spLocks noGrp="1"/>
+          </p:cNvSpPr>
+          <p:nvPr>
+            <p:ph/>
+          </p:nvPr>
+        </p:nvSpPr>
+        <p:spPr>
+          <a:xfrm>
+            <a:off x="838079" y="1825560"/>
+            <a:ext cx="10515239" cy="4350960"/>
+          </a:xfrm>
+        </p:spPr>
+        <p:txBody>
+          <a:bodyPr>
+            <a:normAutofit fontScale="92500" lnSpcReduction="20000"/>
+          </a:bodyPr>
+          <a:lstStyle/>
+          <a:p>
+            <a:r>
+              <a:rPr lang="en-CA" dirty="0"/>
+              <a:t>This introduces a new issue however, row threads have great cache locality, but column threads don’t</a:t>
+            </a:r>
+          </a:p>
+          <a:p>
+            <a:r>
+              <a:rPr lang="en-CA" dirty="0"/>
+              <a:t>What if we reorder the how the matrix is stored in memory to fix this issue?</a:t>
+            </a:r>
+          </a:p>
+          <a:p>
+            <a:pPr lvl="1"/>
+            <a:r>
+              <a:rPr lang="en-CA" dirty="0"/>
+              <a:t>Now we have good cache locality for both row and column threads</a:t>
+            </a:r>
+          </a:p>
+          <a:p>
+            <a:r>
+              <a:rPr lang="en-CA" dirty="0"/>
+              <a:t>We could also block the matrix and run threads on individual blocks</a:t>
+            </a:r>
+          </a:p>
+          <a:p>
+            <a:pPr lvl="1"/>
+            <a:r>
+              <a:rPr lang="en-CA" dirty="0"/>
+              <a:t>This would change our data dependencies (show block A)</a:t>
+            </a:r>
+          </a:p>
+          <a:p>
+            <a:pPr lvl="1"/>
+            <a:r>
+              <a:rPr lang="en-CA" dirty="0"/>
+              <a:t>This would also require a different matrix memory mapping to keep cache locality high</a:t>
+            </a:r>
+          </a:p>
+          <a:p>
+            <a:pPr lvl="1"/>
+            <a:r>
+              <a:rPr lang="en-CA" dirty="0"/>
+              <a:t>We are no longer restricted to only 2 threads</a:t>
+            </a:r>
+          </a:p>
+          <a:p>
+            <a:pPr lvl="1"/>
+            <a:r>
+              <a:rPr lang="en-CA" dirty="0"/>
+              <a:t>This blocking and thread performance comparison is yet to be implemented but I aim to for the end of the project</a:t>
+            </a:r>
+          </a:p>
+        </p:txBody>
+      </p:sp>
+    </p:spTree>
+    <p:extLst>
+      <p:ext uri="{BB962C8B-B14F-4D97-AF65-F5344CB8AC3E}">
+        <p14:creationId xmlns:p14="http://schemas.microsoft.com/office/powerpoint/2010/main" val="1862954176"/>
+      </p:ext>
+    </p:extLst>
+  </p:cSld>
+  <p:clrMapOvr>
+    <a:masterClrMapping/>
+  </p:clrMapOvr>
+</p:sld>
+</file>
+
+<file path=ppt/slides/slide32.xml><?xml version="1.0" encoding="utf-8"?>
+<p:sld xmlns:a="http://schemas.openxmlformats.org/drawingml/2006/main" xmlns:r="http://schemas.openxmlformats.org/officeDocument/2006/relationships" xmlns:p="http://schemas.openxmlformats.org/presentationml/2006/main">
+  <p:cSld>
+    <p:spTree>
+      <p:nvGrpSpPr>
+        <p:cNvPr id="1" name=""/>
+        <p:cNvGrpSpPr/>
+        <p:nvPr/>
+      </p:nvGrpSpPr>
+      <p:grpSpPr>
+        <a:xfrm>
+          <a:off x="0" y="0"/>
+          <a:ext cx="0" cy="0"/>
+          <a:chOff x="0" y="0"/>
+          <a:chExt cx="0" cy="0"/>
+        </a:xfrm>
+      </p:grpSpPr>
+      <p:sp>
+        <p:nvSpPr>
+          <p:cNvPr id="2" name="Title 1"/>
+          <p:cNvSpPr>
+            <a:spLocks noGrp="1"/>
+          </p:cNvSpPr>
+          <p:nvPr>
+            <p:ph type="title"/>
+          </p:nvPr>
+        </p:nvSpPr>
+        <p:spPr/>
+        <p:txBody>
+          <a:bodyPr/>
+          <a:lstStyle/>
+          <a:p>
+            <a:r>
+              <a:rPr lang="en-CA" dirty="0"/>
+              <a:t>Questions?</a:t>
+            </a:r>
+          </a:p>
+        </p:txBody>
+      </p:sp>
+    </p:spTree>
+    <p:extLst>
+      <p:ext uri="{BB962C8B-B14F-4D97-AF65-F5344CB8AC3E}">
+        <p14:creationId xmlns:p14="http://schemas.microsoft.com/office/powerpoint/2010/main" val="2867877443"/>
+      </p:ext>
+    </p:extLst>
+  </p:cSld>
+  <p:clrMapOvr>
+    <a:masterClrMapping/>
+  </p:clrMapOvr>
+</p:sld>
+</file>
+
+<file path=ppt/slides/slide33.xml><?xml version="1.0" encoding="utf-8"?>
+<p:sld xmlns:a="http://schemas.openxmlformats.org/drawingml/2006/main" xmlns:r="http://schemas.openxmlformats.org/officeDocument/2006/relationships" xmlns:p="http://schemas.openxmlformats.org/presentationml/2006/main">
+  <p:cSld>
+    <p:spTree>
+      <p:nvGrpSpPr>
+        <p:cNvPr id="1" name=""/>
+        <p:cNvGrpSpPr/>
+        <p:nvPr/>
+      </p:nvGrpSpPr>
+      <p:grpSpPr>
+        <a:xfrm>
+          <a:off x="0" y="0"/>
+          <a:ext cx="0" cy="0"/>
+          <a:chOff x="0" y="0"/>
+          <a:chExt cx="0" cy="0"/>
+        </a:xfrm>
+      </p:grpSpPr>
+      <p:sp>
+        <p:nvSpPr>
+          <p:cNvPr id="2" name="Title 1"/>
+          <p:cNvSpPr>
+            <a:spLocks noGrp="1"/>
+          </p:cNvSpPr>
+          <p:nvPr>
+            <p:ph type="title"/>
+          </p:nvPr>
+        </p:nvSpPr>
+        <p:spPr/>
+        <p:txBody>
+          <a:bodyPr/>
+          <a:lstStyle/>
+          <a:p>
+            <a:r>
+              <a:rPr lang="en-US" dirty="0" smtClean="0"/>
+              <a:t>References</a:t>
+            </a:r>
+            <a:endParaRPr lang="en-CA" dirty="0"/>
+          </a:p>
+        </p:txBody>
+      </p:sp>
+      <p:sp>
+        <p:nvSpPr>
+          <p:cNvPr id="3" name="Content Placeholder 2"/>
+          <p:cNvSpPr>
+            <a:spLocks noGrp="1"/>
+          </p:cNvSpPr>
+          <p:nvPr>
+            <p:ph/>
+          </p:nvPr>
+        </p:nvSpPr>
+        <p:spPr>
+          <a:xfrm>
+            <a:off x="838080" y="1825560"/>
+            <a:ext cx="10515240" cy="4350960"/>
+          </a:xfrm>
+        </p:spPr>
+        <p:txBody>
+          <a:bodyPr/>
+          <a:lstStyle/>
+          <a:p>
+            <a:r>
+              <a:rPr lang="en-CA" dirty="0" smtClean="0"/>
+              <a:t>D. </a:t>
+            </a:r>
+            <a:r>
+              <a:rPr lang="en-CA" dirty="0" err="1" smtClean="0"/>
+              <a:t>Thönnessen</a:t>
+            </a:r>
+            <a:r>
+              <a:rPr lang="en-CA" dirty="0"/>
+              <a:t>, </a:t>
+            </a:r>
+            <a:r>
+              <a:rPr lang="en-CA" dirty="0" smtClean="0"/>
+              <a:t>“</a:t>
+            </a:r>
+            <a:r>
+              <a:rPr lang="en-US" dirty="0"/>
+              <a:t>Hardware-in-the-Loop testing of industrial automation systems using PLC </a:t>
+            </a:r>
+            <a:r>
+              <a:rPr lang="en-US" dirty="0" smtClean="0"/>
+              <a:t>languages,</a:t>
+            </a:r>
+            <a:r>
+              <a:rPr lang="en-CA" dirty="0" smtClean="0"/>
+              <a:t>” </a:t>
+            </a:r>
+            <a:r>
+              <a:rPr lang="en-CA" dirty="0"/>
+              <a:t>Dissertation, RWTH Aachen University, </a:t>
+            </a:r>
+            <a:r>
+              <a:rPr lang="en-CA" dirty="0" smtClean="0"/>
+              <a:t>2021, </a:t>
+            </a:r>
+            <a:r>
+              <a:rPr lang="en-CA" dirty="0" err="1" smtClean="0"/>
+              <a:t>doi</a:t>
+            </a:r>
+            <a:r>
+              <a:rPr lang="en-CA" dirty="0" smtClean="0"/>
+              <a:t>: 10.18154/RWTH-2021-08705</a:t>
+            </a:r>
+          </a:p>
+          <a:p>
+            <a:r>
+              <a:rPr lang="en-CA" dirty="0" smtClean="0"/>
+              <a:t>D</a:t>
+            </a:r>
+            <a:r>
+              <a:rPr lang="en-CA" dirty="0"/>
+              <a:t>. </a:t>
+            </a:r>
+            <a:r>
+              <a:rPr lang="en-CA" dirty="0" err="1"/>
+              <a:t>Thönnessen</a:t>
+            </a:r>
+            <a:r>
+              <a:rPr lang="en-CA" dirty="0"/>
+              <a:t>, N. </a:t>
+            </a:r>
+            <a:r>
+              <a:rPr lang="en-CA" dirty="0" err="1"/>
+              <a:t>Reinker</a:t>
+            </a:r>
+            <a:r>
+              <a:rPr lang="en-CA" dirty="0"/>
+              <a:t>, S. </a:t>
+            </a:r>
+            <a:r>
+              <a:rPr lang="en-CA" dirty="0" err="1"/>
+              <a:t>Rakel</a:t>
+            </a:r>
+            <a:r>
+              <a:rPr lang="en-CA" dirty="0"/>
+              <a:t> and S. </a:t>
+            </a:r>
+            <a:r>
+              <a:rPr lang="en-CA" dirty="0" err="1"/>
+              <a:t>Kowalewski</a:t>
+            </a:r>
+            <a:r>
+              <a:rPr lang="en-CA" dirty="0"/>
+              <a:t>, "A concept for PLC hardware-in-the-loop testing using an extension of structured text," </a:t>
+            </a:r>
+            <a:r>
+              <a:rPr lang="en-CA" i="1" dirty="0"/>
+              <a:t>2017 22nd IEEE International Conference on Emerging Technologies and Factory Automation (ETFA)</a:t>
+            </a:r>
+            <a:r>
+              <a:rPr lang="en-CA" dirty="0"/>
+              <a:t>, Limassol, Cyprus, 2017, pp. 1-8, </a:t>
+            </a:r>
+            <a:r>
+              <a:rPr lang="en-CA" dirty="0" err="1"/>
+              <a:t>doi</a:t>
+            </a:r>
+            <a:r>
+              <a:rPr lang="en-CA" dirty="0"/>
+              <a:t>: 10.1109/ETFA.2017.8247580</a:t>
+            </a:r>
+            <a:r>
+              <a:rPr lang="en-CA" dirty="0" smtClean="0"/>
+              <a:t>.</a:t>
+            </a:r>
+          </a:p>
+          <a:p>
+            <a:endParaRPr lang="en-CA" dirty="0"/>
+          </a:p>
+        </p:txBody>
+      </p:sp>
+    </p:spTree>
+    <p:extLst>
+      <p:ext uri="{BB962C8B-B14F-4D97-AF65-F5344CB8AC3E}">
+        <p14:creationId xmlns:p14="http://schemas.microsoft.com/office/powerpoint/2010/main" val="3140747696"/>
       </p:ext>
     </p:extLst>
   </p:cSld>
@@ -7286,142 +14345,200 @@
       </p:grpSpPr>
       <p:sp>
         <p:nvSpPr>
-          <p:cNvPr id="2" name="Title 1">
+          <p:cNvPr id="2" name="Title 1"/>
+          <p:cNvSpPr>
+            <a:spLocks noGrp="1"/>
+          </p:cNvSpPr>
+          <p:nvPr>
+            <p:ph type="title"/>
+          </p:nvPr>
+        </p:nvSpPr>
+        <p:spPr/>
+        <p:txBody>
+          <a:bodyPr/>
+          <a:lstStyle/>
+          <a:p>
+            <a:r>
+              <a:rPr lang="en-US" dirty="0" smtClean="0"/>
+              <a:t>What Is Hardware In The Loop Testing?</a:t>
+            </a:r>
+            <a:endParaRPr lang="en-CA" dirty="0"/>
+          </a:p>
+        </p:txBody>
+      </p:sp>
+      <p:pic>
+        <p:nvPicPr>
+          <p:cNvPr id="4" name="Content Placeholder 3"/>
+          <p:cNvPicPr>
+            <a:picLocks noGrp="1" noChangeAspect="1"/>
+          </p:cNvPicPr>
+          <p:nvPr>
+            <p:ph/>
+          </p:nvPr>
+        </p:nvPicPr>
+        <p:blipFill>
+          <a:blip r:embed="rId3">
             <a:extLst>
-              <a:ext uri="{FF2B5EF4-FFF2-40B4-BE49-F238E27FC236}">
-                <a16:creationId xmlns:a16="http://schemas.microsoft.com/office/drawing/2014/main" id="{F6D9174A-C2D3-CA16-CD7A-FD67C60EF02A}"/>
+              <a:ext uri="{28A0092B-C50C-407E-A947-70E740481C1C}">
+                <a14:useLocalDpi xmlns:a14="http://schemas.microsoft.com/office/drawing/2010/main" val="0"/>
               </a:ext>
             </a:extLst>
-          </p:cNvPr>
-          <p:cNvSpPr>
-            <a:spLocks noGrp="1"/>
-          </p:cNvSpPr>
-          <p:nvPr>
-            <p:ph type="title"/>
-          </p:nvPr>
-        </p:nvSpPr>
-        <p:spPr/>
-        <p:txBody>
-          <a:bodyPr/>
-          <a:lstStyle/>
-          <a:p>
-            <a:r>
-              <a:rPr lang="en-CA" dirty="0"/>
-              <a:t>Plan</a:t>
-            </a:r>
-          </a:p>
-        </p:txBody>
-      </p:sp>
-      <p:sp>
-        <p:nvSpPr>
-          <p:cNvPr id="3" name="Content Placeholder 2">
+          </a:blip>
+          <a:stretch>
+            <a:fillRect/>
+          </a:stretch>
+        </p:blipFill>
+        <p:spPr>
+          <a:xfrm>
+            <a:off x="4469827" y="1690200"/>
+            <a:ext cx="3238167" cy="2156619"/>
+          </a:xfrm>
+        </p:spPr>
+      </p:pic>
+      <p:pic>
+        <p:nvPicPr>
+          <p:cNvPr id="7" name="Picture 6"/>
+          <p:cNvPicPr>
+            <a:picLocks noChangeAspect="1"/>
+          </p:cNvPicPr>
+          <p:nvPr/>
+        </p:nvPicPr>
+        <p:blipFill>
+          <a:blip r:embed="rId4" cstate="print">
             <a:extLst>
-              <a:ext uri="{FF2B5EF4-FFF2-40B4-BE49-F238E27FC236}">
-                <a16:creationId xmlns:a16="http://schemas.microsoft.com/office/drawing/2014/main" id="{4D1F4A3F-2CD7-BF8D-F663-B2EE5C4E5892}"/>
+              <a:ext uri="{28A0092B-C50C-407E-A947-70E740481C1C}">
+                <a14:useLocalDpi xmlns:a14="http://schemas.microsoft.com/office/drawing/2010/main" val="0"/>
               </a:ext>
             </a:extLst>
-          </p:cNvPr>
-          <p:cNvSpPr>
-            <a:spLocks noGrp="1"/>
-          </p:cNvSpPr>
-          <p:nvPr>
-            <p:ph/>
-          </p:nvPr>
-        </p:nvSpPr>
+          </a:blip>
+          <a:stretch>
+            <a:fillRect/>
+          </a:stretch>
+        </p:blipFill>
         <p:spPr>
           <a:xfrm>
-            <a:off x="838079" y="1825560"/>
-            <a:ext cx="10515239" cy="4350960"/>
-          </a:xfrm>
-        </p:spPr>
-        <p:txBody>
-          <a:bodyPr>
-            <a:normAutofit lnSpcReduction="10000"/>
-          </a:bodyPr>
-          <a:lstStyle/>
-          <a:p>
-            <a:r>
-              <a:rPr lang="en-CA" dirty="0"/>
-              <a:t>Signal Comparison Related work:</a:t>
-            </a:r>
-          </a:p>
-          <a:p>
-            <a:pPr lvl="1"/>
-            <a:r>
-              <a:rPr lang="en-CA" dirty="0"/>
-              <a:t>WCOMP paper</a:t>
-            </a:r>
-          </a:p>
-          <a:p>
-            <a:pPr lvl="1"/>
-            <a:r>
-              <a:rPr lang="en-CA" dirty="0"/>
-              <a:t>Set Match paper</a:t>
-            </a:r>
-          </a:p>
-          <a:p>
-            <a:pPr lvl="1"/>
-            <a:r>
-              <a:rPr lang="en-CA" dirty="0"/>
-              <a:t>All of these papers focus on matching of simple digital signals (PWM type), mainly for digital ASIC testing</a:t>
-            </a:r>
-          </a:p>
-          <a:p>
-            <a:pPr lvl="1"/>
-            <a:r>
-              <a:rPr lang="en-CA" dirty="0"/>
-              <a:t>We want to find algorithms for a wider range of signals (constant, </a:t>
-            </a:r>
-            <a:r>
-              <a:rPr lang="en-CA" dirty="0" err="1"/>
-              <a:t>pwm</a:t>
-            </a:r>
-            <a:r>
-              <a:rPr lang="en-CA" dirty="0"/>
-              <a:t>, sine, sawtooth, triangle, trapezoid)</a:t>
-            </a:r>
-          </a:p>
-          <a:p>
-            <a:pPr lvl="1"/>
-            <a:r>
-              <a:rPr lang="en-CA" dirty="0"/>
-              <a:t>The next problem:</a:t>
-            </a:r>
-          </a:p>
-          <a:p>
-            <a:pPr lvl="2"/>
-            <a:r>
-              <a:rPr lang="en-CA" dirty="0"/>
-              <a:t>On MIST, our board measures radiation events, which produce exponential pulses</a:t>
-            </a:r>
-          </a:p>
-          <a:p>
-            <a:pPr lvl="2"/>
-            <a:r>
-              <a:rPr lang="en-CA" dirty="0"/>
-              <a:t>While these pulses can be digitized, they are far from basic PWM</a:t>
-            </a:r>
-          </a:p>
-          <a:p>
-            <a:pPr lvl="2"/>
-            <a:r>
-              <a:rPr lang="en-CA" dirty="0"/>
-              <a:t>More-over, the pulses are driven by this equation, where alpha and beta are values which we don’t necessarily know at the time of testing</a:t>
-            </a:r>
-          </a:p>
-          <a:p>
-            <a:pPr lvl="2"/>
-            <a:r>
-              <a:rPr lang="en-CA" dirty="0"/>
-              <a:t>Can we find a set of signal matching algorithms that are both accurate and fast?</a:t>
-            </a:r>
+            <a:off x="9039092" y="4498463"/>
+            <a:ext cx="2923914" cy="1881051"/>
+          </a:xfrm>
+          <a:prstGeom prst="rect">
+            <a:avLst/>
+          </a:prstGeom>
+        </p:spPr>
+      </p:pic>
+      <p:sp>
+        <p:nvSpPr>
+          <p:cNvPr id="10" name="Right Arrow 9"/>
+          <p:cNvSpPr/>
+          <p:nvPr/>
+        </p:nvSpPr>
+        <p:spPr>
+          <a:xfrm rot="12796310">
+            <a:off x="7255454" y="4068741"/>
+            <a:ext cx="1833592" cy="365760"/>
+          </a:xfrm>
+          <a:prstGeom prst="rightArrow">
+            <a:avLst/>
+          </a:prstGeom>
+        </p:spPr>
+        <p:style>
+          <a:lnRef idx="2">
+            <a:schemeClr val="accent1">
+              <a:shade val="50000"/>
+            </a:schemeClr>
+          </a:lnRef>
+          <a:fillRef idx="1">
+            <a:schemeClr val="accent1"/>
+          </a:fillRef>
+          <a:effectRef idx="0">
+            <a:schemeClr val="accent1"/>
+          </a:effectRef>
+          <a:fontRef idx="minor">
+            <a:schemeClr val="lt1"/>
+          </a:fontRef>
+        </p:style>
+        <p:txBody>
+          <a:bodyPr rtlCol="0" anchor="ctr"/>
+          <a:lstStyle/>
+          <a:p>
+            <a:pPr algn="ctr"/>
+            <a:endParaRPr lang="en-CA"/>
+          </a:p>
+        </p:txBody>
+      </p:sp>
+      <p:pic>
+        <p:nvPicPr>
+          <p:cNvPr id="3" name="Picture 2"/>
+          <p:cNvPicPr>
+            <a:picLocks noChangeAspect="1"/>
+          </p:cNvPicPr>
+          <p:nvPr/>
+        </p:nvPicPr>
+        <p:blipFill>
+          <a:blip r:embed="rId5">
+            <a:extLst>
+              <a:ext uri="{28A0092B-C50C-407E-A947-70E740481C1C}">
+                <a14:useLocalDpi xmlns:a14="http://schemas.microsoft.com/office/drawing/2010/main" val="0"/>
+              </a:ext>
+            </a:extLst>
+          </a:blip>
+          <a:stretch>
+            <a:fillRect/>
+          </a:stretch>
+        </p:blipFill>
+        <p:spPr>
+          <a:xfrm>
+            <a:off x="511983" y="3653731"/>
+            <a:ext cx="2725783" cy="2725783"/>
+          </a:xfrm>
+          <a:prstGeom prst="rect">
+            <a:avLst/>
+          </a:prstGeom>
+        </p:spPr>
+      </p:pic>
+      <p:sp>
+        <p:nvSpPr>
+          <p:cNvPr id="15" name="Right Arrow 14"/>
+          <p:cNvSpPr/>
+          <p:nvPr/>
+        </p:nvSpPr>
+        <p:spPr>
+          <a:xfrm rot="9099160">
+            <a:off x="3066154" y="4009133"/>
+            <a:ext cx="1833592" cy="365760"/>
+          </a:xfrm>
+          <a:prstGeom prst="rightArrow">
+            <a:avLst/>
+          </a:prstGeom>
+        </p:spPr>
+        <p:style>
+          <a:lnRef idx="2">
+            <a:schemeClr val="accent1">
+              <a:shade val="50000"/>
+            </a:schemeClr>
+          </a:lnRef>
+          <a:fillRef idx="1">
+            <a:schemeClr val="accent1"/>
+          </a:fillRef>
+          <a:effectRef idx="0">
+            <a:schemeClr val="accent1"/>
+          </a:effectRef>
+          <a:fontRef idx="minor">
+            <a:schemeClr val="lt1"/>
+          </a:fontRef>
+        </p:style>
+        <p:txBody>
+          <a:bodyPr rtlCol="0" anchor="ctr"/>
+          <a:lstStyle/>
+          <a:p>
+            <a:pPr algn="ctr"/>
+            <a:endParaRPr lang="en-CA"/>
           </a:p>
         </p:txBody>
       </p:sp>
     </p:spTree>
     <p:extLst>
       <p:ext uri="{BB962C8B-B14F-4D97-AF65-F5344CB8AC3E}">
-        <p14:creationId xmlns:p14="http://schemas.microsoft.com/office/powerpoint/2010/main" val="1569820414"/>
+        <p14:creationId xmlns:p14="http://schemas.microsoft.com/office/powerpoint/2010/main" val="3201036088"/>
       </p:ext>
     </p:extLst>
   </p:cSld>
@@ -7450,169 +14567,130 @@
       </p:grpSpPr>
       <p:sp>
         <p:nvSpPr>
-          <p:cNvPr id="2" name="Title 1">
+          <p:cNvPr id="2" name="Title 1"/>
+          <p:cNvSpPr>
+            <a:spLocks noGrp="1"/>
+          </p:cNvSpPr>
+          <p:nvPr>
+            <p:ph type="title"/>
+          </p:nvPr>
+        </p:nvSpPr>
+        <p:spPr/>
+        <p:txBody>
+          <a:bodyPr/>
+          <a:lstStyle/>
+          <a:p>
+            <a:r>
+              <a:rPr lang="en-US" dirty="0" smtClean="0"/>
+              <a:t>What Is Hardware In The Loop Testing?</a:t>
+            </a:r>
+            <a:endParaRPr lang="en-CA" dirty="0"/>
+          </a:p>
+        </p:txBody>
+      </p:sp>
+      <p:pic>
+        <p:nvPicPr>
+          <p:cNvPr id="4" name="Content Placeholder 3"/>
+          <p:cNvPicPr>
+            <a:picLocks noGrp="1" noChangeAspect="1"/>
+          </p:cNvPicPr>
+          <p:nvPr>
+            <p:ph/>
+          </p:nvPr>
+        </p:nvPicPr>
+        <p:blipFill>
+          <a:blip r:embed="rId3">
             <a:extLst>
-              <a:ext uri="{FF2B5EF4-FFF2-40B4-BE49-F238E27FC236}">
-                <a16:creationId xmlns:a16="http://schemas.microsoft.com/office/drawing/2014/main" id="{CD2CEAFC-3C25-E1BD-643F-F8883F435A91}"/>
+              <a:ext uri="{28A0092B-C50C-407E-A947-70E740481C1C}">
+                <a14:useLocalDpi xmlns:a14="http://schemas.microsoft.com/office/drawing/2010/main" val="0"/>
               </a:ext>
             </a:extLst>
-          </p:cNvPr>
-          <p:cNvSpPr>
-            <a:spLocks noGrp="1"/>
-          </p:cNvSpPr>
-          <p:nvPr>
-            <p:ph type="title"/>
-          </p:nvPr>
-        </p:nvSpPr>
-        <p:spPr/>
-        <p:txBody>
-          <a:bodyPr/>
-          <a:lstStyle/>
-          <a:p>
-            <a:r>
-              <a:rPr lang="en-CA" dirty="0"/>
-              <a:t>Pt1: Accuracy</a:t>
-            </a:r>
-          </a:p>
-        </p:txBody>
-      </p:sp>
-      <p:sp>
-        <p:nvSpPr>
-          <p:cNvPr id="3" name="Content Placeholder 2">
+          </a:blip>
+          <a:stretch>
+            <a:fillRect/>
+          </a:stretch>
+        </p:blipFill>
+        <p:spPr>
+          <a:xfrm>
+            <a:off x="4469827" y="1690200"/>
+            <a:ext cx="3238167" cy="2156619"/>
+          </a:xfrm>
+        </p:spPr>
+      </p:pic>
+      <p:pic>
+        <p:nvPicPr>
+          <p:cNvPr id="7" name="Picture 6"/>
+          <p:cNvPicPr>
+            <a:picLocks noChangeAspect="1"/>
+          </p:cNvPicPr>
+          <p:nvPr/>
+        </p:nvPicPr>
+        <p:blipFill>
+          <a:blip r:embed="rId4" cstate="print">
             <a:extLst>
-              <a:ext uri="{FF2B5EF4-FFF2-40B4-BE49-F238E27FC236}">
-                <a16:creationId xmlns:a16="http://schemas.microsoft.com/office/drawing/2014/main" id="{4354E399-1ABC-8D97-D33D-B813A5216742}"/>
+              <a:ext uri="{28A0092B-C50C-407E-A947-70E740481C1C}">
+                <a14:useLocalDpi xmlns:a14="http://schemas.microsoft.com/office/drawing/2010/main" val="0"/>
               </a:ext>
             </a:extLst>
-          </p:cNvPr>
-          <p:cNvSpPr>
-            <a:spLocks noGrp="1"/>
-          </p:cNvSpPr>
-          <p:nvPr>
-            <p:ph/>
-          </p:nvPr>
-        </p:nvSpPr>
+          </a:blip>
+          <a:stretch>
+            <a:fillRect/>
+          </a:stretch>
+        </p:blipFill>
         <p:spPr>
           <a:xfrm>
-            <a:off x="838080" y="1825560"/>
-            <a:ext cx="10515240" cy="4350960"/>
-          </a:xfrm>
-        </p:spPr>
-        <p:txBody>
-          <a:bodyPr/>
-          <a:lstStyle/>
-          <a:p>
-            <a:r>
-              <a:rPr lang="en-CA" dirty="0"/>
-              <a:t>What is the ideal matching algorithm?</a:t>
-            </a:r>
-          </a:p>
-          <a:p>
-            <a:pPr lvl="1"/>
-            <a:r>
-              <a:rPr lang="en-CA" dirty="0"/>
-              <a:t>A binary one, it either matches or it doesn’t </a:t>
-            </a:r>
-          </a:p>
-          <a:p>
-            <a:pPr lvl="1"/>
-            <a:r>
-              <a:rPr lang="en-CA" dirty="0"/>
-              <a:t>We have the algorithms discussed in papers above (pipe, </a:t>
-            </a:r>
-            <a:r>
-              <a:rPr lang="en-CA" dirty="0" err="1"/>
-              <a:t>rtol</a:t>
-            </a:r>
-            <a:r>
-              <a:rPr lang="en-CA" dirty="0"/>
-              <a:t>…)</a:t>
-            </a:r>
-          </a:p>
-          <a:p>
-            <a:pPr lvl="1"/>
-            <a:r>
-              <a:rPr lang="en-CA" dirty="0"/>
-              <a:t>We have basic errors like </a:t>
-            </a:r>
-            <a:r>
-              <a:rPr lang="en-CA" dirty="0" err="1"/>
-              <a:t>mse</a:t>
-            </a:r>
-            <a:r>
-              <a:rPr lang="en-CA" dirty="0"/>
-              <a:t>, </a:t>
-            </a:r>
-            <a:r>
-              <a:rPr lang="en-CA" dirty="0" err="1"/>
-              <a:t>rmse</a:t>
-            </a:r>
-            <a:r>
-              <a:rPr lang="en-CA" dirty="0"/>
-              <a:t>, </a:t>
-            </a:r>
-            <a:r>
-              <a:rPr lang="en-CA" dirty="0" err="1"/>
-              <a:t>mae</a:t>
-            </a:r>
-            <a:endParaRPr lang="en-CA" dirty="0"/>
-          </a:p>
-          <a:p>
-            <a:pPr lvl="1"/>
-            <a:r>
-              <a:rPr lang="en-CA" dirty="0"/>
-              <a:t>We have distance measurements like Euclid, </a:t>
-            </a:r>
-            <a:r>
-              <a:rPr lang="en-CA" dirty="0" err="1"/>
-              <a:t>frechet</a:t>
-            </a:r>
-            <a:endParaRPr lang="en-CA" dirty="0"/>
-          </a:p>
-          <a:p>
-            <a:r>
-              <a:rPr lang="en-CA" dirty="0"/>
-              <a:t>Show comparison plots for: (constant, </a:t>
-            </a:r>
-            <a:r>
-              <a:rPr lang="en-CA" dirty="0" err="1"/>
-              <a:t>pwm</a:t>
-            </a:r>
-            <a:r>
-              <a:rPr lang="en-CA" dirty="0"/>
-              <a:t>)</a:t>
-            </a:r>
-          </a:p>
-          <a:p>
-            <a:r>
-              <a:rPr lang="en-CA" dirty="0"/>
-              <a:t>But these signals cannot account for 2 key features in our signals</a:t>
-            </a:r>
-          </a:p>
-          <a:p>
-            <a:pPr lvl="1"/>
-            <a:r>
-              <a:rPr lang="en-CA" dirty="0"/>
-              <a:t>1: Time invariance</a:t>
-            </a:r>
-          </a:p>
-          <a:p>
-            <a:pPr lvl="1"/>
-            <a:r>
-              <a:rPr lang="en-CA" dirty="0"/>
-              <a:t>2: Unpredictable exponential fall</a:t>
-            </a:r>
-          </a:p>
-          <a:p>
-            <a:pPr lvl="1"/>
-            <a:endParaRPr lang="en-CA" dirty="0"/>
+            <a:off x="9039092" y="4498463"/>
+            <a:ext cx="2923914" cy="1881051"/>
+          </a:xfrm>
+          <a:prstGeom prst="rect">
+            <a:avLst/>
+          </a:prstGeom>
+        </p:spPr>
+      </p:pic>
+      <p:sp>
+        <p:nvSpPr>
+          <p:cNvPr id="10" name="Right Arrow 9"/>
+          <p:cNvSpPr/>
+          <p:nvPr/>
+        </p:nvSpPr>
+        <p:spPr>
+          <a:xfrm rot="12796310">
+            <a:off x="7255454" y="4068741"/>
+            <a:ext cx="1833592" cy="365760"/>
+          </a:xfrm>
+          <a:prstGeom prst="rightArrow">
+            <a:avLst/>
+          </a:prstGeom>
+        </p:spPr>
+        <p:style>
+          <a:lnRef idx="2">
+            <a:schemeClr val="accent1">
+              <a:shade val="50000"/>
+            </a:schemeClr>
+          </a:lnRef>
+          <a:fillRef idx="1">
+            <a:schemeClr val="accent1"/>
+          </a:fillRef>
+          <a:effectRef idx="0">
+            <a:schemeClr val="accent1"/>
+          </a:effectRef>
+          <a:fontRef idx="minor">
+            <a:schemeClr val="lt1"/>
+          </a:fontRef>
+        </p:style>
+        <p:txBody>
+          <a:bodyPr rtlCol="0" anchor="ctr"/>
+          <a:lstStyle/>
+          <a:p>
+            <a:pPr algn="ctr"/>
+            <a:endParaRPr lang="en-CA"/>
           </a:p>
         </p:txBody>
       </p:sp>
     </p:spTree>
     <p:extLst>
       <p:ext uri="{BB962C8B-B14F-4D97-AF65-F5344CB8AC3E}">
-        <p14:creationId xmlns:p14="http://schemas.microsoft.com/office/powerpoint/2010/main" val="309618248"/>
+        <p14:creationId xmlns:p14="http://schemas.microsoft.com/office/powerpoint/2010/main" val="755959780"/>
       </p:ext>
     </p:extLst>
   </p:cSld>
@@ -7641,118 +14719,145 @@
       </p:grpSpPr>
       <p:sp>
         <p:nvSpPr>
-          <p:cNvPr id="2" name="Title 1">
+          <p:cNvPr id="2" name="Title 1"/>
+          <p:cNvSpPr>
+            <a:spLocks noGrp="1"/>
+          </p:cNvSpPr>
+          <p:nvPr>
+            <p:ph type="title"/>
+          </p:nvPr>
+        </p:nvSpPr>
+        <p:spPr/>
+        <p:txBody>
+          <a:bodyPr/>
+          <a:lstStyle/>
+          <a:p>
+            <a:r>
+              <a:rPr lang="en-US" dirty="0" smtClean="0"/>
+              <a:t>What Is Hardware In The Loop Testing?</a:t>
+            </a:r>
+            <a:endParaRPr lang="en-CA" dirty="0"/>
+          </a:p>
+        </p:txBody>
+      </p:sp>
+      <p:pic>
+        <p:nvPicPr>
+          <p:cNvPr id="4" name="Content Placeholder 3"/>
+          <p:cNvPicPr>
+            <a:picLocks noGrp="1" noChangeAspect="1"/>
+          </p:cNvPicPr>
+          <p:nvPr>
+            <p:ph/>
+          </p:nvPr>
+        </p:nvPicPr>
+        <p:blipFill>
+          <a:blip r:embed="rId3">
             <a:extLst>
-              <a:ext uri="{FF2B5EF4-FFF2-40B4-BE49-F238E27FC236}">
-                <a16:creationId xmlns:a16="http://schemas.microsoft.com/office/drawing/2014/main" id="{EA66DCE2-0D15-A9A5-D008-79CF91C006E8}"/>
+              <a:ext uri="{28A0092B-C50C-407E-A947-70E740481C1C}">
+                <a14:useLocalDpi xmlns:a14="http://schemas.microsoft.com/office/drawing/2010/main" val="0"/>
               </a:ext>
             </a:extLst>
-          </p:cNvPr>
-          <p:cNvSpPr>
-            <a:spLocks noGrp="1"/>
-          </p:cNvSpPr>
-          <p:nvPr>
-            <p:ph type="title"/>
-          </p:nvPr>
-        </p:nvSpPr>
-        <p:spPr/>
-        <p:txBody>
-          <a:bodyPr/>
-          <a:lstStyle/>
-          <a:p>
-            <a:r>
-              <a:rPr lang="en-CA" dirty="0"/>
-              <a:t>Pt1: Accuracy</a:t>
-            </a:r>
-          </a:p>
-        </p:txBody>
-      </p:sp>
-      <p:sp>
-        <p:nvSpPr>
-          <p:cNvPr id="3" name="Content Placeholder 2">
+          </a:blip>
+          <a:stretch>
+            <a:fillRect/>
+          </a:stretch>
+        </p:blipFill>
+        <p:spPr>
+          <a:xfrm>
+            <a:off x="4469827" y="1690200"/>
+            <a:ext cx="3238167" cy="2156619"/>
+          </a:xfrm>
+        </p:spPr>
+      </p:pic>
+      <p:pic>
+        <p:nvPicPr>
+          <p:cNvPr id="8" name="Picture 7"/>
+          <p:cNvPicPr>
+            <a:picLocks noChangeAspect="1"/>
+          </p:cNvPicPr>
+          <p:nvPr/>
+        </p:nvPicPr>
+        <p:blipFill>
+          <a:blip r:embed="rId4">
             <a:extLst>
-              <a:ext uri="{FF2B5EF4-FFF2-40B4-BE49-F238E27FC236}">
-                <a16:creationId xmlns:a16="http://schemas.microsoft.com/office/drawing/2014/main" id="{3B703B4A-21FA-59DD-61F7-0DF268B278C8}"/>
+              <a:ext uri="{28A0092B-C50C-407E-A947-70E740481C1C}">
+                <a14:useLocalDpi xmlns:a14="http://schemas.microsoft.com/office/drawing/2010/main" val="0"/>
               </a:ext>
             </a:extLst>
-          </p:cNvPr>
-          <p:cNvSpPr>
-            <a:spLocks noGrp="1"/>
-          </p:cNvSpPr>
-          <p:nvPr>
-            <p:ph/>
-          </p:nvPr>
-        </p:nvSpPr>
+          </a:blip>
+          <a:stretch>
+            <a:fillRect/>
+          </a:stretch>
+        </p:blipFill>
         <p:spPr>
           <a:xfrm>
-            <a:off x="838079" y="1825560"/>
-            <a:ext cx="10515239" cy="4350960"/>
-          </a:xfrm>
-        </p:spPr>
-        <p:txBody>
-          <a:bodyPr>
-            <a:normAutofit lnSpcReduction="10000"/>
+            <a:off x="235132" y="4493403"/>
+            <a:ext cx="3243234" cy="1825262"/>
+          </a:xfrm>
+          <a:prstGeom prst="rect">
+            <a:avLst/>
+          </a:prstGeom>
+        </p:spPr>
+      </p:pic>
+      <p:sp>
+        <p:nvSpPr>
+          <p:cNvPr id="14" name="Rectangle 13"/>
+          <p:cNvSpPr/>
+          <p:nvPr/>
+        </p:nvSpPr>
+        <p:spPr>
+          <a:xfrm>
+            <a:off x="5811006" y="4710314"/>
+            <a:ext cx="569387" cy="923330"/>
+          </a:xfrm>
+          <a:prstGeom prst="rect">
+            <a:avLst/>
+          </a:prstGeom>
+          <a:noFill/>
+        </p:spPr>
+        <p:txBody>
+          <a:bodyPr wrap="none" lIns="91440" tIns="45720" rIns="91440" bIns="45720">
+            <a:spAutoFit/>
           </a:bodyPr>
           <a:lstStyle/>
           <a:p>
-            <a:r>
-              <a:rPr lang="en-CA" dirty="0"/>
-              <a:t>Time invariance can be fixed by </a:t>
-            </a:r>
-            <a:r>
-              <a:rPr lang="en-CA" dirty="0" err="1"/>
-              <a:t>CrossCorrelation</a:t>
-            </a:r>
-            <a:r>
-              <a:rPr lang="en-CA" dirty="0"/>
-              <a:t> Shifting</a:t>
-            </a:r>
-          </a:p>
-          <a:p>
-            <a:pPr lvl="1"/>
-            <a:r>
-              <a:rPr lang="en-CA" dirty="0"/>
-              <a:t>Basically we slide one signal across the other, and for each point calculate the dot product. We then shift the sliding signal by the index of the highest dot product.</a:t>
-            </a:r>
-          </a:p>
-          <a:p>
-            <a:pPr lvl="1"/>
-            <a:r>
-              <a:rPr lang="en-CA" dirty="0"/>
-              <a:t>This allows us to align the signals in time before using a comparison algorithm to ensure time invariance</a:t>
-            </a:r>
-          </a:p>
-          <a:p>
-            <a:r>
-              <a:rPr lang="en-CA" dirty="0"/>
-              <a:t>Show comparison for: (sine, sawtooth, triangle, trapezoid)</a:t>
-            </a:r>
-          </a:p>
-          <a:p>
-            <a:r>
-              <a:rPr lang="en-CA" dirty="0"/>
-              <a:t>Unpredictable exponential fall is a little harder to fix</a:t>
-            </a:r>
-          </a:p>
-          <a:p>
-            <a:pPr lvl="1"/>
-            <a:r>
-              <a:rPr lang="en-CA" dirty="0"/>
-              <a:t>We need an algorithm that allows to a signal to be “faster” in the time domain the one we compare it against</a:t>
-            </a:r>
-          </a:p>
-          <a:p>
-            <a:r>
-              <a:rPr lang="en-CA" dirty="0"/>
-              <a:t>Enter Dynamic Time Warping</a:t>
-            </a:r>
+            <a:pPr algn="ctr"/>
+            <a:r>
+              <a:rPr lang="en-US" sz="5400" b="0" cap="none" spc="0" dirty="0" smtClean="0">
+                <a:ln w="0"/>
+                <a:solidFill>
+                  <a:schemeClr val="tx1"/>
+                </a:solidFill>
+                <a:effectLst>
+                  <a:outerShdw blurRad="38100" dist="19050" dir="2700000" algn="tl" rotWithShape="0">
+                    <a:schemeClr val="dk1">
+                      <a:alpha val="40000"/>
+                    </a:schemeClr>
+                  </a:outerShdw>
+                </a:effectLst>
+              </a:rPr>
+              <a:t>?</a:t>
+            </a:r>
+            <a:endParaRPr lang="en-US" sz="5400" b="0" cap="none" spc="0" dirty="0">
+              <a:ln w="0"/>
+              <a:solidFill>
+                <a:schemeClr val="tx1"/>
+              </a:solidFill>
+              <a:effectLst>
+                <a:outerShdw blurRad="38100" dist="19050" dir="2700000" algn="tl" rotWithShape="0">
+                  <a:schemeClr val="dk1">
+                    <a:alpha val="40000"/>
+                  </a:schemeClr>
+                </a:outerShdw>
+              </a:effectLst>
+            </a:endParaRPr>
           </a:p>
         </p:txBody>
       </p:sp>
     </p:spTree>
     <p:extLst>
       <p:ext uri="{BB962C8B-B14F-4D97-AF65-F5344CB8AC3E}">
-        <p14:creationId xmlns:p14="http://schemas.microsoft.com/office/powerpoint/2010/main" val="624293094"/>
+        <p14:creationId xmlns:p14="http://schemas.microsoft.com/office/powerpoint/2010/main" val="1484683189"/>
       </p:ext>
     </p:extLst>
   </p:cSld>
@@ -7781,130 +14886,160 @@
       </p:grpSpPr>
       <p:sp>
         <p:nvSpPr>
-          <p:cNvPr id="2" name="Title 1">
+          <p:cNvPr id="2" name="Title 1"/>
+          <p:cNvSpPr>
+            <a:spLocks noGrp="1"/>
+          </p:cNvSpPr>
+          <p:nvPr>
+            <p:ph type="title"/>
+          </p:nvPr>
+        </p:nvSpPr>
+        <p:spPr/>
+        <p:txBody>
+          <a:bodyPr/>
+          <a:lstStyle/>
+          <a:p>
+            <a:r>
+              <a:rPr lang="en-US" dirty="0" smtClean="0"/>
+              <a:t>What Is Hardware In The Loop Testing?</a:t>
+            </a:r>
+            <a:endParaRPr lang="en-CA" dirty="0"/>
+          </a:p>
+        </p:txBody>
+      </p:sp>
+      <p:pic>
+        <p:nvPicPr>
+          <p:cNvPr id="4" name="Content Placeholder 3"/>
+          <p:cNvPicPr>
+            <a:picLocks noGrp="1" noChangeAspect="1"/>
+          </p:cNvPicPr>
+          <p:nvPr>
+            <p:ph/>
+          </p:nvPr>
+        </p:nvPicPr>
+        <p:blipFill>
+          <a:blip r:embed="rId2">
             <a:extLst>
-              <a:ext uri="{FF2B5EF4-FFF2-40B4-BE49-F238E27FC236}">
-                <a16:creationId xmlns:a16="http://schemas.microsoft.com/office/drawing/2014/main" id="{1C645DD8-C223-A0B1-46BB-603A0F817501}"/>
+              <a:ext uri="{28A0092B-C50C-407E-A947-70E740481C1C}">
+                <a14:useLocalDpi xmlns:a14="http://schemas.microsoft.com/office/drawing/2010/main" val="0"/>
               </a:ext>
             </a:extLst>
-          </p:cNvPr>
-          <p:cNvSpPr>
-            <a:spLocks noGrp="1"/>
-          </p:cNvSpPr>
-          <p:nvPr>
-            <p:ph type="title"/>
-          </p:nvPr>
-        </p:nvSpPr>
-        <p:spPr/>
-        <p:txBody>
-          <a:bodyPr/>
-          <a:lstStyle/>
-          <a:p>
-            <a:r>
-              <a:rPr lang="en-CA" dirty="0"/>
-              <a:t>Dynamic Time Warping</a:t>
-            </a:r>
-          </a:p>
-        </p:txBody>
-      </p:sp>
-      <p:sp>
-        <p:nvSpPr>
-          <p:cNvPr id="3" name="Content Placeholder 2">
+          </a:blip>
+          <a:stretch>
+            <a:fillRect/>
+          </a:stretch>
+        </p:blipFill>
+        <p:spPr>
+          <a:xfrm>
+            <a:off x="4469827" y="1690200"/>
+            <a:ext cx="3238167" cy="2156619"/>
+          </a:xfrm>
+        </p:spPr>
+      </p:pic>
+      <p:pic>
+        <p:nvPicPr>
+          <p:cNvPr id="6" name="Picture 5"/>
+          <p:cNvPicPr>
+            <a:picLocks noChangeAspect="1"/>
+          </p:cNvPicPr>
+          <p:nvPr/>
+        </p:nvPicPr>
+        <p:blipFill>
+          <a:blip r:embed="rId3" cstate="print">
             <a:extLst>
-              <a:ext uri="{FF2B5EF4-FFF2-40B4-BE49-F238E27FC236}">
-                <a16:creationId xmlns:a16="http://schemas.microsoft.com/office/drawing/2014/main" id="{5F408225-1C92-DA98-B675-FB211709AA47}"/>
+              <a:ext uri="{28A0092B-C50C-407E-A947-70E740481C1C}">
+                <a14:useLocalDpi xmlns:a14="http://schemas.microsoft.com/office/drawing/2010/main" val="0"/>
               </a:ext>
             </a:extLst>
-          </p:cNvPr>
-          <p:cNvSpPr>
-            <a:spLocks noGrp="1"/>
-          </p:cNvSpPr>
-          <p:nvPr>
-            <p:ph/>
-          </p:nvPr>
-        </p:nvSpPr>
+          </a:blip>
+          <a:stretch>
+            <a:fillRect/>
+          </a:stretch>
+        </p:blipFill>
         <p:spPr>
           <a:xfrm>
-            <a:off x="838080" y="1825560"/>
-            <a:ext cx="10560544" cy="4350960"/>
-          </a:xfrm>
-        </p:spPr>
-        <p:txBody>
-          <a:bodyPr/>
-          <a:lstStyle/>
-          <a:p>
-            <a:r>
-              <a:rPr lang="en-CA" dirty="0"/>
-              <a:t>Explain Dynamic Time Warping</a:t>
-            </a:r>
-          </a:p>
-          <a:p>
-            <a:r>
-              <a:rPr lang="en-CA" dirty="0"/>
-              <a:t>Show why its needed for exponential pulses</a:t>
-            </a:r>
-          </a:p>
-          <a:p>
-            <a:r>
-              <a:rPr lang="en-CA" dirty="0"/>
-              <a:t>So clearly we need DTW, but </a:t>
-            </a:r>
-            <a:r>
-              <a:rPr lang="en-CA" dirty="0" err="1"/>
-              <a:t>theres</a:t>
-            </a:r>
-            <a:r>
-              <a:rPr lang="en-CA" dirty="0"/>
-              <a:t> one problem, its pretty slow</a:t>
-            </a:r>
-          </a:p>
-          <a:p>
-            <a:pPr lvl="1"/>
-            <a:r>
-              <a:rPr lang="en-CA" dirty="0"/>
-              <a:t>Can we accelerate it?</a:t>
-            </a:r>
-          </a:p>
-          <a:p>
-            <a:r>
-              <a:rPr lang="en-CA" dirty="0"/>
-              <a:t>Show the initial algorithm</a:t>
-            </a:r>
-          </a:p>
-          <a:p>
-            <a:pPr lvl="1"/>
-            <a:r>
-              <a:rPr lang="en-CA" dirty="0"/>
-              <a:t>3 stages, initialize array, gen costs, walk costs</a:t>
-            </a:r>
-          </a:p>
-          <a:p>
-            <a:pPr lvl="1"/>
-            <a:r>
-              <a:rPr lang="en-CA" dirty="0"/>
-              <a:t>Has an n^2 memory footprint</a:t>
-            </a:r>
-          </a:p>
-          <a:p>
-            <a:pPr lvl="1"/>
-            <a:r>
-              <a:rPr lang="en-CA" dirty="0"/>
-              <a:t>Has an 2n^2+2n runtime</a:t>
-            </a:r>
-          </a:p>
-          <a:p>
-            <a:pPr lvl="1"/>
-            <a:r>
-              <a:rPr lang="en-CA" dirty="0"/>
-              <a:t>Walking is inherently serial with speculative indexing</a:t>
-            </a:r>
+            <a:off x="4774201" y="4493403"/>
+            <a:ext cx="2629421" cy="2072860"/>
+          </a:xfrm>
+          <a:prstGeom prst="rect">
+            <a:avLst/>
+          </a:prstGeom>
+        </p:spPr>
+      </p:pic>
+      <p:pic>
+        <p:nvPicPr>
+          <p:cNvPr id="8" name="Picture 7"/>
+          <p:cNvPicPr>
+            <a:picLocks noChangeAspect="1"/>
+          </p:cNvPicPr>
+          <p:nvPr/>
+        </p:nvPicPr>
+        <p:blipFill>
+          <a:blip r:embed="rId4">
+            <a:extLst>
+              <a:ext uri="{28A0092B-C50C-407E-A947-70E740481C1C}">
+                <a14:useLocalDpi xmlns:a14="http://schemas.microsoft.com/office/drawing/2010/main" val="0"/>
+              </a:ext>
+            </a:extLst>
+          </a:blip>
+          <a:stretch>
+            <a:fillRect/>
+          </a:stretch>
+        </p:blipFill>
+        <p:spPr>
+          <a:xfrm>
+            <a:off x="235132" y="4493403"/>
+            <a:ext cx="3243234" cy="1825262"/>
+          </a:xfrm>
+          <a:prstGeom prst="rect">
+            <a:avLst/>
+          </a:prstGeom>
+        </p:spPr>
+      </p:pic>
+      <p:sp>
+        <p:nvSpPr>
+          <p:cNvPr id="9" name="Right Arrow 8"/>
+          <p:cNvSpPr/>
+          <p:nvPr/>
+        </p:nvSpPr>
+        <p:spPr>
+          <a:xfrm>
+            <a:off x="3178628" y="4911634"/>
+            <a:ext cx="1375954" cy="365760"/>
+          </a:xfrm>
+          <a:prstGeom prst="rightArrow">
+            <a:avLst/>
+          </a:prstGeom>
+        </p:spPr>
+        <p:style>
+          <a:lnRef idx="2">
+            <a:schemeClr val="accent1">
+              <a:shade val="50000"/>
+            </a:schemeClr>
+          </a:lnRef>
+          <a:fillRef idx="1">
+            <a:schemeClr val="accent1"/>
+          </a:fillRef>
+          <a:effectRef idx="0">
+            <a:schemeClr val="accent1"/>
+          </a:effectRef>
+          <a:fontRef idx="minor">
+            <a:schemeClr val="lt1"/>
+          </a:fontRef>
+        </p:style>
+        <p:txBody>
+          <a:bodyPr rtlCol="0" anchor="ctr"/>
+          <a:lstStyle/>
+          <a:p>
+            <a:pPr algn="ctr"/>
+            <a:endParaRPr lang="en-CA"/>
           </a:p>
         </p:txBody>
       </p:sp>
     </p:spTree>
     <p:extLst>
       <p:ext uri="{BB962C8B-B14F-4D97-AF65-F5344CB8AC3E}">
-        <p14:creationId xmlns:p14="http://schemas.microsoft.com/office/powerpoint/2010/main" val="2520178878"/>
+        <p14:creationId xmlns:p14="http://schemas.microsoft.com/office/powerpoint/2010/main" val="3573564292"/>
       </p:ext>
     </p:extLst>
   </p:cSld>
@@ -7933,109 +15068,230 @@
       </p:grpSpPr>
       <p:sp>
         <p:nvSpPr>
-          <p:cNvPr id="2" name="Title 1">
+          <p:cNvPr id="2" name="Title 1"/>
+          <p:cNvSpPr>
+            <a:spLocks noGrp="1"/>
+          </p:cNvSpPr>
+          <p:nvPr>
+            <p:ph type="title"/>
+          </p:nvPr>
+        </p:nvSpPr>
+        <p:spPr/>
+        <p:txBody>
+          <a:bodyPr/>
+          <a:lstStyle/>
+          <a:p>
+            <a:r>
+              <a:rPr lang="en-US" dirty="0" smtClean="0"/>
+              <a:t>What Is Hardware In The Loop Testing?</a:t>
+            </a:r>
+            <a:endParaRPr lang="en-CA" dirty="0"/>
+          </a:p>
+        </p:txBody>
+      </p:sp>
+      <p:pic>
+        <p:nvPicPr>
+          <p:cNvPr id="4" name="Content Placeholder 3"/>
+          <p:cNvPicPr>
+            <a:picLocks noGrp="1" noChangeAspect="1"/>
+          </p:cNvPicPr>
+          <p:nvPr>
+            <p:ph/>
+          </p:nvPr>
+        </p:nvPicPr>
+        <p:blipFill>
+          <a:blip r:embed="rId2">
             <a:extLst>
-              <a:ext uri="{FF2B5EF4-FFF2-40B4-BE49-F238E27FC236}">
-                <a16:creationId xmlns:a16="http://schemas.microsoft.com/office/drawing/2014/main" id="{207FAD43-79F8-386B-9B39-70DE936C3054}"/>
+              <a:ext uri="{28A0092B-C50C-407E-A947-70E740481C1C}">
+                <a14:useLocalDpi xmlns:a14="http://schemas.microsoft.com/office/drawing/2010/main" val="0"/>
               </a:ext>
             </a:extLst>
-          </p:cNvPr>
-          <p:cNvSpPr>
-            <a:spLocks noGrp="1"/>
-          </p:cNvSpPr>
-          <p:nvPr>
-            <p:ph type="title"/>
-          </p:nvPr>
-        </p:nvSpPr>
-        <p:spPr/>
-        <p:txBody>
-          <a:bodyPr/>
-          <a:lstStyle/>
-          <a:p>
-            <a:r>
-              <a:rPr lang="en-CA" dirty="0"/>
-              <a:t>Pt2: Accelerate DTW</a:t>
-            </a:r>
-          </a:p>
-        </p:txBody>
-      </p:sp>
-      <p:sp>
-        <p:nvSpPr>
-          <p:cNvPr id="3" name="Content Placeholder 2">
+          </a:blip>
+          <a:stretch>
+            <a:fillRect/>
+          </a:stretch>
+        </p:blipFill>
+        <p:spPr>
+          <a:xfrm>
+            <a:off x="4469827" y="1690200"/>
+            <a:ext cx="3238167" cy="2156619"/>
+          </a:xfrm>
+        </p:spPr>
+      </p:pic>
+      <p:pic>
+        <p:nvPicPr>
+          <p:cNvPr id="6" name="Picture 5"/>
+          <p:cNvPicPr>
+            <a:picLocks noChangeAspect="1"/>
+          </p:cNvPicPr>
+          <p:nvPr/>
+        </p:nvPicPr>
+        <p:blipFill>
+          <a:blip r:embed="rId3" cstate="print">
             <a:extLst>
-              <a:ext uri="{FF2B5EF4-FFF2-40B4-BE49-F238E27FC236}">
-                <a16:creationId xmlns:a16="http://schemas.microsoft.com/office/drawing/2014/main" id="{57F40735-4A4B-95F3-2379-F11B616288C3}"/>
+              <a:ext uri="{28A0092B-C50C-407E-A947-70E740481C1C}">
+                <a14:useLocalDpi xmlns:a14="http://schemas.microsoft.com/office/drawing/2010/main" val="0"/>
               </a:ext>
             </a:extLst>
-          </p:cNvPr>
-          <p:cNvSpPr>
-            <a:spLocks noGrp="1"/>
-          </p:cNvSpPr>
-          <p:nvPr>
-            <p:ph/>
-          </p:nvPr>
-        </p:nvSpPr>
+          </a:blip>
+          <a:stretch>
+            <a:fillRect/>
+          </a:stretch>
+        </p:blipFill>
         <p:spPr>
           <a:xfrm>
-            <a:off x="838080" y="1825560"/>
-            <a:ext cx="10515240" cy="4350960"/>
-          </a:xfrm>
-        </p:spPr>
-        <p:txBody>
-          <a:bodyPr/>
-          <a:lstStyle/>
-          <a:p>
-            <a:r>
-              <a:rPr lang="en-CA" dirty="0"/>
-              <a:t>How can we accelerate this?</a:t>
-            </a:r>
-          </a:p>
-          <a:p>
-            <a:r>
-              <a:rPr lang="en-CA" dirty="0"/>
-              <a:t>Pt A: Basic accelerations</a:t>
-            </a:r>
-          </a:p>
-          <a:p>
-            <a:pPr lvl="1"/>
-            <a:r>
-              <a:rPr lang="en-CA" dirty="0"/>
-              <a:t>Like in GEMM, the result is not dependant on the order of the loops</a:t>
-            </a:r>
-          </a:p>
-          <a:p>
-            <a:pPr lvl="1"/>
-            <a:r>
-              <a:rPr lang="en-CA" dirty="0"/>
-              <a:t>In initialization, we don’t actually need initialize the entire array</a:t>
-            </a:r>
-          </a:p>
-          <a:p>
-            <a:pPr lvl="1"/>
-            <a:r>
-              <a:rPr lang="en-CA" dirty="0"/>
-              <a:t>Reduce the bit width of cost matrix</a:t>
-            </a:r>
-          </a:p>
-          <a:p>
-            <a:pPr lvl="2"/>
-            <a:r>
-              <a:rPr lang="en-CA" dirty="0"/>
-              <a:t>Exact result isn’t important, only that the results are comparable relative to one another</a:t>
-            </a:r>
-          </a:p>
-          <a:p>
-            <a:r>
-              <a:rPr lang="en-CA" dirty="0"/>
-              <a:t>Results of Pt A</a:t>
-            </a:r>
+            <a:off x="4774201" y="4493403"/>
+            <a:ext cx="2629421" cy="2072860"/>
+          </a:xfrm>
+          <a:prstGeom prst="rect">
+            <a:avLst/>
+          </a:prstGeom>
+        </p:spPr>
+      </p:pic>
+      <p:pic>
+        <p:nvPicPr>
+          <p:cNvPr id="7" name="Picture 6"/>
+          <p:cNvPicPr>
+            <a:picLocks noChangeAspect="1"/>
+          </p:cNvPicPr>
+          <p:nvPr/>
+        </p:nvPicPr>
+        <p:blipFill>
+          <a:blip r:embed="rId4" cstate="print">
+            <a:extLst>
+              <a:ext uri="{28A0092B-C50C-407E-A947-70E740481C1C}">
+                <a14:useLocalDpi xmlns:a14="http://schemas.microsoft.com/office/drawing/2010/main" val="0"/>
+              </a:ext>
+            </a:extLst>
+          </a:blip>
+          <a:stretch>
+            <a:fillRect/>
+          </a:stretch>
+        </p:blipFill>
+        <p:spPr>
+          <a:xfrm>
+            <a:off x="9039092" y="4498463"/>
+            <a:ext cx="2923914" cy="1881051"/>
+          </a:xfrm>
+          <a:prstGeom prst="rect">
+            <a:avLst/>
+          </a:prstGeom>
+        </p:spPr>
+      </p:pic>
+      <p:pic>
+        <p:nvPicPr>
+          <p:cNvPr id="8" name="Picture 7"/>
+          <p:cNvPicPr>
+            <a:picLocks noChangeAspect="1"/>
+          </p:cNvPicPr>
+          <p:nvPr/>
+        </p:nvPicPr>
+        <p:blipFill>
+          <a:blip r:embed="rId5">
+            <a:extLst>
+              <a:ext uri="{28A0092B-C50C-407E-A947-70E740481C1C}">
+                <a14:useLocalDpi xmlns:a14="http://schemas.microsoft.com/office/drawing/2010/main" val="0"/>
+              </a:ext>
+            </a:extLst>
+          </a:blip>
+          <a:stretch>
+            <a:fillRect/>
+          </a:stretch>
+        </p:blipFill>
+        <p:spPr>
+          <a:xfrm>
+            <a:off x="235132" y="4493403"/>
+            <a:ext cx="3243234" cy="1825262"/>
+          </a:xfrm>
+          <a:prstGeom prst="rect">
+            <a:avLst/>
+          </a:prstGeom>
+        </p:spPr>
+      </p:pic>
+      <p:sp>
+        <p:nvSpPr>
+          <p:cNvPr id="9" name="Right Arrow 8"/>
+          <p:cNvSpPr/>
+          <p:nvPr/>
+        </p:nvSpPr>
+        <p:spPr>
+          <a:xfrm>
+            <a:off x="3178628" y="4911634"/>
+            <a:ext cx="1375954" cy="365760"/>
+          </a:xfrm>
+          <a:prstGeom prst="rightArrow">
+            <a:avLst/>
+          </a:prstGeom>
+        </p:spPr>
+        <p:style>
+          <a:lnRef idx="2">
+            <a:schemeClr val="accent1">
+              <a:shade val="50000"/>
+            </a:schemeClr>
+          </a:lnRef>
+          <a:fillRef idx="1">
+            <a:schemeClr val="accent1"/>
+          </a:fillRef>
+          <a:effectRef idx="0">
+            <a:schemeClr val="accent1"/>
+          </a:effectRef>
+          <a:fontRef idx="minor">
+            <a:schemeClr val="lt1"/>
+          </a:fontRef>
+        </p:style>
+        <p:txBody>
+          <a:bodyPr rtlCol="0" anchor="ctr"/>
+          <a:lstStyle/>
+          <a:p>
+            <a:pPr algn="ctr"/>
+            <a:endParaRPr lang="en-CA"/>
+          </a:p>
+        </p:txBody>
+      </p:sp>
+      <p:sp>
+        <p:nvSpPr>
+          <p:cNvPr id="10" name="Right Arrow 9"/>
+          <p:cNvSpPr/>
+          <p:nvPr/>
+        </p:nvSpPr>
+        <p:spPr>
+          <a:xfrm rot="10800000">
+            <a:off x="7559172" y="5137947"/>
+            <a:ext cx="1375954" cy="365760"/>
+          </a:xfrm>
+          <a:prstGeom prst="rightArrow">
+            <a:avLst/>
+          </a:prstGeom>
+        </p:spPr>
+        <p:style>
+          <a:lnRef idx="2">
+            <a:schemeClr val="accent1">
+              <a:shade val="50000"/>
+            </a:schemeClr>
+          </a:lnRef>
+          <a:fillRef idx="1">
+            <a:schemeClr val="accent1"/>
+          </a:fillRef>
+          <a:effectRef idx="0">
+            <a:schemeClr val="accent1"/>
+          </a:effectRef>
+          <a:fontRef idx="minor">
+            <a:schemeClr val="lt1"/>
+          </a:fontRef>
+        </p:style>
+        <p:txBody>
+          <a:bodyPr rtlCol="0" anchor="ctr"/>
+          <a:lstStyle/>
+          <a:p>
+            <a:pPr algn="ctr"/>
+            <a:endParaRPr lang="en-CA"/>
           </a:p>
         </p:txBody>
       </p:sp>
     </p:spTree>
     <p:extLst>
       <p:ext uri="{BB962C8B-B14F-4D97-AF65-F5344CB8AC3E}">
-        <p14:creationId xmlns:p14="http://schemas.microsoft.com/office/powerpoint/2010/main" val="1660271386"/>
+        <p14:creationId xmlns:p14="http://schemas.microsoft.com/office/powerpoint/2010/main" val="1742669747"/>
       </p:ext>
     </p:extLst>
   </p:cSld>
@@ -8064,117 +15320,310 @@
       </p:grpSpPr>
       <p:sp>
         <p:nvSpPr>
-          <p:cNvPr id="2" name="Title 1">
+          <p:cNvPr id="2" name="Title 1"/>
+          <p:cNvSpPr>
+            <a:spLocks noGrp="1"/>
+          </p:cNvSpPr>
+          <p:nvPr>
+            <p:ph type="title"/>
+          </p:nvPr>
+        </p:nvSpPr>
+        <p:spPr/>
+        <p:txBody>
+          <a:bodyPr/>
+          <a:lstStyle/>
+          <a:p>
+            <a:r>
+              <a:rPr lang="en-US" dirty="0" smtClean="0"/>
+              <a:t>What Is Hardware In The Loop Testing?</a:t>
+            </a:r>
+            <a:endParaRPr lang="en-CA" dirty="0"/>
+          </a:p>
+        </p:txBody>
+      </p:sp>
+      <p:pic>
+        <p:nvPicPr>
+          <p:cNvPr id="4" name="Content Placeholder 3"/>
+          <p:cNvPicPr>
+            <a:picLocks noGrp="1" noChangeAspect="1"/>
+          </p:cNvPicPr>
+          <p:nvPr>
+            <p:ph/>
+          </p:nvPr>
+        </p:nvPicPr>
+        <p:blipFill>
+          <a:blip r:embed="rId2">
             <a:extLst>
-              <a:ext uri="{FF2B5EF4-FFF2-40B4-BE49-F238E27FC236}">
-                <a16:creationId xmlns:a16="http://schemas.microsoft.com/office/drawing/2014/main" id="{36654AF0-64B3-F2E5-7384-E4DEEDAE32E3}"/>
+              <a:ext uri="{28A0092B-C50C-407E-A947-70E740481C1C}">
+                <a14:useLocalDpi xmlns:a14="http://schemas.microsoft.com/office/drawing/2010/main" val="0"/>
               </a:ext>
             </a:extLst>
-          </p:cNvPr>
-          <p:cNvSpPr>
-            <a:spLocks noGrp="1"/>
-          </p:cNvSpPr>
-          <p:nvPr>
-            <p:ph type="title"/>
-          </p:nvPr>
-        </p:nvSpPr>
-        <p:spPr/>
-        <p:txBody>
-          <a:bodyPr/>
-          <a:lstStyle/>
-          <a:p>
-            <a:r>
-              <a:rPr lang="en-CA" dirty="0"/>
-              <a:t>Pt2: Accelerate DTW</a:t>
-            </a:r>
-          </a:p>
-        </p:txBody>
-      </p:sp>
-      <p:sp>
-        <p:nvSpPr>
-          <p:cNvPr id="3" name="Content Placeholder 2">
+          </a:blip>
+          <a:stretch>
+            <a:fillRect/>
+          </a:stretch>
+        </p:blipFill>
+        <p:spPr>
+          <a:xfrm>
+            <a:off x="4469827" y="1690200"/>
+            <a:ext cx="3238167" cy="2156619"/>
+          </a:xfrm>
+        </p:spPr>
+      </p:pic>
+      <p:pic>
+        <p:nvPicPr>
+          <p:cNvPr id="6" name="Picture 5"/>
+          <p:cNvPicPr>
+            <a:picLocks noChangeAspect="1"/>
+          </p:cNvPicPr>
+          <p:nvPr/>
+        </p:nvPicPr>
+        <p:blipFill>
+          <a:blip r:embed="rId3" cstate="print">
             <a:extLst>
-              <a:ext uri="{FF2B5EF4-FFF2-40B4-BE49-F238E27FC236}">
-                <a16:creationId xmlns:a16="http://schemas.microsoft.com/office/drawing/2014/main" id="{09292211-FAFC-8FAB-F61F-143D16FA6345}"/>
+              <a:ext uri="{28A0092B-C50C-407E-A947-70E740481C1C}">
+                <a14:useLocalDpi xmlns:a14="http://schemas.microsoft.com/office/drawing/2010/main" val="0"/>
               </a:ext>
             </a:extLst>
-          </p:cNvPr>
-          <p:cNvSpPr>
-            <a:spLocks noGrp="1"/>
-          </p:cNvSpPr>
-          <p:nvPr>
-            <p:ph/>
-          </p:nvPr>
-        </p:nvSpPr>
+          </a:blip>
+          <a:stretch>
+            <a:fillRect/>
+          </a:stretch>
+        </p:blipFill>
         <p:spPr>
           <a:xfrm>
-            <a:off x="838080" y="1825560"/>
-            <a:ext cx="10515240" cy="4350960"/>
-          </a:xfrm>
-        </p:spPr>
-        <p:txBody>
-          <a:bodyPr/>
-          <a:lstStyle/>
-          <a:p>
-            <a:r>
-              <a:rPr lang="en-CA" dirty="0"/>
-              <a:t>Pt B: Multithreading</a:t>
-            </a:r>
-          </a:p>
-          <a:p>
-            <a:pPr lvl="1"/>
-            <a:r>
-              <a:rPr lang="en-CA" dirty="0"/>
-              <a:t>Can we multithread the initialization or cost gen?</a:t>
-            </a:r>
-          </a:p>
-          <a:p>
-            <a:pPr lvl="1"/>
-            <a:r>
-              <a:rPr lang="en-CA" dirty="0"/>
-              <a:t>Initialization is entirely independent, so multithreading is trivial</a:t>
-            </a:r>
-          </a:p>
-          <a:p>
-            <a:pPr lvl="1"/>
-            <a:r>
-              <a:rPr lang="en-CA" dirty="0"/>
-              <a:t>Cost gen unfortunately has dependencies, diagonals require the results of the entire upper matrix (Show block A)</a:t>
-            </a:r>
-          </a:p>
-          <a:p>
-            <a:pPr lvl="1"/>
-            <a:r>
-              <a:rPr lang="en-CA" dirty="0"/>
-              <a:t>We can’t thread the diagonals since one would have to completely finished before another begins (Show block A)</a:t>
-            </a:r>
-          </a:p>
-          <a:p>
-            <a:pPr lvl="1"/>
-            <a:r>
-              <a:rPr lang="en-CA" dirty="0"/>
-              <a:t>We could however multithread rows and columns dependently (Show block B)</a:t>
-            </a:r>
-          </a:p>
-          <a:p>
-            <a:pPr lvl="1"/>
-            <a:r>
-              <a:rPr lang="en-CA" dirty="0"/>
-              <a:t>This would allow 2 threads to run together. #0 starts, signals #1 after the first element is calculated, and so on…</a:t>
-            </a:r>
-          </a:p>
-          <a:p>
-            <a:pPr marL="457200" lvl="1" indent="0">
-              <a:buNone/>
-            </a:pPr>
-            <a:endParaRPr lang="en-CA" dirty="0"/>
+            <a:off x="4774201" y="4493403"/>
+            <a:ext cx="2629421" cy="2072860"/>
+          </a:xfrm>
+          <a:prstGeom prst="rect">
+            <a:avLst/>
+          </a:prstGeom>
+        </p:spPr>
+      </p:pic>
+      <p:pic>
+        <p:nvPicPr>
+          <p:cNvPr id="7" name="Picture 6"/>
+          <p:cNvPicPr>
+            <a:picLocks noChangeAspect="1"/>
+          </p:cNvPicPr>
+          <p:nvPr/>
+        </p:nvPicPr>
+        <p:blipFill>
+          <a:blip r:embed="rId4" cstate="print">
+            <a:extLst>
+              <a:ext uri="{28A0092B-C50C-407E-A947-70E740481C1C}">
+                <a14:useLocalDpi xmlns:a14="http://schemas.microsoft.com/office/drawing/2010/main" val="0"/>
+              </a:ext>
+            </a:extLst>
+          </a:blip>
+          <a:stretch>
+            <a:fillRect/>
+          </a:stretch>
+        </p:blipFill>
+        <p:spPr>
+          <a:xfrm>
+            <a:off x="9039092" y="4498463"/>
+            <a:ext cx="2923914" cy="1881051"/>
+          </a:xfrm>
+          <a:prstGeom prst="rect">
+            <a:avLst/>
+          </a:prstGeom>
+        </p:spPr>
+      </p:pic>
+      <p:pic>
+        <p:nvPicPr>
+          <p:cNvPr id="8" name="Picture 7"/>
+          <p:cNvPicPr>
+            <a:picLocks noChangeAspect="1"/>
+          </p:cNvPicPr>
+          <p:nvPr/>
+        </p:nvPicPr>
+        <p:blipFill>
+          <a:blip r:embed="rId5">
+            <a:extLst>
+              <a:ext uri="{28A0092B-C50C-407E-A947-70E740481C1C}">
+                <a14:useLocalDpi xmlns:a14="http://schemas.microsoft.com/office/drawing/2010/main" val="0"/>
+              </a:ext>
+            </a:extLst>
+          </a:blip>
+          <a:stretch>
+            <a:fillRect/>
+          </a:stretch>
+        </p:blipFill>
+        <p:spPr>
+          <a:xfrm>
+            <a:off x="235132" y="4493403"/>
+            <a:ext cx="3243234" cy="1825262"/>
+          </a:xfrm>
+          <a:prstGeom prst="rect">
+            <a:avLst/>
+          </a:prstGeom>
+        </p:spPr>
+      </p:pic>
+      <p:sp>
+        <p:nvSpPr>
+          <p:cNvPr id="9" name="Right Arrow 8"/>
+          <p:cNvSpPr/>
+          <p:nvPr/>
+        </p:nvSpPr>
+        <p:spPr>
+          <a:xfrm>
+            <a:off x="3178628" y="4911634"/>
+            <a:ext cx="1375954" cy="365760"/>
+          </a:xfrm>
+          <a:prstGeom prst="rightArrow">
+            <a:avLst/>
+          </a:prstGeom>
+        </p:spPr>
+        <p:style>
+          <a:lnRef idx="2">
+            <a:schemeClr val="accent1">
+              <a:shade val="50000"/>
+            </a:schemeClr>
+          </a:lnRef>
+          <a:fillRef idx="1">
+            <a:schemeClr val="accent1"/>
+          </a:fillRef>
+          <a:effectRef idx="0">
+            <a:schemeClr val="accent1"/>
+          </a:effectRef>
+          <a:fontRef idx="minor">
+            <a:schemeClr val="lt1"/>
+          </a:fontRef>
+        </p:style>
+        <p:txBody>
+          <a:bodyPr rtlCol="0" anchor="ctr"/>
+          <a:lstStyle/>
+          <a:p>
+            <a:pPr algn="ctr"/>
+            <a:endParaRPr lang="en-CA"/>
+          </a:p>
+        </p:txBody>
+      </p:sp>
+      <p:sp>
+        <p:nvSpPr>
+          <p:cNvPr id="10" name="Right Arrow 9"/>
+          <p:cNvSpPr/>
+          <p:nvPr/>
+        </p:nvSpPr>
+        <p:spPr>
+          <a:xfrm rot="10800000">
+            <a:off x="7559172" y="5137947"/>
+            <a:ext cx="1375954" cy="365760"/>
+          </a:xfrm>
+          <a:prstGeom prst="rightArrow">
+            <a:avLst/>
+          </a:prstGeom>
+        </p:spPr>
+        <p:style>
+          <a:lnRef idx="2">
+            <a:schemeClr val="accent1">
+              <a:shade val="50000"/>
+            </a:schemeClr>
+          </a:lnRef>
+          <a:fillRef idx="1">
+            <a:schemeClr val="accent1"/>
+          </a:fillRef>
+          <a:effectRef idx="0">
+            <a:schemeClr val="accent1"/>
+          </a:effectRef>
+          <a:fontRef idx="minor">
+            <a:schemeClr val="lt1"/>
+          </a:fontRef>
+        </p:style>
+        <p:txBody>
+          <a:bodyPr rtlCol="0" anchor="ctr"/>
+          <a:lstStyle/>
+          <a:p>
+            <a:pPr algn="ctr"/>
+            <a:endParaRPr lang="en-CA"/>
+          </a:p>
+        </p:txBody>
+      </p:sp>
+      <p:sp>
+        <p:nvSpPr>
+          <p:cNvPr id="11" name="Right Arrow 10"/>
+          <p:cNvSpPr/>
+          <p:nvPr/>
+        </p:nvSpPr>
+        <p:spPr>
+          <a:xfrm rot="16200000">
+            <a:off x="5559476" y="3957178"/>
+            <a:ext cx="706689" cy="365760"/>
+          </a:xfrm>
+          <a:prstGeom prst="rightArrow">
+            <a:avLst/>
+          </a:prstGeom>
+        </p:spPr>
+        <p:style>
+          <a:lnRef idx="2">
+            <a:schemeClr val="accent1">
+              <a:shade val="50000"/>
+            </a:schemeClr>
+          </a:lnRef>
+          <a:fillRef idx="1">
+            <a:schemeClr val="accent1"/>
+          </a:fillRef>
+          <a:effectRef idx="0">
+            <a:schemeClr val="accent1"/>
+          </a:effectRef>
+          <a:fontRef idx="minor">
+            <a:schemeClr val="lt1"/>
+          </a:fontRef>
+        </p:style>
+        <p:txBody>
+          <a:bodyPr rtlCol="0" anchor="ctr"/>
+          <a:lstStyle/>
+          <a:p>
+            <a:pPr algn="ctr"/>
+            <a:endParaRPr lang="en-CA"/>
+          </a:p>
+        </p:txBody>
+      </p:sp>
+      <p:sp>
+        <p:nvSpPr>
+          <p:cNvPr id="12" name="Right Arrow 11"/>
+          <p:cNvSpPr/>
+          <p:nvPr/>
+        </p:nvSpPr>
+        <p:spPr>
+          <a:xfrm rot="5400000">
+            <a:off x="6060967" y="4017284"/>
+            <a:ext cx="706689" cy="365760"/>
+          </a:xfrm>
+          <a:prstGeom prst="rightArrow">
+            <a:avLst/>
+          </a:prstGeom>
+        </p:spPr>
+        <p:style>
+          <a:lnRef idx="2">
+            <a:schemeClr val="accent1">
+              <a:shade val="50000"/>
+            </a:schemeClr>
+          </a:lnRef>
+          <a:fillRef idx="1">
+            <a:schemeClr val="accent1"/>
+          </a:fillRef>
+          <a:effectRef idx="0">
+            <a:schemeClr val="accent1"/>
+          </a:effectRef>
+          <a:fontRef idx="minor">
+            <a:schemeClr val="lt1"/>
+          </a:fontRef>
+        </p:style>
+        <p:txBody>
+          <a:bodyPr rtlCol="0" anchor="ctr"/>
+          <a:lstStyle/>
+          <a:p>
+            <a:pPr algn="ctr"/>
+            <a:endParaRPr lang="en-CA"/>
           </a:p>
         </p:txBody>
       </p:sp>
     </p:spTree>
     <p:extLst>
       <p:ext uri="{BB962C8B-B14F-4D97-AF65-F5344CB8AC3E}">
-        <p14:creationId xmlns:p14="http://schemas.microsoft.com/office/powerpoint/2010/main" val="1568111401"/>
+        <p14:creationId xmlns:p14="http://schemas.microsoft.com/office/powerpoint/2010/main" val="1786279726"/>
       </p:ext>
     </p:extLst>
   </p:cSld>
